--- a/class-notes/cs321-winter-2023-lecture-9-classes-and-libraries.pptx
+++ b/class-notes/cs321-winter-2023-lecture-9-classes-and-libraries.pptx
@@ -5,61 +5,44 @@
     <p:sldMasterId id="2147484010" r:id="rId1"/>
   </p:sldMasterIdLst>
   <p:notesMasterIdLst>
-    <p:notesMasterId r:id="rId37"/>
+    <p:notesMasterId r:id="rId20"/>
   </p:notesMasterIdLst>
   <p:sldIdLst>
     <p:sldId id="449" r:id="rId2"/>
-    <p:sldId id="477" r:id="rId3"/>
-    <p:sldId id="467" r:id="rId4"/>
-    <p:sldId id="481" r:id="rId5"/>
-    <p:sldId id="487" r:id="rId6"/>
-    <p:sldId id="473" r:id="rId7"/>
-    <p:sldId id="495" r:id="rId8"/>
-    <p:sldId id="493" r:id="rId9"/>
-    <p:sldId id="479" r:id="rId10"/>
-    <p:sldId id="494" r:id="rId11"/>
-    <p:sldId id="484" r:id="rId12"/>
-    <p:sldId id="482" r:id="rId13"/>
-    <p:sldId id="480" r:id="rId14"/>
-    <p:sldId id="469" r:id="rId15"/>
-    <p:sldId id="450" r:id="rId16"/>
-    <p:sldId id="460" r:id="rId17"/>
-    <p:sldId id="461" r:id="rId18"/>
-    <p:sldId id="463" r:id="rId19"/>
-    <p:sldId id="462" r:id="rId20"/>
-    <p:sldId id="474" r:id="rId21"/>
-    <p:sldId id="471" r:id="rId22"/>
-    <p:sldId id="485" r:id="rId23"/>
-    <p:sldId id="451" r:id="rId24"/>
-    <p:sldId id="452" r:id="rId25"/>
-    <p:sldId id="489" r:id="rId26"/>
-    <p:sldId id="488" r:id="rId27"/>
-    <p:sldId id="475" r:id="rId28"/>
-    <p:sldId id="491" r:id="rId29"/>
-    <p:sldId id="492" r:id="rId30"/>
-    <p:sldId id="457" r:id="rId31"/>
-    <p:sldId id="465" r:id="rId32"/>
-    <p:sldId id="466" r:id="rId33"/>
-    <p:sldId id="459" r:id="rId34"/>
-    <p:sldId id="458" r:id="rId35"/>
-    <p:sldId id="456" r:id="rId36"/>
+    <p:sldId id="484" r:id="rId3"/>
+    <p:sldId id="481" r:id="rId4"/>
+    <p:sldId id="487" r:id="rId5"/>
+    <p:sldId id="494" r:id="rId6"/>
+    <p:sldId id="452" r:id="rId7"/>
+    <p:sldId id="500" r:id="rId8"/>
+    <p:sldId id="501" r:id="rId9"/>
+    <p:sldId id="502" r:id="rId10"/>
+    <p:sldId id="474" r:id="rId11"/>
+    <p:sldId id="503" r:id="rId12"/>
+    <p:sldId id="489" r:id="rId13"/>
+    <p:sldId id="497" r:id="rId14"/>
+    <p:sldId id="496" r:id="rId15"/>
+    <p:sldId id="495" r:id="rId16"/>
+    <p:sldId id="498" r:id="rId17"/>
+    <p:sldId id="488" r:id="rId18"/>
+    <p:sldId id="499" r:id="rId19"/>
   </p:sldIdLst>
   <p:sldSz cx="18288000" cy="10287000"/>
   <p:notesSz cx="18288000" cy="10287000"/>
   <p:embeddedFontLst>
     <p:embeddedFont>
       <p:font typeface="Calibri" panose="020F0502020204030204" pitchFamily="34" charset="0"/>
-      <p:regular r:id="rId38"/>
-      <p:bold r:id="rId39"/>
-      <p:italic r:id="rId40"/>
-      <p:boldItalic r:id="rId41"/>
+      <p:regular r:id="rId21"/>
+      <p:bold r:id="rId22"/>
+      <p:italic r:id="rId23"/>
+      <p:boldItalic r:id="rId24"/>
     </p:embeddedFont>
     <p:embeddedFont>
       <p:font typeface="Corbel" panose="020B0503020204020204" pitchFamily="34" charset="0"/>
-      <p:regular r:id="rId42"/>
-      <p:bold r:id="rId43"/>
-      <p:italic r:id="rId44"/>
-      <p:boldItalic r:id="rId45"/>
+      <p:regular r:id="rId25"/>
+      <p:bold r:id="rId26"/>
+      <p:italic r:id="rId27"/>
+      <p:boldItalic r:id="rId28"/>
     </p:embeddedFont>
   </p:embeddedFontLst>
   <p:defaultTextStyle>
@@ -176,144 +159,3586 @@
 </p:presentation>
 </file>
 
-<file path=ppt/changesInfos/changesInfo1.xml><?xml version="1.0" encoding="utf-8"?>
-<pc:chgInfo xmlns:a="http://schemas.openxmlformats.org/drawingml/2006/main" xmlns:r="http://schemas.openxmlformats.org/officeDocument/2006/relationships" xmlns:ac="http://schemas.microsoft.com/office/drawing/2013/main/command" xmlns:pc="http://schemas.microsoft.com/office/powerpoint/2013/main/command">
-  <pc:docChgLst>
-    <pc:chgData name="Christopher Diggins" userId="5aeb5eb5ad850d79" providerId="LiveId" clId="{FAEAEC67-3989-44AA-BFD1-E6BE8065FAA8}"/>
-    <pc:docChg chg="delSld delSection modSection">
-      <pc:chgData name="Christopher Diggins" userId="5aeb5eb5ad850d79" providerId="LiveId" clId="{FAEAEC67-3989-44AA-BFD1-E6BE8065FAA8}" dt="2023-01-16T16:05:27.748" v="4" actId="17851"/>
-      <pc:docMkLst>
-        <pc:docMk/>
-      </pc:docMkLst>
-      <pc:sldChg chg="del">
-        <pc:chgData name="Christopher Diggins" userId="5aeb5eb5ad850d79" providerId="LiveId" clId="{FAEAEC67-3989-44AA-BFD1-E6BE8065FAA8}" dt="2023-01-16T16:05:25.253" v="3" actId="47"/>
-        <pc:sldMkLst>
-          <pc:docMk/>
-          <pc:sldMk cId="4240912134" sldId="290"/>
-        </pc:sldMkLst>
-      </pc:sldChg>
-      <pc:sldChg chg="del">
-        <pc:chgData name="Christopher Diggins" userId="5aeb5eb5ad850d79" providerId="LiveId" clId="{FAEAEC67-3989-44AA-BFD1-E6BE8065FAA8}" dt="2023-01-16T16:05:23.285" v="2" actId="47"/>
-        <pc:sldMkLst>
-          <pc:docMk/>
-          <pc:sldMk cId="387565215" sldId="331"/>
-        </pc:sldMkLst>
-      </pc:sldChg>
-      <pc:sldChg chg="del">
-        <pc:chgData name="Christopher Diggins" userId="5aeb5eb5ad850d79" providerId="LiveId" clId="{FAEAEC67-3989-44AA-BFD1-E6BE8065FAA8}" dt="2023-01-16T16:05:23.285" v="2" actId="47"/>
-        <pc:sldMkLst>
-          <pc:docMk/>
-          <pc:sldMk cId="2395597857" sldId="340"/>
-        </pc:sldMkLst>
-      </pc:sldChg>
-      <pc:sldChg chg="del">
-        <pc:chgData name="Christopher Diggins" userId="5aeb5eb5ad850d79" providerId="LiveId" clId="{FAEAEC67-3989-44AA-BFD1-E6BE8065FAA8}" dt="2023-01-16T16:05:23.285" v="2" actId="47"/>
-        <pc:sldMkLst>
-          <pc:docMk/>
-          <pc:sldMk cId="3495615119" sldId="349"/>
-        </pc:sldMkLst>
-      </pc:sldChg>
-      <pc:sldChg chg="del">
-        <pc:chgData name="Christopher Diggins" userId="5aeb5eb5ad850d79" providerId="LiveId" clId="{FAEAEC67-3989-44AA-BFD1-E6BE8065FAA8}" dt="2023-01-16T16:05:23.285" v="2" actId="47"/>
-        <pc:sldMkLst>
-          <pc:docMk/>
-          <pc:sldMk cId="2023647493" sldId="350"/>
-        </pc:sldMkLst>
-      </pc:sldChg>
-      <pc:sldChg chg="del">
-        <pc:chgData name="Christopher Diggins" userId="5aeb5eb5ad850d79" providerId="LiveId" clId="{FAEAEC67-3989-44AA-BFD1-E6BE8065FAA8}" dt="2023-01-16T16:05:23.285" v="2" actId="47"/>
-        <pc:sldMkLst>
-          <pc:docMk/>
-          <pc:sldMk cId="3687793300" sldId="352"/>
-        </pc:sldMkLst>
-      </pc:sldChg>
-      <pc:sldChg chg="del">
-        <pc:chgData name="Christopher Diggins" userId="5aeb5eb5ad850d79" providerId="LiveId" clId="{FAEAEC67-3989-44AA-BFD1-E6BE8065FAA8}" dt="2023-01-16T16:05:23.285" v="2" actId="47"/>
-        <pc:sldMkLst>
-          <pc:docMk/>
-          <pc:sldMk cId="4161864280" sldId="355"/>
-        </pc:sldMkLst>
-      </pc:sldChg>
-      <pc:sldChg chg="del">
-        <pc:chgData name="Christopher Diggins" userId="5aeb5eb5ad850d79" providerId="LiveId" clId="{FAEAEC67-3989-44AA-BFD1-E6BE8065FAA8}" dt="2023-01-16T16:05:23.285" v="2" actId="47"/>
-        <pc:sldMkLst>
-          <pc:docMk/>
-          <pc:sldMk cId="1160348773" sldId="370"/>
-        </pc:sldMkLst>
-      </pc:sldChg>
-      <pc:sldChg chg="del">
-        <pc:chgData name="Christopher Diggins" userId="5aeb5eb5ad850d79" providerId="LiveId" clId="{FAEAEC67-3989-44AA-BFD1-E6BE8065FAA8}" dt="2023-01-16T16:05:23.285" v="2" actId="47"/>
-        <pc:sldMkLst>
-          <pc:docMk/>
-          <pc:sldMk cId="3548860025" sldId="371"/>
-        </pc:sldMkLst>
-      </pc:sldChg>
-      <pc:sldChg chg="del">
-        <pc:chgData name="Christopher Diggins" userId="5aeb5eb5ad850d79" providerId="LiveId" clId="{FAEAEC67-3989-44AA-BFD1-E6BE8065FAA8}" dt="2023-01-16T16:05:23.285" v="2" actId="47"/>
-        <pc:sldMkLst>
-          <pc:docMk/>
-          <pc:sldMk cId="1170558008" sldId="376"/>
-        </pc:sldMkLst>
-      </pc:sldChg>
-      <pc:sldChg chg="del">
-        <pc:chgData name="Christopher Diggins" userId="5aeb5eb5ad850d79" providerId="LiveId" clId="{FAEAEC67-3989-44AA-BFD1-E6BE8065FAA8}" dt="2023-01-16T16:05:23.285" v="2" actId="47"/>
-        <pc:sldMkLst>
-          <pc:docMk/>
-          <pc:sldMk cId="1764889696" sldId="384"/>
-        </pc:sldMkLst>
-      </pc:sldChg>
-      <pc:sldChg chg="del">
-        <pc:chgData name="Christopher Diggins" userId="5aeb5eb5ad850d79" providerId="LiveId" clId="{FAEAEC67-3989-44AA-BFD1-E6BE8065FAA8}" dt="2023-01-16T16:05:23.285" v="2" actId="47"/>
-        <pc:sldMkLst>
-          <pc:docMk/>
-          <pc:sldMk cId="3289853287" sldId="385"/>
-        </pc:sldMkLst>
-      </pc:sldChg>
-      <pc:sldChg chg="del">
-        <pc:chgData name="Christopher Diggins" userId="5aeb5eb5ad850d79" providerId="LiveId" clId="{FAEAEC67-3989-44AA-BFD1-E6BE8065FAA8}" dt="2023-01-16T16:05:23.285" v="2" actId="47"/>
-        <pc:sldMkLst>
-          <pc:docMk/>
-          <pc:sldMk cId="4186268803" sldId="386"/>
-        </pc:sldMkLst>
-      </pc:sldChg>
-      <pc:sldChg chg="del">
-        <pc:chgData name="Christopher Diggins" userId="5aeb5eb5ad850d79" providerId="LiveId" clId="{FAEAEC67-3989-44AA-BFD1-E6BE8065FAA8}" dt="2023-01-16T16:05:23.285" v="2" actId="47"/>
-        <pc:sldMkLst>
-          <pc:docMk/>
-          <pc:sldMk cId="3764263532" sldId="406"/>
-        </pc:sldMkLst>
-      </pc:sldChg>
-      <pc:sldChg chg="del">
-        <pc:chgData name="Christopher Diggins" userId="5aeb5eb5ad850d79" providerId="LiveId" clId="{FAEAEC67-3989-44AA-BFD1-E6BE8065FAA8}" dt="2023-01-16T16:05:23.285" v="2" actId="47"/>
-        <pc:sldMkLst>
-          <pc:docMk/>
-          <pc:sldMk cId="3336148347" sldId="441"/>
-        </pc:sldMkLst>
-      </pc:sldChg>
-      <pc:sldChg chg="del">
-        <pc:chgData name="Christopher Diggins" userId="5aeb5eb5ad850d79" providerId="LiveId" clId="{FAEAEC67-3989-44AA-BFD1-E6BE8065FAA8}" dt="2023-01-16T16:05:23.285" v="2" actId="47"/>
-        <pc:sldMkLst>
-          <pc:docMk/>
-          <pc:sldMk cId="2147981962" sldId="442"/>
-        </pc:sldMkLst>
-      </pc:sldChg>
-      <pc:sldChg chg="del">
-        <pc:chgData name="Christopher Diggins" userId="5aeb5eb5ad850d79" providerId="LiveId" clId="{FAEAEC67-3989-44AA-BFD1-E6BE8065FAA8}" dt="2023-01-16T16:05:23.285" v="2" actId="47"/>
-        <pc:sldMkLst>
-          <pc:docMk/>
-          <pc:sldMk cId="1208299336" sldId="443"/>
-        </pc:sldMkLst>
-      </pc:sldChg>
-      <pc:sldChg chg="del">
-        <pc:chgData name="Christopher Diggins" userId="5aeb5eb5ad850d79" providerId="LiveId" clId="{FAEAEC67-3989-44AA-BFD1-E6BE8065FAA8}" dt="2023-01-16T16:05:23.285" v="2" actId="47"/>
-        <pc:sldMkLst>
-          <pc:docMk/>
-          <pc:sldMk cId="2326411581" sldId="444"/>
-        </pc:sldMkLst>
-      </pc:sldChg>
-    </pc:docChg>
-  </pc:docChgLst>
-</pc:chgInfo>
+<file path=ppt/diagrams/colors1.xml><?xml version="1.0" encoding="utf-8"?>
+<dgm:colorsDef xmlns:dgm="http://schemas.openxmlformats.org/drawingml/2006/diagram" xmlns:a="http://schemas.openxmlformats.org/drawingml/2006/main" uniqueId="urn:microsoft.com/office/officeart/2005/8/colors/accent1_2">
+  <dgm:title val=""/>
+  <dgm:desc val=""/>
+  <dgm:catLst>
+    <dgm:cat type="accent1" pri="11200"/>
+  </dgm:catLst>
+  <dgm:styleLbl name="node0">
+    <dgm:fillClrLst meth="repeat">
+      <a:schemeClr val="accent1"/>
+    </dgm:fillClrLst>
+    <dgm:linClrLst meth="repeat">
+      <a:schemeClr val="lt1"/>
+    </dgm:linClrLst>
+    <dgm:effectClrLst/>
+    <dgm:txLinClrLst/>
+    <dgm:txFillClrLst/>
+    <dgm:txEffectClrLst/>
+  </dgm:styleLbl>
+  <dgm:styleLbl name="alignNode1">
+    <dgm:fillClrLst meth="repeat">
+      <a:schemeClr val="accent1"/>
+    </dgm:fillClrLst>
+    <dgm:linClrLst meth="repeat">
+      <a:schemeClr val="accent1"/>
+    </dgm:linClrLst>
+    <dgm:effectClrLst/>
+    <dgm:txLinClrLst/>
+    <dgm:txFillClrLst/>
+    <dgm:txEffectClrLst/>
+  </dgm:styleLbl>
+  <dgm:styleLbl name="node1">
+    <dgm:fillClrLst meth="repeat">
+      <a:schemeClr val="accent1"/>
+    </dgm:fillClrLst>
+    <dgm:linClrLst meth="repeat">
+      <a:schemeClr val="lt1"/>
+    </dgm:linClrLst>
+    <dgm:effectClrLst/>
+    <dgm:txLinClrLst/>
+    <dgm:txFillClrLst/>
+    <dgm:txEffectClrLst/>
+  </dgm:styleLbl>
+  <dgm:styleLbl name="lnNode1">
+    <dgm:fillClrLst meth="repeat">
+      <a:schemeClr val="accent1"/>
+    </dgm:fillClrLst>
+    <dgm:linClrLst meth="repeat">
+      <a:schemeClr val="lt1"/>
+    </dgm:linClrLst>
+    <dgm:effectClrLst/>
+    <dgm:txLinClrLst/>
+    <dgm:txFillClrLst/>
+    <dgm:txEffectClrLst/>
+  </dgm:styleLbl>
+  <dgm:styleLbl name="vennNode1">
+    <dgm:fillClrLst meth="repeat">
+      <a:schemeClr val="accent1">
+        <a:alpha val="50000"/>
+      </a:schemeClr>
+    </dgm:fillClrLst>
+    <dgm:linClrLst meth="repeat">
+      <a:schemeClr val="lt1"/>
+    </dgm:linClrLst>
+    <dgm:effectClrLst/>
+    <dgm:txLinClrLst/>
+    <dgm:txFillClrLst/>
+    <dgm:txEffectClrLst/>
+  </dgm:styleLbl>
+  <dgm:styleLbl name="node2">
+    <dgm:fillClrLst meth="repeat">
+      <a:schemeClr val="accent1"/>
+    </dgm:fillClrLst>
+    <dgm:linClrLst meth="repeat">
+      <a:schemeClr val="lt1"/>
+    </dgm:linClrLst>
+    <dgm:effectClrLst/>
+    <dgm:txLinClrLst/>
+    <dgm:txFillClrLst/>
+    <dgm:txEffectClrLst/>
+  </dgm:styleLbl>
+  <dgm:styleLbl name="node3">
+    <dgm:fillClrLst meth="repeat">
+      <a:schemeClr val="accent1"/>
+    </dgm:fillClrLst>
+    <dgm:linClrLst meth="repeat">
+      <a:schemeClr val="lt1"/>
+    </dgm:linClrLst>
+    <dgm:effectClrLst/>
+    <dgm:txLinClrLst/>
+    <dgm:txFillClrLst/>
+    <dgm:txEffectClrLst/>
+  </dgm:styleLbl>
+  <dgm:styleLbl name="node4">
+    <dgm:fillClrLst meth="repeat">
+      <a:schemeClr val="accent1"/>
+    </dgm:fillClrLst>
+    <dgm:linClrLst meth="repeat">
+      <a:schemeClr val="lt1"/>
+    </dgm:linClrLst>
+    <dgm:effectClrLst/>
+    <dgm:txLinClrLst/>
+    <dgm:txFillClrLst/>
+    <dgm:txEffectClrLst/>
+  </dgm:styleLbl>
+  <dgm:styleLbl name="fgImgPlace1">
+    <dgm:fillClrLst meth="repeat">
+      <a:schemeClr val="accent1">
+        <a:tint val="50000"/>
+      </a:schemeClr>
+    </dgm:fillClrLst>
+    <dgm:linClrLst meth="repeat">
+      <a:schemeClr val="lt1"/>
+    </dgm:linClrLst>
+    <dgm:effectClrLst/>
+    <dgm:txLinClrLst/>
+    <dgm:txFillClrLst meth="repeat">
+      <a:schemeClr val="lt1"/>
+    </dgm:txFillClrLst>
+    <dgm:txEffectClrLst/>
+  </dgm:styleLbl>
+  <dgm:styleLbl name="alignImgPlace1">
+    <dgm:fillClrLst meth="repeat">
+      <a:schemeClr val="accent1">
+        <a:tint val="50000"/>
+      </a:schemeClr>
+    </dgm:fillClrLst>
+    <dgm:linClrLst meth="repeat">
+      <a:schemeClr val="lt1"/>
+    </dgm:linClrLst>
+    <dgm:effectClrLst/>
+    <dgm:txLinClrLst/>
+    <dgm:txFillClrLst meth="repeat">
+      <a:schemeClr val="lt1"/>
+    </dgm:txFillClrLst>
+    <dgm:txEffectClrLst/>
+  </dgm:styleLbl>
+  <dgm:styleLbl name="bgImgPlace1">
+    <dgm:fillClrLst meth="repeat">
+      <a:schemeClr val="accent1">
+        <a:tint val="50000"/>
+      </a:schemeClr>
+    </dgm:fillClrLst>
+    <dgm:linClrLst meth="repeat">
+      <a:schemeClr val="lt1"/>
+    </dgm:linClrLst>
+    <dgm:effectClrLst/>
+    <dgm:txLinClrLst/>
+    <dgm:txFillClrLst meth="repeat">
+      <a:schemeClr val="lt1"/>
+    </dgm:txFillClrLst>
+    <dgm:txEffectClrLst/>
+  </dgm:styleLbl>
+  <dgm:styleLbl name="sibTrans2D1">
+    <dgm:fillClrLst meth="repeat">
+      <a:schemeClr val="accent1">
+        <a:tint val="60000"/>
+      </a:schemeClr>
+    </dgm:fillClrLst>
+    <dgm:linClrLst meth="repeat">
+      <a:schemeClr val="accent1">
+        <a:tint val="60000"/>
+      </a:schemeClr>
+    </dgm:linClrLst>
+    <dgm:effectClrLst/>
+    <dgm:txLinClrLst/>
+    <dgm:txFillClrLst/>
+    <dgm:txEffectClrLst/>
+  </dgm:styleLbl>
+  <dgm:styleLbl name="fgSibTrans2D1">
+    <dgm:fillClrLst meth="repeat">
+      <a:schemeClr val="accent1">
+        <a:tint val="60000"/>
+      </a:schemeClr>
+    </dgm:fillClrLst>
+    <dgm:linClrLst meth="repeat">
+      <a:schemeClr val="accent1">
+        <a:tint val="60000"/>
+      </a:schemeClr>
+    </dgm:linClrLst>
+    <dgm:effectClrLst/>
+    <dgm:txLinClrLst/>
+    <dgm:txFillClrLst/>
+    <dgm:txEffectClrLst/>
+  </dgm:styleLbl>
+  <dgm:styleLbl name="bgSibTrans2D1">
+    <dgm:fillClrLst meth="repeat">
+      <a:schemeClr val="accent1">
+        <a:tint val="60000"/>
+      </a:schemeClr>
+    </dgm:fillClrLst>
+    <dgm:linClrLst meth="repeat">
+      <a:schemeClr val="accent1">
+        <a:tint val="60000"/>
+      </a:schemeClr>
+    </dgm:linClrLst>
+    <dgm:effectClrLst/>
+    <dgm:txLinClrLst/>
+    <dgm:txFillClrLst/>
+    <dgm:txEffectClrLst/>
+  </dgm:styleLbl>
+  <dgm:styleLbl name="sibTrans1D1">
+    <dgm:fillClrLst meth="repeat">
+      <a:schemeClr val="accent1"/>
+    </dgm:fillClrLst>
+    <dgm:linClrLst meth="repeat">
+      <a:schemeClr val="accent1"/>
+    </dgm:linClrLst>
+    <dgm:effectClrLst/>
+    <dgm:txLinClrLst/>
+    <dgm:txFillClrLst meth="repeat">
+      <a:schemeClr val="tx1"/>
+    </dgm:txFillClrLst>
+    <dgm:txEffectClrLst/>
+  </dgm:styleLbl>
+  <dgm:styleLbl name="callout">
+    <dgm:fillClrLst meth="repeat">
+      <a:schemeClr val="accent1"/>
+    </dgm:fillClrLst>
+    <dgm:linClrLst meth="repeat">
+      <a:schemeClr val="accent1">
+        <a:tint val="50000"/>
+      </a:schemeClr>
+    </dgm:linClrLst>
+    <dgm:effectClrLst/>
+    <dgm:txLinClrLst/>
+    <dgm:txFillClrLst meth="repeat">
+      <a:schemeClr val="tx1"/>
+    </dgm:txFillClrLst>
+    <dgm:txEffectClrLst/>
+  </dgm:styleLbl>
+  <dgm:styleLbl name="asst0">
+    <dgm:fillClrLst meth="repeat">
+      <a:schemeClr val="accent1"/>
+    </dgm:fillClrLst>
+    <dgm:linClrLst meth="repeat">
+      <a:schemeClr val="lt1"/>
+    </dgm:linClrLst>
+    <dgm:effectClrLst/>
+    <dgm:txLinClrLst/>
+    <dgm:txFillClrLst/>
+    <dgm:txEffectClrLst/>
+  </dgm:styleLbl>
+  <dgm:styleLbl name="asst1">
+    <dgm:fillClrLst meth="repeat">
+      <a:schemeClr val="accent1"/>
+    </dgm:fillClrLst>
+    <dgm:linClrLst meth="repeat">
+      <a:schemeClr val="lt1"/>
+    </dgm:linClrLst>
+    <dgm:effectClrLst/>
+    <dgm:txLinClrLst/>
+    <dgm:txFillClrLst/>
+    <dgm:txEffectClrLst/>
+  </dgm:styleLbl>
+  <dgm:styleLbl name="asst2">
+    <dgm:fillClrLst meth="repeat">
+      <a:schemeClr val="accent1"/>
+    </dgm:fillClrLst>
+    <dgm:linClrLst meth="repeat">
+      <a:schemeClr val="lt1"/>
+    </dgm:linClrLst>
+    <dgm:effectClrLst/>
+    <dgm:txLinClrLst/>
+    <dgm:txFillClrLst/>
+    <dgm:txEffectClrLst/>
+  </dgm:styleLbl>
+  <dgm:styleLbl name="asst3">
+    <dgm:fillClrLst meth="repeat">
+      <a:schemeClr val="accent1"/>
+    </dgm:fillClrLst>
+    <dgm:linClrLst meth="repeat">
+      <a:schemeClr val="lt1"/>
+    </dgm:linClrLst>
+    <dgm:effectClrLst/>
+    <dgm:txLinClrLst/>
+    <dgm:txFillClrLst/>
+    <dgm:txEffectClrLst/>
+  </dgm:styleLbl>
+  <dgm:styleLbl name="asst4">
+    <dgm:fillClrLst meth="repeat">
+      <a:schemeClr val="accent1"/>
+    </dgm:fillClrLst>
+    <dgm:linClrLst meth="repeat">
+      <a:schemeClr val="lt1"/>
+    </dgm:linClrLst>
+    <dgm:effectClrLst/>
+    <dgm:txLinClrLst/>
+    <dgm:txFillClrLst/>
+    <dgm:txEffectClrLst/>
+  </dgm:styleLbl>
+  <dgm:styleLbl name="parChTrans2D1">
+    <dgm:fillClrLst meth="repeat">
+      <a:schemeClr val="accent1">
+        <a:tint val="60000"/>
+      </a:schemeClr>
+    </dgm:fillClrLst>
+    <dgm:linClrLst meth="repeat">
+      <a:schemeClr val="accent1">
+        <a:tint val="60000"/>
+      </a:schemeClr>
+    </dgm:linClrLst>
+    <dgm:effectClrLst/>
+    <dgm:txLinClrLst/>
+    <dgm:txFillClrLst meth="repeat">
+      <a:schemeClr val="lt1"/>
+    </dgm:txFillClrLst>
+    <dgm:txEffectClrLst/>
+  </dgm:styleLbl>
+  <dgm:styleLbl name="parChTrans2D2">
+    <dgm:fillClrLst meth="repeat">
+      <a:schemeClr val="accent1"/>
+    </dgm:fillClrLst>
+    <dgm:linClrLst meth="repeat">
+      <a:schemeClr val="accent1"/>
+    </dgm:linClrLst>
+    <dgm:effectClrLst/>
+    <dgm:txLinClrLst/>
+    <dgm:txFillClrLst meth="repeat">
+      <a:schemeClr val="lt1"/>
+    </dgm:txFillClrLst>
+    <dgm:txEffectClrLst/>
+  </dgm:styleLbl>
+  <dgm:styleLbl name="parChTrans2D3">
+    <dgm:fillClrLst meth="repeat">
+      <a:schemeClr val="accent1"/>
+    </dgm:fillClrLst>
+    <dgm:linClrLst meth="repeat">
+      <a:schemeClr val="accent1"/>
+    </dgm:linClrLst>
+    <dgm:effectClrLst/>
+    <dgm:txLinClrLst/>
+    <dgm:txFillClrLst meth="repeat">
+      <a:schemeClr val="lt1"/>
+    </dgm:txFillClrLst>
+    <dgm:txEffectClrLst/>
+  </dgm:styleLbl>
+  <dgm:styleLbl name="parChTrans2D4">
+    <dgm:fillClrLst meth="repeat">
+      <a:schemeClr val="accent1"/>
+    </dgm:fillClrLst>
+    <dgm:linClrLst meth="repeat">
+      <a:schemeClr val="accent1"/>
+    </dgm:linClrLst>
+    <dgm:effectClrLst/>
+    <dgm:txLinClrLst/>
+    <dgm:txFillClrLst meth="repeat">
+      <a:schemeClr val="lt1"/>
+    </dgm:txFillClrLst>
+    <dgm:txEffectClrLst/>
+  </dgm:styleLbl>
+  <dgm:styleLbl name="parChTrans1D1">
+    <dgm:fillClrLst meth="repeat">
+      <a:schemeClr val="accent1"/>
+    </dgm:fillClrLst>
+    <dgm:linClrLst meth="repeat">
+      <a:schemeClr val="accent1">
+        <a:shade val="60000"/>
+      </a:schemeClr>
+    </dgm:linClrLst>
+    <dgm:effectClrLst/>
+    <dgm:txLinClrLst/>
+    <dgm:txFillClrLst meth="repeat">
+      <a:schemeClr val="tx1"/>
+    </dgm:txFillClrLst>
+    <dgm:txEffectClrLst/>
+  </dgm:styleLbl>
+  <dgm:styleLbl name="parChTrans1D2">
+    <dgm:fillClrLst meth="repeat">
+      <a:schemeClr val="accent1"/>
+    </dgm:fillClrLst>
+    <dgm:linClrLst meth="repeat">
+      <a:schemeClr val="accent1">
+        <a:shade val="60000"/>
+      </a:schemeClr>
+    </dgm:linClrLst>
+    <dgm:effectClrLst/>
+    <dgm:txLinClrLst/>
+    <dgm:txFillClrLst meth="repeat">
+      <a:schemeClr val="tx1"/>
+    </dgm:txFillClrLst>
+    <dgm:txEffectClrLst/>
+  </dgm:styleLbl>
+  <dgm:styleLbl name="parChTrans1D3">
+    <dgm:fillClrLst meth="repeat">
+      <a:schemeClr val="accent1"/>
+    </dgm:fillClrLst>
+    <dgm:linClrLst meth="repeat">
+      <a:schemeClr val="accent1">
+        <a:shade val="80000"/>
+      </a:schemeClr>
+    </dgm:linClrLst>
+    <dgm:effectClrLst/>
+    <dgm:txLinClrLst/>
+    <dgm:txFillClrLst meth="repeat">
+      <a:schemeClr val="tx1"/>
+    </dgm:txFillClrLst>
+    <dgm:txEffectClrLst/>
+  </dgm:styleLbl>
+  <dgm:styleLbl name="parChTrans1D4">
+    <dgm:fillClrLst meth="repeat">
+      <a:schemeClr val="accent1"/>
+    </dgm:fillClrLst>
+    <dgm:linClrLst meth="repeat">
+      <a:schemeClr val="accent1">
+        <a:shade val="80000"/>
+      </a:schemeClr>
+    </dgm:linClrLst>
+    <dgm:effectClrLst/>
+    <dgm:txLinClrLst/>
+    <dgm:txFillClrLst meth="repeat">
+      <a:schemeClr val="tx1"/>
+    </dgm:txFillClrLst>
+    <dgm:txEffectClrLst/>
+  </dgm:styleLbl>
+  <dgm:styleLbl name="fgAcc1">
+    <dgm:fillClrLst meth="repeat">
+      <a:schemeClr val="lt1">
+        <a:alpha val="90000"/>
+      </a:schemeClr>
+    </dgm:fillClrLst>
+    <dgm:linClrLst meth="repeat">
+      <a:schemeClr val="accent1"/>
+    </dgm:linClrLst>
+    <dgm:effectClrLst/>
+    <dgm:txLinClrLst/>
+    <dgm:txFillClrLst meth="repeat">
+      <a:schemeClr val="dk1"/>
+    </dgm:txFillClrLst>
+    <dgm:txEffectClrLst/>
+  </dgm:styleLbl>
+  <dgm:styleLbl name="conFgAcc1">
+    <dgm:fillClrLst meth="repeat">
+      <a:schemeClr val="lt1">
+        <a:alpha val="90000"/>
+      </a:schemeClr>
+    </dgm:fillClrLst>
+    <dgm:linClrLst meth="repeat">
+      <a:schemeClr val="accent1"/>
+    </dgm:linClrLst>
+    <dgm:effectClrLst/>
+    <dgm:txLinClrLst/>
+    <dgm:txFillClrLst meth="repeat">
+      <a:schemeClr val="dk1"/>
+    </dgm:txFillClrLst>
+    <dgm:txEffectClrLst/>
+  </dgm:styleLbl>
+  <dgm:styleLbl name="alignAcc1">
+    <dgm:fillClrLst meth="repeat">
+      <a:schemeClr val="lt1">
+        <a:alpha val="90000"/>
+      </a:schemeClr>
+    </dgm:fillClrLst>
+    <dgm:linClrLst meth="repeat">
+      <a:schemeClr val="accent1"/>
+    </dgm:linClrLst>
+    <dgm:effectClrLst/>
+    <dgm:txLinClrLst/>
+    <dgm:txFillClrLst meth="repeat">
+      <a:schemeClr val="dk1"/>
+    </dgm:txFillClrLst>
+    <dgm:txEffectClrLst/>
+  </dgm:styleLbl>
+  <dgm:styleLbl name="trAlignAcc1">
+    <dgm:fillClrLst meth="repeat">
+      <a:schemeClr val="lt1">
+        <a:alpha val="40000"/>
+      </a:schemeClr>
+    </dgm:fillClrLst>
+    <dgm:linClrLst meth="repeat">
+      <a:schemeClr val="accent1"/>
+    </dgm:linClrLst>
+    <dgm:effectClrLst/>
+    <dgm:txLinClrLst/>
+    <dgm:txFillClrLst meth="repeat">
+      <a:schemeClr val="dk1"/>
+    </dgm:txFillClrLst>
+    <dgm:txEffectClrLst/>
+  </dgm:styleLbl>
+  <dgm:styleLbl name="bgAcc1">
+    <dgm:fillClrLst meth="repeat">
+      <a:schemeClr val="lt1">
+        <a:alpha val="90000"/>
+      </a:schemeClr>
+    </dgm:fillClrLst>
+    <dgm:linClrLst meth="repeat">
+      <a:schemeClr val="accent1"/>
+    </dgm:linClrLst>
+    <dgm:effectClrLst/>
+    <dgm:txLinClrLst/>
+    <dgm:txFillClrLst meth="repeat">
+      <a:schemeClr val="dk1"/>
+    </dgm:txFillClrLst>
+    <dgm:txEffectClrLst/>
+  </dgm:styleLbl>
+  <dgm:styleLbl name="solidFgAcc1">
+    <dgm:fillClrLst meth="repeat">
+      <a:schemeClr val="lt1"/>
+    </dgm:fillClrLst>
+    <dgm:linClrLst meth="repeat">
+      <a:schemeClr val="accent1"/>
+    </dgm:linClrLst>
+    <dgm:effectClrLst/>
+    <dgm:txLinClrLst/>
+    <dgm:txFillClrLst meth="repeat">
+      <a:schemeClr val="dk1"/>
+    </dgm:txFillClrLst>
+    <dgm:txEffectClrLst/>
+  </dgm:styleLbl>
+  <dgm:styleLbl name="solidAlignAcc1">
+    <dgm:fillClrLst meth="repeat">
+      <a:schemeClr val="lt1"/>
+    </dgm:fillClrLst>
+    <dgm:linClrLst meth="repeat">
+      <a:schemeClr val="accent1"/>
+    </dgm:linClrLst>
+    <dgm:effectClrLst/>
+    <dgm:txLinClrLst/>
+    <dgm:txFillClrLst meth="repeat">
+      <a:schemeClr val="dk1"/>
+    </dgm:txFillClrLst>
+    <dgm:txEffectClrLst/>
+  </dgm:styleLbl>
+  <dgm:styleLbl name="solidBgAcc1">
+    <dgm:fillClrLst meth="repeat">
+      <a:schemeClr val="lt1"/>
+    </dgm:fillClrLst>
+    <dgm:linClrLst meth="repeat">
+      <a:schemeClr val="accent1"/>
+    </dgm:linClrLst>
+    <dgm:effectClrLst/>
+    <dgm:txLinClrLst/>
+    <dgm:txFillClrLst meth="repeat">
+      <a:schemeClr val="dk1"/>
+    </dgm:txFillClrLst>
+    <dgm:txEffectClrLst/>
+  </dgm:styleLbl>
+  <dgm:styleLbl name="fgAccFollowNode1">
+    <dgm:fillClrLst meth="repeat">
+      <a:schemeClr val="accent1">
+        <a:alpha val="90000"/>
+        <a:tint val="40000"/>
+      </a:schemeClr>
+    </dgm:fillClrLst>
+    <dgm:linClrLst meth="repeat">
+      <a:schemeClr val="accent1">
+        <a:alpha val="90000"/>
+        <a:tint val="40000"/>
+      </a:schemeClr>
+    </dgm:linClrLst>
+    <dgm:effectClrLst/>
+    <dgm:txLinClrLst/>
+    <dgm:txFillClrLst meth="repeat">
+      <a:schemeClr val="dk1"/>
+    </dgm:txFillClrLst>
+    <dgm:txEffectClrLst/>
+  </dgm:styleLbl>
+  <dgm:styleLbl name="alignAccFollowNode1">
+    <dgm:fillClrLst meth="repeat">
+      <a:schemeClr val="accent1">
+        <a:alpha val="90000"/>
+        <a:tint val="40000"/>
+      </a:schemeClr>
+    </dgm:fillClrLst>
+    <dgm:linClrLst meth="repeat">
+      <a:schemeClr val="accent1">
+        <a:alpha val="90000"/>
+        <a:tint val="40000"/>
+      </a:schemeClr>
+    </dgm:linClrLst>
+    <dgm:effectClrLst/>
+    <dgm:txLinClrLst/>
+    <dgm:txFillClrLst meth="repeat">
+      <a:schemeClr val="dk1"/>
+    </dgm:txFillClrLst>
+    <dgm:txEffectClrLst/>
+  </dgm:styleLbl>
+  <dgm:styleLbl name="bgAccFollowNode1">
+    <dgm:fillClrLst meth="repeat">
+      <a:schemeClr val="accent1">
+        <a:alpha val="90000"/>
+        <a:tint val="40000"/>
+      </a:schemeClr>
+    </dgm:fillClrLst>
+    <dgm:linClrLst meth="repeat">
+      <a:schemeClr val="accent1">
+        <a:alpha val="90000"/>
+        <a:tint val="40000"/>
+      </a:schemeClr>
+    </dgm:linClrLst>
+    <dgm:effectClrLst/>
+    <dgm:txLinClrLst/>
+    <dgm:txFillClrLst meth="repeat">
+      <a:schemeClr val="dk1"/>
+    </dgm:txFillClrLst>
+    <dgm:txEffectClrLst/>
+  </dgm:styleLbl>
+  <dgm:styleLbl name="fgAcc0">
+    <dgm:fillClrLst meth="repeat">
+      <a:schemeClr val="lt1">
+        <a:alpha val="90000"/>
+      </a:schemeClr>
+    </dgm:fillClrLst>
+    <dgm:linClrLst meth="repeat">
+      <a:schemeClr val="accent1"/>
+    </dgm:linClrLst>
+    <dgm:effectClrLst/>
+    <dgm:txLinClrLst/>
+    <dgm:txFillClrLst meth="repeat">
+      <a:schemeClr val="dk1"/>
+    </dgm:txFillClrLst>
+    <dgm:txEffectClrLst/>
+  </dgm:styleLbl>
+  <dgm:styleLbl name="fgAcc2">
+    <dgm:fillClrLst meth="repeat">
+      <a:schemeClr val="lt1">
+        <a:alpha val="90000"/>
+      </a:schemeClr>
+    </dgm:fillClrLst>
+    <dgm:linClrLst meth="repeat">
+      <a:schemeClr val="accent1"/>
+    </dgm:linClrLst>
+    <dgm:effectClrLst/>
+    <dgm:txLinClrLst/>
+    <dgm:txFillClrLst meth="repeat">
+      <a:schemeClr val="dk1"/>
+    </dgm:txFillClrLst>
+    <dgm:txEffectClrLst/>
+  </dgm:styleLbl>
+  <dgm:styleLbl name="fgAcc3">
+    <dgm:fillClrLst meth="repeat">
+      <a:schemeClr val="lt1">
+        <a:alpha val="90000"/>
+      </a:schemeClr>
+    </dgm:fillClrLst>
+    <dgm:linClrLst meth="repeat">
+      <a:schemeClr val="accent1"/>
+    </dgm:linClrLst>
+    <dgm:effectClrLst/>
+    <dgm:txLinClrLst/>
+    <dgm:txFillClrLst meth="repeat">
+      <a:schemeClr val="dk1"/>
+    </dgm:txFillClrLst>
+    <dgm:txEffectClrLst/>
+  </dgm:styleLbl>
+  <dgm:styleLbl name="fgAcc4">
+    <dgm:fillClrLst meth="repeat">
+      <a:schemeClr val="lt1">
+        <a:alpha val="90000"/>
+      </a:schemeClr>
+    </dgm:fillClrLst>
+    <dgm:linClrLst meth="repeat">
+      <a:schemeClr val="accent1"/>
+    </dgm:linClrLst>
+    <dgm:effectClrLst/>
+    <dgm:txLinClrLst/>
+    <dgm:txFillClrLst meth="repeat">
+      <a:schemeClr val="dk1"/>
+    </dgm:txFillClrLst>
+    <dgm:txEffectClrLst/>
+  </dgm:styleLbl>
+  <dgm:styleLbl name="bgShp">
+    <dgm:fillClrLst meth="repeat">
+      <a:schemeClr val="accent1">
+        <a:tint val="40000"/>
+      </a:schemeClr>
+    </dgm:fillClrLst>
+    <dgm:linClrLst meth="repeat">
+      <a:schemeClr val="accent1"/>
+    </dgm:linClrLst>
+    <dgm:effectClrLst/>
+    <dgm:txLinClrLst/>
+    <dgm:txFillClrLst meth="repeat">
+      <a:schemeClr val="dk1"/>
+    </dgm:txFillClrLst>
+    <dgm:txEffectClrLst/>
+  </dgm:styleLbl>
+  <dgm:styleLbl name="dkBgShp">
+    <dgm:fillClrLst meth="repeat">
+      <a:schemeClr val="accent1">
+        <a:shade val="80000"/>
+      </a:schemeClr>
+    </dgm:fillClrLst>
+    <dgm:linClrLst meth="repeat">
+      <a:schemeClr val="accent1"/>
+    </dgm:linClrLst>
+    <dgm:effectClrLst/>
+    <dgm:txLinClrLst/>
+    <dgm:txFillClrLst meth="repeat">
+      <a:schemeClr val="lt1"/>
+    </dgm:txFillClrLst>
+    <dgm:txEffectClrLst/>
+  </dgm:styleLbl>
+  <dgm:styleLbl name="trBgShp">
+    <dgm:fillClrLst meth="repeat">
+      <a:schemeClr val="accent1">
+        <a:tint val="50000"/>
+        <a:alpha val="40000"/>
+      </a:schemeClr>
+    </dgm:fillClrLst>
+    <dgm:linClrLst meth="repeat">
+      <a:schemeClr val="accent1"/>
+    </dgm:linClrLst>
+    <dgm:effectClrLst/>
+    <dgm:txLinClrLst/>
+    <dgm:txFillClrLst meth="repeat">
+      <a:schemeClr val="lt1"/>
+    </dgm:txFillClrLst>
+    <dgm:txEffectClrLst/>
+  </dgm:styleLbl>
+  <dgm:styleLbl name="fgShp">
+    <dgm:fillClrLst meth="repeat">
+      <a:schemeClr val="accent1">
+        <a:tint val="60000"/>
+      </a:schemeClr>
+    </dgm:fillClrLst>
+    <dgm:linClrLst meth="repeat">
+      <a:schemeClr val="lt1"/>
+    </dgm:linClrLst>
+    <dgm:effectClrLst/>
+    <dgm:txLinClrLst/>
+    <dgm:txFillClrLst meth="repeat">
+      <a:schemeClr val="dk1"/>
+    </dgm:txFillClrLst>
+    <dgm:txEffectClrLst/>
+  </dgm:styleLbl>
+  <dgm:styleLbl name="revTx">
+    <dgm:fillClrLst meth="repeat">
+      <a:schemeClr val="lt1">
+        <a:alpha val="0"/>
+      </a:schemeClr>
+    </dgm:fillClrLst>
+    <dgm:linClrLst meth="repeat">
+      <a:schemeClr val="dk1">
+        <a:alpha val="0"/>
+      </a:schemeClr>
+    </dgm:linClrLst>
+    <dgm:effectClrLst/>
+    <dgm:txLinClrLst/>
+    <dgm:txFillClrLst meth="repeat">
+      <a:schemeClr val="tx1"/>
+    </dgm:txFillClrLst>
+    <dgm:txEffectClrLst/>
+  </dgm:styleLbl>
+</dgm:colorsDef>
+</file>
+
+<file path=ppt/diagrams/data1.xml><?xml version="1.0" encoding="utf-8"?>
+<dgm:dataModel xmlns:dgm="http://schemas.openxmlformats.org/drawingml/2006/diagram" xmlns:a="http://schemas.openxmlformats.org/drawingml/2006/main">
+  <dgm:ptLst>
+    <dgm:pt modelId="{7B696DED-F94D-4E9B-BD3F-B1DA889283B0}" type="doc">
+      <dgm:prSet loTypeId="urn:microsoft.com/office/officeart/2005/8/layout/orgChart1" loCatId="hierarchy" qsTypeId="urn:microsoft.com/office/officeart/2005/8/quickstyle/simple1" qsCatId="simple" csTypeId="urn:microsoft.com/office/officeart/2005/8/colors/accent1_2" csCatId="accent1" phldr="1"/>
+      <dgm:spPr/>
+      <dgm:t>
+        <a:bodyPr/>
+        <a:lstStyle/>
+        <a:p>
+          <a:endParaRPr lang="en-CA"/>
+        </a:p>
+      </dgm:t>
+    </dgm:pt>
+    <dgm:pt modelId="{CB25208B-BB75-4A15-AFE9-6D981ECD8275}">
+      <dgm:prSet phldrT="[Text]"/>
+      <dgm:spPr/>
+      <dgm:t>
+        <a:bodyPr/>
+        <a:lstStyle/>
+        <a:p>
+          <a:r>
+            <a:rPr lang="en-CA" dirty="0" err="1"/>
+            <a:t>FileSystemInfo</a:t>
+          </a:r>
+          <a:endParaRPr lang="en-CA" dirty="0"/>
+        </a:p>
+      </dgm:t>
+    </dgm:pt>
+    <dgm:pt modelId="{A22429C4-8B6F-4BC7-82B5-7857C52E0ABD}" type="parTrans" cxnId="{CDFF3EE4-2AB0-442D-AAD3-6F1996BFCD13}">
+      <dgm:prSet/>
+      <dgm:spPr/>
+      <dgm:t>
+        <a:bodyPr/>
+        <a:lstStyle/>
+        <a:p>
+          <a:endParaRPr lang="en-CA"/>
+        </a:p>
+      </dgm:t>
+    </dgm:pt>
+    <dgm:pt modelId="{1C4ECF90-8905-4C5A-A8AC-9301A52543C8}" type="sibTrans" cxnId="{CDFF3EE4-2AB0-442D-AAD3-6F1996BFCD13}">
+      <dgm:prSet/>
+      <dgm:spPr/>
+      <dgm:t>
+        <a:bodyPr/>
+        <a:lstStyle/>
+        <a:p>
+          <a:endParaRPr lang="en-CA"/>
+        </a:p>
+      </dgm:t>
+    </dgm:pt>
+    <dgm:pt modelId="{AC6BABC7-49C6-46F0-8EC4-F03F14302985}">
+      <dgm:prSet phldrT="[Text]"/>
+      <dgm:spPr/>
+      <dgm:t>
+        <a:bodyPr/>
+        <a:lstStyle/>
+        <a:p>
+          <a:r>
+            <a:rPr lang="en-CA" dirty="0" err="1"/>
+            <a:t>FileInfo</a:t>
+          </a:r>
+          <a:endParaRPr lang="en-CA" dirty="0"/>
+        </a:p>
+      </dgm:t>
+    </dgm:pt>
+    <dgm:pt modelId="{F20FADED-2E90-47EA-9BC8-7D428B66D935}" type="parTrans" cxnId="{1354A512-5893-41E0-801C-84332960E939}">
+      <dgm:prSet/>
+      <dgm:spPr/>
+      <dgm:t>
+        <a:bodyPr/>
+        <a:lstStyle/>
+        <a:p>
+          <a:endParaRPr lang="en-CA"/>
+        </a:p>
+      </dgm:t>
+    </dgm:pt>
+    <dgm:pt modelId="{4621B97D-7882-480B-AFE2-7D9CAAB20268}" type="sibTrans" cxnId="{1354A512-5893-41E0-801C-84332960E939}">
+      <dgm:prSet/>
+      <dgm:spPr/>
+      <dgm:t>
+        <a:bodyPr/>
+        <a:lstStyle/>
+        <a:p>
+          <a:endParaRPr lang="en-CA"/>
+        </a:p>
+      </dgm:t>
+    </dgm:pt>
+    <dgm:pt modelId="{CCAAA9AA-AD8F-4CCA-8599-1D72632AA48F}">
+      <dgm:prSet phldrT="[Text]"/>
+      <dgm:spPr/>
+      <dgm:t>
+        <a:bodyPr/>
+        <a:lstStyle/>
+        <a:p>
+          <a:r>
+            <a:rPr lang="en-CA" dirty="0" err="1"/>
+            <a:t>DirectoryInfo</a:t>
+          </a:r>
+          <a:endParaRPr lang="en-CA" dirty="0"/>
+        </a:p>
+      </dgm:t>
+    </dgm:pt>
+    <dgm:pt modelId="{22541751-0A44-4E3D-8948-F1FEA8922C50}" type="parTrans" cxnId="{32C5E625-BB68-4564-82FE-37AED810694F}">
+      <dgm:prSet/>
+      <dgm:spPr/>
+      <dgm:t>
+        <a:bodyPr/>
+        <a:lstStyle/>
+        <a:p>
+          <a:endParaRPr lang="en-CA"/>
+        </a:p>
+      </dgm:t>
+    </dgm:pt>
+    <dgm:pt modelId="{B18A92F5-01AB-4B64-96C0-E8EA16A7F313}" type="sibTrans" cxnId="{32C5E625-BB68-4564-82FE-37AED810694F}">
+      <dgm:prSet/>
+      <dgm:spPr/>
+      <dgm:t>
+        <a:bodyPr/>
+        <a:lstStyle/>
+        <a:p>
+          <a:endParaRPr lang="en-CA"/>
+        </a:p>
+      </dgm:t>
+    </dgm:pt>
+    <dgm:pt modelId="{4B5A0C31-40CE-4107-BF2E-3399F89B8A64}" type="pres">
+      <dgm:prSet presAssocID="{7B696DED-F94D-4E9B-BD3F-B1DA889283B0}" presName="hierChild1" presStyleCnt="0">
+        <dgm:presLayoutVars>
+          <dgm:orgChart val="1"/>
+          <dgm:chPref val="1"/>
+          <dgm:dir/>
+          <dgm:animOne val="branch"/>
+          <dgm:animLvl val="lvl"/>
+          <dgm:resizeHandles/>
+        </dgm:presLayoutVars>
+      </dgm:prSet>
+      <dgm:spPr/>
+    </dgm:pt>
+    <dgm:pt modelId="{CC12C697-2F8D-4A09-9324-45B38D23EA84}" type="pres">
+      <dgm:prSet presAssocID="{CB25208B-BB75-4A15-AFE9-6D981ECD8275}" presName="hierRoot1" presStyleCnt="0">
+        <dgm:presLayoutVars>
+          <dgm:hierBranch val="init"/>
+        </dgm:presLayoutVars>
+      </dgm:prSet>
+      <dgm:spPr/>
+    </dgm:pt>
+    <dgm:pt modelId="{0902DF6D-01FC-48D6-B555-8037B35ADE3C}" type="pres">
+      <dgm:prSet presAssocID="{CB25208B-BB75-4A15-AFE9-6D981ECD8275}" presName="rootComposite1" presStyleCnt="0"/>
+      <dgm:spPr/>
+    </dgm:pt>
+    <dgm:pt modelId="{78E77101-9939-4E09-8DD7-5BAA4A514966}" type="pres">
+      <dgm:prSet presAssocID="{CB25208B-BB75-4A15-AFE9-6D981ECD8275}" presName="rootText1" presStyleLbl="node0" presStyleIdx="0" presStyleCnt="1">
+        <dgm:presLayoutVars>
+          <dgm:chPref val="3"/>
+        </dgm:presLayoutVars>
+      </dgm:prSet>
+      <dgm:spPr/>
+    </dgm:pt>
+    <dgm:pt modelId="{0274E6EA-2D19-485F-9B1F-B3DA43C1EC65}" type="pres">
+      <dgm:prSet presAssocID="{CB25208B-BB75-4A15-AFE9-6D981ECD8275}" presName="rootConnector1" presStyleLbl="node1" presStyleIdx="0" presStyleCnt="0"/>
+      <dgm:spPr/>
+    </dgm:pt>
+    <dgm:pt modelId="{F0C00298-4E41-4AB6-B349-7F35E8AA5916}" type="pres">
+      <dgm:prSet presAssocID="{CB25208B-BB75-4A15-AFE9-6D981ECD8275}" presName="hierChild2" presStyleCnt="0"/>
+      <dgm:spPr/>
+    </dgm:pt>
+    <dgm:pt modelId="{AA8A3E75-4FC3-4269-B5AB-AD5D65D45B8B}" type="pres">
+      <dgm:prSet presAssocID="{F20FADED-2E90-47EA-9BC8-7D428B66D935}" presName="Name37" presStyleLbl="parChTrans1D2" presStyleIdx="0" presStyleCnt="2"/>
+      <dgm:spPr/>
+    </dgm:pt>
+    <dgm:pt modelId="{D44CBE0A-2AB2-4E5C-945A-53260766822D}" type="pres">
+      <dgm:prSet presAssocID="{AC6BABC7-49C6-46F0-8EC4-F03F14302985}" presName="hierRoot2" presStyleCnt="0">
+        <dgm:presLayoutVars>
+          <dgm:hierBranch val="init"/>
+        </dgm:presLayoutVars>
+      </dgm:prSet>
+      <dgm:spPr/>
+    </dgm:pt>
+    <dgm:pt modelId="{BD89A408-835F-4DB9-B360-E97A2B1BBD44}" type="pres">
+      <dgm:prSet presAssocID="{AC6BABC7-49C6-46F0-8EC4-F03F14302985}" presName="rootComposite" presStyleCnt="0"/>
+      <dgm:spPr/>
+    </dgm:pt>
+    <dgm:pt modelId="{04BDD407-133C-4D11-B71D-3131E4546E22}" type="pres">
+      <dgm:prSet presAssocID="{AC6BABC7-49C6-46F0-8EC4-F03F14302985}" presName="rootText" presStyleLbl="node2" presStyleIdx="0" presStyleCnt="2">
+        <dgm:presLayoutVars>
+          <dgm:chPref val="3"/>
+        </dgm:presLayoutVars>
+      </dgm:prSet>
+      <dgm:spPr/>
+    </dgm:pt>
+    <dgm:pt modelId="{520F500D-2F65-4021-9EDA-79EF59EC6F45}" type="pres">
+      <dgm:prSet presAssocID="{AC6BABC7-49C6-46F0-8EC4-F03F14302985}" presName="rootConnector" presStyleLbl="node2" presStyleIdx="0" presStyleCnt="2"/>
+      <dgm:spPr/>
+    </dgm:pt>
+    <dgm:pt modelId="{4521B574-EB60-4094-A798-D8A8ADD0636E}" type="pres">
+      <dgm:prSet presAssocID="{AC6BABC7-49C6-46F0-8EC4-F03F14302985}" presName="hierChild4" presStyleCnt="0"/>
+      <dgm:spPr/>
+    </dgm:pt>
+    <dgm:pt modelId="{291931AE-1522-4F6E-A214-A9B7309337F2}" type="pres">
+      <dgm:prSet presAssocID="{AC6BABC7-49C6-46F0-8EC4-F03F14302985}" presName="hierChild5" presStyleCnt="0"/>
+      <dgm:spPr/>
+    </dgm:pt>
+    <dgm:pt modelId="{4550225A-68E0-4700-90DE-B07BA2B7161F}" type="pres">
+      <dgm:prSet presAssocID="{22541751-0A44-4E3D-8948-F1FEA8922C50}" presName="Name37" presStyleLbl="parChTrans1D2" presStyleIdx="1" presStyleCnt="2"/>
+      <dgm:spPr/>
+    </dgm:pt>
+    <dgm:pt modelId="{35CA40F1-CD5A-42CB-934C-79CAB6D23393}" type="pres">
+      <dgm:prSet presAssocID="{CCAAA9AA-AD8F-4CCA-8599-1D72632AA48F}" presName="hierRoot2" presStyleCnt="0">
+        <dgm:presLayoutVars>
+          <dgm:hierBranch val="init"/>
+        </dgm:presLayoutVars>
+      </dgm:prSet>
+      <dgm:spPr/>
+    </dgm:pt>
+    <dgm:pt modelId="{7CBB52D5-E129-4263-BD4F-9878CFC25B9C}" type="pres">
+      <dgm:prSet presAssocID="{CCAAA9AA-AD8F-4CCA-8599-1D72632AA48F}" presName="rootComposite" presStyleCnt="0"/>
+      <dgm:spPr/>
+    </dgm:pt>
+    <dgm:pt modelId="{034FA1D5-77CA-4F4B-A204-674590B62F5D}" type="pres">
+      <dgm:prSet presAssocID="{CCAAA9AA-AD8F-4CCA-8599-1D72632AA48F}" presName="rootText" presStyleLbl="node2" presStyleIdx="1" presStyleCnt="2">
+        <dgm:presLayoutVars>
+          <dgm:chPref val="3"/>
+        </dgm:presLayoutVars>
+      </dgm:prSet>
+      <dgm:spPr/>
+    </dgm:pt>
+    <dgm:pt modelId="{FC70187D-BDE2-47CA-81A1-B7D68944F854}" type="pres">
+      <dgm:prSet presAssocID="{CCAAA9AA-AD8F-4CCA-8599-1D72632AA48F}" presName="rootConnector" presStyleLbl="node2" presStyleIdx="1" presStyleCnt="2"/>
+      <dgm:spPr/>
+    </dgm:pt>
+    <dgm:pt modelId="{8CE20F2A-177F-4151-8579-824721578970}" type="pres">
+      <dgm:prSet presAssocID="{CCAAA9AA-AD8F-4CCA-8599-1D72632AA48F}" presName="hierChild4" presStyleCnt="0"/>
+      <dgm:spPr/>
+    </dgm:pt>
+    <dgm:pt modelId="{3793354E-B83B-4E87-A7C7-BDE5B6BED66A}" type="pres">
+      <dgm:prSet presAssocID="{CCAAA9AA-AD8F-4CCA-8599-1D72632AA48F}" presName="hierChild5" presStyleCnt="0"/>
+      <dgm:spPr/>
+    </dgm:pt>
+    <dgm:pt modelId="{E04B5BC6-287E-4F5A-9D79-05915965F4D4}" type="pres">
+      <dgm:prSet presAssocID="{CB25208B-BB75-4A15-AFE9-6D981ECD8275}" presName="hierChild3" presStyleCnt="0"/>
+      <dgm:spPr/>
+    </dgm:pt>
+  </dgm:ptLst>
+  <dgm:cxnLst>
+    <dgm:cxn modelId="{1354A512-5893-41E0-801C-84332960E939}" srcId="{CB25208B-BB75-4A15-AFE9-6D981ECD8275}" destId="{AC6BABC7-49C6-46F0-8EC4-F03F14302985}" srcOrd="0" destOrd="0" parTransId="{F20FADED-2E90-47EA-9BC8-7D428B66D935}" sibTransId="{4621B97D-7882-480B-AFE2-7D9CAAB20268}"/>
+    <dgm:cxn modelId="{197D5B22-0664-4847-8CCC-96CF612A3C72}" type="presOf" srcId="{CB25208B-BB75-4A15-AFE9-6D981ECD8275}" destId="{78E77101-9939-4E09-8DD7-5BAA4A514966}" srcOrd="0" destOrd="0" presId="urn:microsoft.com/office/officeart/2005/8/layout/orgChart1"/>
+    <dgm:cxn modelId="{32C5E625-BB68-4564-82FE-37AED810694F}" srcId="{CB25208B-BB75-4A15-AFE9-6D981ECD8275}" destId="{CCAAA9AA-AD8F-4CCA-8599-1D72632AA48F}" srcOrd="1" destOrd="0" parTransId="{22541751-0A44-4E3D-8948-F1FEA8922C50}" sibTransId="{B18A92F5-01AB-4B64-96C0-E8EA16A7F313}"/>
+    <dgm:cxn modelId="{EF95134E-9B68-4957-B244-2C34BBB53A26}" type="presOf" srcId="{7B696DED-F94D-4E9B-BD3F-B1DA889283B0}" destId="{4B5A0C31-40CE-4107-BF2E-3399F89B8A64}" srcOrd="0" destOrd="0" presId="urn:microsoft.com/office/officeart/2005/8/layout/orgChart1"/>
+    <dgm:cxn modelId="{8494F451-510E-41DB-9DAB-F952C4EA87E0}" type="presOf" srcId="{CCAAA9AA-AD8F-4CCA-8599-1D72632AA48F}" destId="{034FA1D5-77CA-4F4B-A204-674590B62F5D}" srcOrd="0" destOrd="0" presId="urn:microsoft.com/office/officeart/2005/8/layout/orgChart1"/>
+    <dgm:cxn modelId="{96FBFA53-B108-45A7-8A4C-B532FEDE612F}" type="presOf" srcId="{22541751-0A44-4E3D-8948-F1FEA8922C50}" destId="{4550225A-68E0-4700-90DE-B07BA2B7161F}" srcOrd="0" destOrd="0" presId="urn:microsoft.com/office/officeart/2005/8/layout/orgChart1"/>
+    <dgm:cxn modelId="{03A6DB93-22AE-43D2-9159-EB5A6B096E47}" type="presOf" srcId="{CCAAA9AA-AD8F-4CCA-8599-1D72632AA48F}" destId="{FC70187D-BDE2-47CA-81A1-B7D68944F854}" srcOrd="1" destOrd="0" presId="urn:microsoft.com/office/officeart/2005/8/layout/orgChart1"/>
+    <dgm:cxn modelId="{1206E69A-8791-4414-8EFA-665D4C313566}" type="presOf" srcId="{F20FADED-2E90-47EA-9BC8-7D428B66D935}" destId="{AA8A3E75-4FC3-4269-B5AB-AD5D65D45B8B}" srcOrd="0" destOrd="0" presId="urn:microsoft.com/office/officeart/2005/8/layout/orgChart1"/>
+    <dgm:cxn modelId="{020A4BB9-A2F1-4D8E-9C7A-386851641008}" type="presOf" srcId="{AC6BABC7-49C6-46F0-8EC4-F03F14302985}" destId="{520F500D-2F65-4021-9EDA-79EF59EC6F45}" srcOrd="1" destOrd="0" presId="urn:microsoft.com/office/officeart/2005/8/layout/orgChart1"/>
+    <dgm:cxn modelId="{0B18CBD8-C8E9-465E-9763-1EFE765CC36B}" type="presOf" srcId="{AC6BABC7-49C6-46F0-8EC4-F03F14302985}" destId="{04BDD407-133C-4D11-B71D-3131E4546E22}" srcOrd="0" destOrd="0" presId="urn:microsoft.com/office/officeart/2005/8/layout/orgChart1"/>
+    <dgm:cxn modelId="{CDFF3EE4-2AB0-442D-AAD3-6F1996BFCD13}" srcId="{7B696DED-F94D-4E9B-BD3F-B1DA889283B0}" destId="{CB25208B-BB75-4A15-AFE9-6D981ECD8275}" srcOrd="0" destOrd="0" parTransId="{A22429C4-8B6F-4BC7-82B5-7857C52E0ABD}" sibTransId="{1C4ECF90-8905-4C5A-A8AC-9301A52543C8}"/>
+    <dgm:cxn modelId="{33325CEC-5B17-4142-AD31-2BC834E3C5BC}" type="presOf" srcId="{CB25208B-BB75-4A15-AFE9-6D981ECD8275}" destId="{0274E6EA-2D19-485F-9B1F-B3DA43C1EC65}" srcOrd="1" destOrd="0" presId="urn:microsoft.com/office/officeart/2005/8/layout/orgChart1"/>
+    <dgm:cxn modelId="{91885A05-65AC-4ED6-91F5-F0BA8B8D2D3F}" type="presParOf" srcId="{4B5A0C31-40CE-4107-BF2E-3399F89B8A64}" destId="{CC12C697-2F8D-4A09-9324-45B38D23EA84}" srcOrd="0" destOrd="0" presId="urn:microsoft.com/office/officeart/2005/8/layout/orgChart1"/>
+    <dgm:cxn modelId="{DA248B28-1BC0-400D-9097-BB8560F14B88}" type="presParOf" srcId="{CC12C697-2F8D-4A09-9324-45B38D23EA84}" destId="{0902DF6D-01FC-48D6-B555-8037B35ADE3C}" srcOrd="0" destOrd="0" presId="urn:microsoft.com/office/officeart/2005/8/layout/orgChart1"/>
+    <dgm:cxn modelId="{4412EF1B-C71E-42B2-A09A-2B15983E935A}" type="presParOf" srcId="{0902DF6D-01FC-48D6-B555-8037B35ADE3C}" destId="{78E77101-9939-4E09-8DD7-5BAA4A514966}" srcOrd="0" destOrd="0" presId="urn:microsoft.com/office/officeart/2005/8/layout/orgChart1"/>
+    <dgm:cxn modelId="{CE7D6E32-3711-480C-A39C-17C5EE33A1B2}" type="presParOf" srcId="{0902DF6D-01FC-48D6-B555-8037B35ADE3C}" destId="{0274E6EA-2D19-485F-9B1F-B3DA43C1EC65}" srcOrd="1" destOrd="0" presId="urn:microsoft.com/office/officeart/2005/8/layout/orgChart1"/>
+    <dgm:cxn modelId="{E3CD1A57-DE40-44DA-A64B-D4EA253B52E9}" type="presParOf" srcId="{CC12C697-2F8D-4A09-9324-45B38D23EA84}" destId="{F0C00298-4E41-4AB6-B349-7F35E8AA5916}" srcOrd="1" destOrd="0" presId="urn:microsoft.com/office/officeart/2005/8/layout/orgChart1"/>
+    <dgm:cxn modelId="{6714B822-6A97-49F2-A7FD-63F39337E98F}" type="presParOf" srcId="{F0C00298-4E41-4AB6-B349-7F35E8AA5916}" destId="{AA8A3E75-4FC3-4269-B5AB-AD5D65D45B8B}" srcOrd="0" destOrd="0" presId="urn:microsoft.com/office/officeart/2005/8/layout/orgChart1"/>
+    <dgm:cxn modelId="{0936BED5-F5C2-427F-AEDA-F9AC2044D61F}" type="presParOf" srcId="{F0C00298-4E41-4AB6-B349-7F35E8AA5916}" destId="{D44CBE0A-2AB2-4E5C-945A-53260766822D}" srcOrd="1" destOrd="0" presId="urn:microsoft.com/office/officeart/2005/8/layout/orgChart1"/>
+    <dgm:cxn modelId="{DCAD9085-7022-4295-B88A-A9B5697A82B6}" type="presParOf" srcId="{D44CBE0A-2AB2-4E5C-945A-53260766822D}" destId="{BD89A408-835F-4DB9-B360-E97A2B1BBD44}" srcOrd="0" destOrd="0" presId="urn:microsoft.com/office/officeart/2005/8/layout/orgChart1"/>
+    <dgm:cxn modelId="{DCD5A029-3C2F-4702-960A-9B9DD3EAA51A}" type="presParOf" srcId="{BD89A408-835F-4DB9-B360-E97A2B1BBD44}" destId="{04BDD407-133C-4D11-B71D-3131E4546E22}" srcOrd="0" destOrd="0" presId="urn:microsoft.com/office/officeart/2005/8/layout/orgChart1"/>
+    <dgm:cxn modelId="{23F0F160-2D39-4A11-B58B-29C5B906144D}" type="presParOf" srcId="{BD89A408-835F-4DB9-B360-E97A2B1BBD44}" destId="{520F500D-2F65-4021-9EDA-79EF59EC6F45}" srcOrd="1" destOrd="0" presId="urn:microsoft.com/office/officeart/2005/8/layout/orgChart1"/>
+    <dgm:cxn modelId="{1BDB82E4-B4A2-4A24-A948-46BF464596A1}" type="presParOf" srcId="{D44CBE0A-2AB2-4E5C-945A-53260766822D}" destId="{4521B574-EB60-4094-A798-D8A8ADD0636E}" srcOrd="1" destOrd="0" presId="urn:microsoft.com/office/officeart/2005/8/layout/orgChart1"/>
+    <dgm:cxn modelId="{A66298CE-5E11-4F17-921D-562DE215EF1E}" type="presParOf" srcId="{D44CBE0A-2AB2-4E5C-945A-53260766822D}" destId="{291931AE-1522-4F6E-A214-A9B7309337F2}" srcOrd="2" destOrd="0" presId="urn:microsoft.com/office/officeart/2005/8/layout/orgChart1"/>
+    <dgm:cxn modelId="{E2D1F065-7BC0-4F05-937A-C1B8B23752F6}" type="presParOf" srcId="{F0C00298-4E41-4AB6-B349-7F35E8AA5916}" destId="{4550225A-68E0-4700-90DE-B07BA2B7161F}" srcOrd="2" destOrd="0" presId="urn:microsoft.com/office/officeart/2005/8/layout/orgChart1"/>
+    <dgm:cxn modelId="{64F7010D-1FD8-4C59-BFDA-F73F1D9AE3BD}" type="presParOf" srcId="{F0C00298-4E41-4AB6-B349-7F35E8AA5916}" destId="{35CA40F1-CD5A-42CB-934C-79CAB6D23393}" srcOrd="3" destOrd="0" presId="urn:microsoft.com/office/officeart/2005/8/layout/orgChart1"/>
+    <dgm:cxn modelId="{8EE003B1-C9E9-4698-A19E-7C6471367C89}" type="presParOf" srcId="{35CA40F1-CD5A-42CB-934C-79CAB6D23393}" destId="{7CBB52D5-E129-4263-BD4F-9878CFC25B9C}" srcOrd="0" destOrd="0" presId="urn:microsoft.com/office/officeart/2005/8/layout/orgChart1"/>
+    <dgm:cxn modelId="{73ED0599-D777-40B9-95DA-6AC512CD1409}" type="presParOf" srcId="{7CBB52D5-E129-4263-BD4F-9878CFC25B9C}" destId="{034FA1D5-77CA-4F4B-A204-674590B62F5D}" srcOrd="0" destOrd="0" presId="urn:microsoft.com/office/officeart/2005/8/layout/orgChart1"/>
+    <dgm:cxn modelId="{D83A2DC8-0C45-4B63-9A84-B85534DF93E0}" type="presParOf" srcId="{7CBB52D5-E129-4263-BD4F-9878CFC25B9C}" destId="{FC70187D-BDE2-47CA-81A1-B7D68944F854}" srcOrd="1" destOrd="0" presId="urn:microsoft.com/office/officeart/2005/8/layout/orgChart1"/>
+    <dgm:cxn modelId="{68CD2C4C-C207-49E2-983E-1D18166709CA}" type="presParOf" srcId="{35CA40F1-CD5A-42CB-934C-79CAB6D23393}" destId="{8CE20F2A-177F-4151-8579-824721578970}" srcOrd="1" destOrd="0" presId="urn:microsoft.com/office/officeart/2005/8/layout/orgChart1"/>
+    <dgm:cxn modelId="{71DAC7D6-BA25-4914-B520-3445A67C6135}" type="presParOf" srcId="{35CA40F1-CD5A-42CB-934C-79CAB6D23393}" destId="{3793354E-B83B-4E87-A7C7-BDE5B6BED66A}" srcOrd="2" destOrd="0" presId="urn:microsoft.com/office/officeart/2005/8/layout/orgChart1"/>
+    <dgm:cxn modelId="{92D0188F-5EAA-4117-B515-BE78F562DD76}" type="presParOf" srcId="{CC12C697-2F8D-4A09-9324-45B38D23EA84}" destId="{E04B5BC6-287E-4F5A-9D79-05915965F4D4}" srcOrd="2" destOrd="0" presId="urn:microsoft.com/office/officeart/2005/8/layout/orgChart1"/>
+  </dgm:cxnLst>
+  <dgm:bg/>
+  <dgm:whole/>
+  <dgm:extLst>
+    <a:ext uri="http://schemas.microsoft.com/office/drawing/2008/diagram">
+      <dsp:dataModelExt xmlns:dsp="http://schemas.microsoft.com/office/drawing/2008/diagram" relId="rId6" minVer="http://schemas.openxmlformats.org/drawingml/2006/diagram"/>
+    </a:ext>
+  </dgm:extLst>
+</dgm:dataModel>
+</file>
+
+<file path=ppt/diagrams/drawing1.xml><?xml version="1.0" encoding="utf-8"?>
+<dsp:drawing xmlns:dgm="http://schemas.openxmlformats.org/drawingml/2006/diagram" xmlns:dsp="http://schemas.microsoft.com/office/drawing/2008/diagram" xmlns:a="http://schemas.openxmlformats.org/drawingml/2006/main">
+  <dsp:spTree>
+    <dsp:nvGrpSpPr>
+      <dsp:cNvPr id="0" name=""/>
+      <dsp:cNvGrpSpPr/>
+    </dsp:nvGrpSpPr>
+    <dsp:grpSpPr/>
+    <dsp:sp modelId="{4550225A-68E0-4700-90DE-B07BA2B7161F}">
+      <dsp:nvSpPr>
+        <dsp:cNvPr id="0" name=""/>
+        <dsp:cNvSpPr/>
+      </dsp:nvSpPr>
+      <dsp:spPr>
+        <a:xfrm>
+          <a:off x="7404894" y="2504090"/>
+          <a:ext cx="3024192" cy="1049719"/>
+        </a:xfrm>
+        <a:custGeom>
+          <a:avLst/>
+          <a:gdLst/>
+          <a:ahLst/>
+          <a:cxnLst/>
+          <a:rect l="0" t="0" r="0" b="0"/>
+          <a:pathLst>
+            <a:path>
+              <a:moveTo>
+                <a:pt x="0" y="0"/>
+              </a:moveTo>
+              <a:lnTo>
+                <a:pt x="0" y="524859"/>
+              </a:lnTo>
+              <a:lnTo>
+                <a:pt x="3024192" y="524859"/>
+              </a:lnTo>
+              <a:lnTo>
+                <a:pt x="3024192" y="1049719"/>
+              </a:lnTo>
+            </a:path>
+          </a:pathLst>
+        </a:custGeom>
+        <a:noFill/>
+        <a:ln w="19050" cap="flat" cmpd="sng" algn="ctr">
+          <a:solidFill>
+            <a:schemeClr val="accent1">
+              <a:shade val="60000"/>
+              <a:hueOff val="0"/>
+              <a:satOff val="0"/>
+              <a:lumOff val="0"/>
+              <a:alphaOff val="0"/>
+            </a:schemeClr>
+          </a:solidFill>
+          <a:prstDash val="solid"/>
+        </a:ln>
+        <a:effectLst/>
+      </dsp:spPr>
+      <dsp:style>
+        <a:lnRef idx="2">
+          <a:scrgbClr r="0" g="0" b="0"/>
+        </a:lnRef>
+        <a:fillRef idx="0">
+          <a:scrgbClr r="0" g="0" b="0"/>
+        </a:fillRef>
+        <a:effectRef idx="0">
+          <a:scrgbClr r="0" g="0" b="0"/>
+        </a:effectRef>
+        <a:fontRef idx="minor"/>
+      </dsp:style>
+    </dsp:sp>
+    <dsp:sp modelId="{AA8A3E75-4FC3-4269-B5AB-AD5D65D45B8B}">
+      <dsp:nvSpPr>
+        <dsp:cNvPr id="0" name=""/>
+        <dsp:cNvSpPr/>
+      </dsp:nvSpPr>
+      <dsp:spPr>
+        <a:xfrm>
+          <a:off x="4380701" y="2504090"/>
+          <a:ext cx="3024192" cy="1049719"/>
+        </a:xfrm>
+        <a:custGeom>
+          <a:avLst/>
+          <a:gdLst/>
+          <a:ahLst/>
+          <a:cxnLst/>
+          <a:rect l="0" t="0" r="0" b="0"/>
+          <a:pathLst>
+            <a:path>
+              <a:moveTo>
+                <a:pt x="3024192" y="0"/>
+              </a:moveTo>
+              <a:lnTo>
+                <a:pt x="3024192" y="524859"/>
+              </a:lnTo>
+              <a:lnTo>
+                <a:pt x="0" y="524859"/>
+              </a:lnTo>
+              <a:lnTo>
+                <a:pt x="0" y="1049719"/>
+              </a:lnTo>
+            </a:path>
+          </a:pathLst>
+        </a:custGeom>
+        <a:noFill/>
+        <a:ln w="19050" cap="flat" cmpd="sng" algn="ctr">
+          <a:solidFill>
+            <a:schemeClr val="accent1">
+              <a:shade val="60000"/>
+              <a:hueOff val="0"/>
+              <a:satOff val="0"/>
+              <a:lumOff val="0"/>
+              <a:alphaOff val="0"/>
+            </a:schemeClr>
+          </a:solidFill>
+          <a:prstDash val="solid"/>
+        </a:ln>
+        <a:effectLst/>
+      </dsp:spPr>
+      <dsp:style>
+        <a:lnRef idx="2">
+          <a:scrgbClr r="0" g="0" b="0"/>
+        </a:lnRef>
+        <a:fillRef idx="0">
+          <a:scrgbClr r="0" g="0" b="0"/>
+        </a:fillRef>
+        <a:effectRef idx="0">
+          <a:scrgbClr r="0" g="0" b="0"/>
+        </a:effectRef>
+        <a:fontRef idx="minor"/>
+      </dsp:style>
+    </dsp:sp>
+    <dsp:sp modelId="{78E77101-9939-4E09-8DD7-5BAA4A514966}">
+      <dsp:nvSpPr>
+        <dsp:cNvPr id="0" name=""/>
+        <dsp:cNvSpPr/>
+      </dsp:nvSpPr>
+      <dsp:spPr>
+        <a:xfrm>
+          <a:off x="4905561" y="4757"/>
+          <a:ext cx="4998665" cy="2499332"/>
+        </a:xfrm>
+        <a:prstGeom prst="rect">
+          <a:avLst/>
+        </a:prstGeom>
+        <a:solidFill>
+          <a:schemeClr val="accent1">
+            <a:hueOff val="0"/>
+            <a:satOff val="0"/>
+            <a:lumOff val="0"/>
+            <a:alphaOff val="0"/>
+          </a:schemeClr>
+        </a:solidFill>
+        <a:ln w="19050" cap="flat" cmpd="sng" algn="ctr">
+          <a:solidFill>
+            <a:schemeClr val="lt1">
+              <a:hueOff val="0"/>
+              <a:satOff val="0"/>
+              <a:lumOff val="0"/>
+              <a:alphaOff val="0"/>
+            </a:schemeClr>
+          </a:solidFill>
+          <a:prstDash val="solid"/>
+        </a:ln>
+        <a:effectLst/>
+      </dsp:spPr>
+      <dsp:style>
+        <a:lnRef idx="2">
+          <a:scrgbClr r="0" g="0" b="0"/>
+        </a:lnRef>
+        <a:fillRef idx="1">
+          <a:scrgbClr r="0" g="0" b="0"/>
+        </a:fillRef>
+        <a:effectRef idx="0">
+          <a:scrgbClr r="0" g="0" b="0"/>
+        </a:effectRef>
+        <a:fontRef idx="minor">
+          <a:schemeClr val="lt1"/>
+        </a:fontRef>
+      </dsp:style>
+      <dsp:txBody>
+        <a:bodyPr spcFirstLastPara="0" vert="horz" wrap="square" lIns="39370" tIns="39370" rIns="39370" bIns="39370" numCol="1" spcCol="1270" anchor="ctr" anchorCtr="0">
+          <a:noAutofit/>
+        </a:bodyPr>
+        <a:lstStyle/>
+        <a:p>
+          <a:pPr marL="0" lvl="0" indent="0" algn="ctr" defTabSz="2755900">
+            <a:lnSpc>
+              <a:spcPct val="90000"/>
+            </a:lnSpc>
+            <a:spcBef>
+              <a:spcPct val="0"/>
+            </a:spcBef>
+            <a:spcAft>
+              <a:spcPct val="35000"/>
+            </a:spcAft>
+            <a:buNone/>
+          </a:pPr>
+          <a:r>
+            <a:rPr lang="en-CA" sz="6200" kern="1200" dirty="0" err="1"/>
+            <a:t>FileSystemInfo</a:t>
+          </a:r>
+          <a:endParaRPr lang="en-CA" sz="6200" kern="1200" dirty="0"/>
+        </a:p>
+      </dsp:txBody>
+      <dsp:txXfrm>
+        <a:off x="4905561" y="4757"/>
+        <a:ext cx="4998665" cy="2499332"/>
+      </dsp:txXfrm>
+    </dsp:sp>
+    <dsp:sp modelId="{04BDD407-133C-4D11-B71D-3131E4546E22}">
+      <dsp:nvSpPr>
+        <dsp:cNvPr id="0" name=""/>
+        <dsp:cNvSpPr/>
+      </dsp:nvSpPr>
+      <dsp:spPr>
+        <a:xfrm>
+          <a:off x="1881369" y="3553809"/>
+          <a:ext cx="4998665" cy="2499332"/>
+        </a:xfrm>
+        <a:prstGeom prst="rect">
+          <a:avLst/>
+        </a:prstGeom>
+        <a:solidFill>
+          <a:schemeClr val="accent1">
+            <a:hueOff val="0"/>
+            <a:satOff val="0"/>
+            <a:lumOff val="0"/>
+            <a:alphaOff val="0"/>
+          </a:schemeClr>
+        </a:solidFill>
+        <a:ln w="19050" cap="flat" cmpd="sng" algn="ctr">
+          <a:solidFill>
+            <a:schemeClr val="lt1">
+              <a:hueOff val="0"/>
+              <a:satOff val="0"/>
+              <a:lumOff val="0"/>
+              <a:alphaOff val="0"/>
+            </a:schemeClr>
+          </a:solidFill>
+          <a:prstDash val="solid"/>
+        </a:ln>
+        <a:effectLst/>
+      </dsp:spPr>
+      <dsp:style>
+        <a:lnRef idx="2">
+          <a:scrgbClr r="0" g="0" b="0"/>
+        </a:lnRef>
+        <a:fillRef idx="1">
+          <a:scrgbClr r="0" g="0" b="0"/>
+        </a:fillRef>
+        <a:effectRef idx="0">
+          <a:scrgbClr r="0" g="0" b="0"/>
+        </a:effectRef>
+        <a:fontRef idx="minor">
+          <a:schemeClr val="lt1"/>
+        </a:fontRef>
+      </dsp:style>
+      <dsp:txBody>
+        <a:bodyPr spcFirstLastPara="0" vert="horz" wrap="square" lIns="39370" tIns="39370" rIns="39370" bIns="39370" numCol="1" spcCol="1270" anchor="ctr" anchorCtr="0">
+          <a:noAutofit/>
+        </a:bodyPr>
+        <a:lstStyle/>
+        <a:p>
+          <a:pPr marL="0" lvl="0" indent="0" algn="ctr" defTabSz="2755900">
+            <a:lnSpc>
+              <a:spcPct val="90000"/>
+            </a:lnSpc>
+            <a:spcBef>
+              <a:spcPct val="0"/>
+            </a:spcBef>
+            <a:spcAft>
+              <a:spcPct val="35000"/>
+            </a:spcAft>
+            <a:buNone/>
+          </a:pPr>
+          <a:r>
+            <a:rPr lang="en-CA" sz="6200" kern="1200" dirty="0" err="1"/>
+            <a:t>FileInfo</a:t>
+          </a:r>
+          <a:endParaRPr lang="en-CA" sz="6200" kern="1200" dirty="0"/>
+        </a:p>
+      </dsp:txBody>
+      <dsp:txXfrm>
+        <a:off x="1881369" y="3553809"/>
+        <a:ext cx="4998665" cy="2499332"/>
+      </dsp:txXfrm>
+    </dsp:sp>
+    <dsp:sp modelId="{034FA1D5-77CA-4F4B-A204-674590B62F5D}">
+      <dsp:nvSpPr>
+        <dsp:cNvPr id="0" name=""/>
+        <dsp:cNvSpPr/>
+      </dsp:nvSpPr>
+      <dsp:spPr>
+        <a:xfrm>
+          <a:off x="7929753" y="3553809"/>
+          <a:ext cx="4998665" cy="2499332"/>
+        </a:xfrm>
+        <a:prstGeom prst="rect">
+          <a:avLst/>
+        </a:prstGeom>
+        <a:solidFill>
+          <a:schemeClr val="accent1">
+            <a:hueOff val="0"/>
+            <a:satOff val="0"/>
+            <a:lumOff val="0"/>
+            <a:alphaOff val="0"/>
+          </a:schemeClr>
+        </a:solidFill>
+        <a:ln w="19050" cap="flat" cmpd="sng" algn="ctr">
+          <a:solidFill>
+            <a:schemeClr val="lt1">
+              <a:hueOff val="0"/>
+              <a:satOff val="0"/>
+              <a:lumOff val="0"/>
+              <a:alphaOff val="0"/>
+            </a:schemeClr>
+          </a:solidFill>
+          <a:prstDash val="solid"/>
+        </a:ln>
+        <a:effectLst/>
+      </dsp:spPr>
+      <dsp:style>
+        <a:lnRef idx="2">
+          <a:scrgbClr r="0" g="0" b="0"/>
+        </a:lnRef>
+        <a:fillRef idx="1">
+          <a:scrgbClr r="0" g="0" b="0"/>
+        </a:fillRef>
+        <a:effectRef idx="0">
+          <a:scrgbClr r="0" g="0" b="0"/>
+        </a:effectRef>
+        <a:fontRef idx="minor">
+          <a:schemeClr val="lt1"/>
+        </a:fontRef>
+      </dsp:style>
+      <dsp:txBody>
+        <a:bodyPr spcFirstLastPara="0" vert="horz" wrap="square" lIns="39370" tIns="39370" rIns="39370" bIns="39370" numCol="1" spcCol="1270" anchor="ctr" anchorCtr="0">
+          <a:noAutofit/>
+        </a:bodyPr>
+        <a:lstStyle/>
+        <a:p>
+          <a:pPr marL="0" lvl="0" indent="0" algn="ctr" defTabSz="2755900">
+            <a:lnSpc>
+              <a:spcPct val="90000"/>
+            </a:lnSpc>
+            <a:spcBef>
+              <a:spcPct val="0"/>
+            </a:spcBef>
+            <a:spcAft>
+              <a:spcPct val="35000"/>
+            </a:spcAft>
+            <a:buNone/>
+          </a:pPr>
+          <a:r>
+            <a:rPr lang="en-CA" sz="6200" kern="1200" dirty="0" err="1"/>
+            <a:t>DirectoryInfo</a:t>
+          </a:r>
+          <a:endParaRPr lang="en-CA" sz="6200" kern="1200" dirty="0"/>
+        </a:p>
+      </dsp:txBody>
+      <dsp:txXfrm>
+        <a:off x="7929753" y="3553809"/>
+        <a:ext cx="4998665" cy="2499332"/>
+      </dsp:txXfrm>
+    </dsp:sp>
+  </dsp:spTree>
+</dsp:drawing>
+</file>
+
+<file path=ppt/diagrams/layout1.xml><?xml version="1.0" encoding="utf-8"?>
+<dgm:layoutDef xmlns:dgm="http://schemas.openxmlformats.org/drawingml/2006/diagram" xmlns:a="http://schemas.openxmlformats.org/drawingml/2006/main" uniqueId="urn:microsoft.com/office/officeart/2005/8/layout/orgChart1">
+  <dgm:title val=""/>
+  <dgm:desc val=""/>
+  <dgm:catLst>
+    <dgm:cat type="hierarchy" pri="1000"/>
+    <dgm:cat type="convert" pri="6000"/>
+  </dgm:catLst>
+  <dgm:sampData>
+    <dgm:dataModel>
+      <dgm:ptLst>
+        <dgm:pt modelId="0" type="doc"/>
+        <dgm:pt modelId="1">
+          <dgm:prSet phldr="1"/>
+        </dgm:pt>
+        <dgm:pt modelId="2" type="asst">
+          <dgm:prSet phldr="1"/>
+        </dgm:pt>
+        <dgm:pt modelId="3">
+          <dgm:prSet phldr="1"/>
+        </dgm:pt>
+        <dgm:pt modelId="4">
+          <dgm:prSet phldr="1"/>
+        </dgm:pt>
+        <dgm:pt modelId="5">
+          <dgm:prSet phldr="1"/>
+        </dgm:pt>
+      </dgm:ptLst>
+      <dgm:cxnLst>
+        <dgm:cxn modelId="5" srcId="0" destId="1" srcOrd="0" destOrd="0"/>
+        <dgm:cxn modelId="6" srcId="1" destId="2" srcOrd="0" destOrd="0"/>
+        <dgm:cxn modelId="7" srcId="1" destId="3" srcOrd="1" destOrd="0"/>
+        <dgm:cxn modelId="8" srcId="1" destId="4" srcOrd="2" destOrd="0"/>
+        <dgm:cxn modelId="9" srcId="1" destId="5" srcOrd="3" destOrd="0"/>
+      </dgm:cxnLst>
+      <dgm:bg/>
+      <dgm:whole/>
+    </dgm:dataModel>
+  </dgm:sampData>
+  <dgm:styleData>
+    <dgm:dataModel>
+      <dgm:ptLst>
+        <dgm:pt modelId="0" type="doc"/>
+        <dgm:pt modelId="1"/>
+        <dgm:pt modelId="12"/>
+        <dgm:pt modelId="13"/>
+      </dgm:ptLst>
+      <dgm:cxnLst>
+        <dgm:cxn modelId="2" srcId="0" destId="1" srcOrd="0" destOrd="0"/>
+        <dgm:cxn modelId="16" srcId="1" destId="12" srcOrd="1" destOrd="0"/>
+        <dgm:cxn modelId="17" srcId="1" destId="13" srcOrd="2" destOrd="0"/>
+      </dgm:cxnLst>
+      <dgm:bg/>
+      <dgm:whole/>
+    </dgm:dataModel>
+  </dgm:styleData>
+  <dgm:clrData>
+    <dgm:dataModel>
+      <dgm:ptLst>
+        <dgm:pt modelId="0" type="doc"/>
+        <dgm:pt modelId="1"/>
+        <dgm:pt modelId="11" type="asst"/>
+        <dgm:pt modelId="12"/>
+        <dgm:pt modelId="13"/>
+        <dgm:pt modelId="14"/>
+      </dgm:ptLst>
+      <dgm:cxnLst>
+        <dgm:cxn modelId="2" srcId="0" destId="1" srcOrd="0" destOrd="0"/>
+        <dgm:cxn modelId="15" srcId="1" destId="11" srcOrd="0" destOrd="0"/>
+        <dgm:cxn modelId="16" srcId="1" destId="12" srcOrd="1" destOrd="0"/>
+        <dgm:cxn modelId="17" srcId="1" destId="13" srcOrd="2" destOrd="0"/>
+        <dgm:cxn modelId="18" srcId="1" destId="14" srcOrd="2" destOrd="0"/>
+      </dgm:cxnLst>
+      <dgm:bg/>
+      <dgm:whole/>
+    </dgm:dataModel>
+  </dgm:clrData>
+  <dgm:layoutNode name="hierChild1">
+    <dgm:varLst>
+      <dgm:orgChart val="1"/>
+      <dgm:chPref val="1"/>
+      <dgm:dir/>
+      <dgm:animOne val="branch"/>
+      <dgm:animLvl val="lvl"/>
+      <dgm:resizeHandles/>
+    </dgm:varLst>
+    <dgm:choose name="Name0">
+      <dgm:if name="Name1" func="var" arg="dir" op="equ" val="norm">
+        <dgm:alg type="hierChild">
+          <dgm:param type="linDir" val="fromL"/>
+        </dgm:alg>
+      </dgm:if>
+      <dgm:else name="Name2">
+        <dgm:alg type="hierChild">
+          <dgm:param type="linDir" val="fromR"/>
+        </dgm:alg>
+      </dgm:else>
+    </dgm:choose>
+    <dgm:shape xmlns:r="http://schemas.openxmlformats.org/officeDocument/2006/relationships" r:blip="">
+      <dgm:adjLst/>
+    </dgm:shape>
+    <dgm:presOf/>
+    <dgm:constrLst>
+      <dgm:constr type="w" for="des" forName="rootComposite1" refType="w" fact="10"/>
+      <dgm:constr type="h" for="des" forName="rootComposite1" refType="w" refFor="des" refForName="rootComposite1" fact="0.5"/>
+      <dgm:constr type="w" for="des" forName="rootComposite" refType="w" fact="10"/>
+      <dgm:constr type="h" for="des" forName="rootComposite" refType="w" refFor="des" refForName="rootComposite1" fact="0.5"/>
+      <dgm:constr type="w" for="des" forName="rootComposite3" refType="w" fact="10"/>
+      <dgm:constr type="h" for="des" forName="rootComposite3" refType="w" refFor="des" refForName="rootComposite1" fact="0.5"/>
+      <dgm:constr type="primFontSz" for="des" ptType="node" op="equ"/>
+      <dgm:constr type="sp" for="des" op="equ"/>
+      <dgm:constr type="sp" for="des" forName="hierRoot1" refType="w" refFor="des" refForName="rootComposite1" fact="0.21"/>
+      <dgm:constr type="sp" for="des" forName="hierRoot2" refType="sp" refFor="des" refForName="hierRoot1"/>
+      <dgm:constr type="sp" for="des" forName="hierRoot3" refType="sp" refFor="des" refForName="hierRoot1"/>
+      <dgm:constr type="sibSp" refType="w" refFor="des" refForName="rootComposite1" fact="0.21"/>
+      <dgm:constr type="sibSp" for="des" forName="hierChild2" refType="sibSp"/>
+      <dgm:constr type="sibSp" for="des" forName="hierChild3" refType="sibSp"/>
+      <dgm:constr type="sibSp" for="des" forName="hierChild4" refType="sibSp"/>
+      <dgm:constr type="sibSp" for="des" forName="hierChild5" refType="sibSp"/>
+      <dgm:constr type="sibSp" for="des" forName="hierChild6" refType="sibSp"/>
+      <dgm:constr type="sibSp" for="des" forName="hierChild7" refType="sibSp"/>
+      <dgm:constr type="secSibSp" refType="w" refFor="des" refForName="rootComposite1" fact="0.21"/>
+      <dgm:constr type="secSibSp" for="des" forName="hierChild2" refType="secSibSp"/>
+      <dgm:constr type="secSibSp" for="des" forName="hierChild3" refType="secSibSp"/>
+      <dgm:constr type="secSibSp" for="des" forName="hierChild4" refType="secSibSp"/>
+      <dgm:constr type="secSibSp" for="des" forName="hierChild5" refType="secSibSp"/>
+      <dgm:constr type="secSibSp" for="des" forName="hierChild6" refType="secSibSp"/>
+      <dgm:constr type="secSibSp" for="des" forName="hierChild7" refType="secSibSp"/>
+    </dgm:constrLst>
+    <dgm:ruleLst/>
+    <dgm:forEach name="Name3" axis="ch">
+      <dgm:forEach name="Name4" axis="self" ptType="node">
+        <dgm:layoutNode name="hierRoot1">
+          <dgm:varLst>
+            <dgm:hierBranch val="init"/>
+          </dgm:varLst>
+          <dgm:choose name="Name5">
+            <dgm:if name="Name6" func="var" arg="hierBranch" op="equ" val="l">
+              <dgm:choose name="Name7">
+                <dgm:if name="Name8" axis="ch" ptType="asst" func="cnt" op="gte" val="1">
+                  <dgm:alg type="hierRoot">
+                    <dgm:param type="hierAlign" val="tR"/>
+                  </dgm:alg>
+                  <dgm:constrLst>
+                    <dgm:constr type="alignOff" val="0.65"/>
+                  </dgm:constrLst>
+                </dgm:if>
+                <dgm:else name="Name9">
+                  <dgm:alg type="hierRoot">
+                    <dgm:param type="hierAlign" val="tR"/>
+                  </dgm:alg>
+                  <dgm:constrLst>
+                    <dgm:constr type="alignOff" val="0.25"/>
+                  </dgm:constrLst>
+                </dgm:else>
+              </dgm:choose>
+            </dgm:if>
+            <dgm:if name="Name10" func="var" arg="hierBranch" op="equ" val="r">
+              <dgm:choose name="Name11">
+                <dgm:if name="Name12" axis="ch" ptType="asst" func="cnt" op="gte" val="1">
+                  <dgm:alg type="hierRoot">
+                    <dgm:param type="hierAlign" val="tL"/>
+                  </dgm:alg>
+                  <dgm:constrLst>
+                    <dgm:constr type="alignOff" val="0.65"/>
+                  </dgm:constrLst>
+                </dgm:if>
+                <dgm:else name="Name13">
+                  <dgm:alg type="hierRoot">
+                    <dgm:param type="hierAlign" val="tL"/>
+                  </dgm:alg>
+                  <dgm:constrLst>
+                    <dgm:constr type="alignOff" val="0.25"/>
+                  </dgm:constrLst>
+                </dgm:else>
+              </dgm:choose>
+            </dgm:if>
+            <dgm:if name="Name14" func="var" arg="hierBranch" op="equ" val="hang">
+              <dgm:alg type="hierRoot"/>
+              <dgm:constrLst>
+                <dgm:constr type="alignOff" val="0.65"/>
+              </dgm:constrLst>
+            </dgm:if>
+            <dgm:else name="Name15">
+              <dgm:alg type="hierRoot"/>
+              <dgm:constrLst>
+                <dgm:constr type="alignOff"/>
+                <dgm:constr type="bendDist" for="des" ptType="parTrans" refType="sp" fact="0.5"/>
+              </dgm:constrLst>
+            </dgm:else>
+          </dgm:choose>
+          <dgm:shape xmlns:r="http://schemas.openxmlformats.org/officeDocument/2006/relationships" r:blip="">
+            <dgm:adjLst/>
+          </dgm:shape>
+          <dgm:presOf/>
+          <dgm:ruleLst/>
+          <dgm:layoutNode name="rootComposite1">
+            <dgm:alg type="composite"/>
+            <dgm:shape xmlns:r="http://schemas.openxmlformats.org/officeDocument/2006/relationships" r:blip="">
+              <dgm:adjLst/>
+            </dgm:shape>
+            <dgm:presOf axis="self" ptType="node" cnt="1"/>
+            <dgm:choose name="Name16">
+              <dgm:if name="Name17" func="var" arg="hierBranch" op="equ" val="init">
+                <dgm:constrLst>
+                  <dgm:constr type="l" for="ch" forName="rootText1"/>
+                  <dgm:constr type="t" for="ch" forName="rootText1"/>
+                  <dgm:constr type="w" for="ch" forName="rootText1" refType="w"/>
+                  <dgm:constr type="h" for="ch" forName="rootText1" refType="h"/>
+                  <dgm:constr type="l" for="ch" forName="rootConnector1"/>
+                  <dgm:constr type="t" for="ch" forName="rootConnector1"/>
+                  <dgm:constr type="w" for="ch" forName="rootConnector1" refType="w" refFor="ch" refForName="rootText1" fact="0.2"/>
+                  <dgm:constr type="h" for="ch" forName="rootConnector1" refType="h" refFor="ch" refForName="rootText1"/>
+                </dgm:constrLst>
+              </dgm:if>
+              <dgm:if name="Name18" func="var" arg="hierBranch" op="equ" val="l">
+                <dgm:constrLst>
+                  <dgm:constr type="l" for="ch" forName="rootText1"/>
+                  <dgm:constr type="t" for="ch" forName="rootText1"/>
+                  <dgm:constr type="w" for="ch" forName="rootText1" refType="w"/>
+                  <dgm:constr type="h" for="ch" forName="rootText1" refType="h"/>
+                  <dgm:constr type="r" for="ch" forName="rootConnector1" refType="w"/>
+                  <dgm:constr type="t" for="ch" forName="rootConnector1"/>
+                  <dgm:constr type="w" for="ch" forName="rootConnector1" refType="w" refFor="ch" refForName="rootText1" fact="0.2"/>
+                  <dgm:constr type="h" for="ch" forName="rootConnector1" refType="h" refFor="ch" refForName="rootText1"/>
+                </dgm:constrLst>
+              </dgm:if>
+              <dgm:if name="Name19" func="var" arg="hierBranch" op="equ" val="r">
+                <dgm:constrLst>
+                  <dgm:constr type="l" for="ch" forName="rootText1"/>
+                  <dgm:constr type="t" for="ch" forName="rootText1"/>
+                  <dgm:constr type="w" for="ch" forName="rootText1" refType="w"/>
+                  <dgm:constr type="h" for="ch" forName="rootText1" refType="h"/>
+                  <dgm:constr type="l" for="ch" forName="rootConnector1"/>
+                  <dgm:constr type="t" for="ch" forName="rootConnector1"/>
+                  <dgm:constr type="w" for="ch" forName="rootConnector1" refType="w" refFor="ch" refForName="rootText1" fact="0.2"/>
+                  <dgm:constr type="h" for="ch" forName="rootConnector1" refType="h" refFor="ch" refForName="rootText1"/>
+                </dgm:constrLst>
+              </dgm:if>
+              <dgm:else name="Name20">
+                <dgm:constrLst>
+                  <dgm:constr type="l" for="ch" forName="rootText1"/>
+                  <dgm:constr type="t" for="ch" forName="rootText1"/>
+                  <dgm:constr type="w" for="ch" forName="rootText1" refType="w"/>
+                  <dgm:constr type="h" for="ch" forName="rootText1" refType="h"/>
+                  <dgm:constr type="r" for="ch" forName="rootConnector1" refType="w"/>
+                  <dgm:constr type="t" for="ch" forName="rootConnector1"/>
+                  <dgm:constr type="w" for="ch" forName="rootConnector1" refType="w" refFor="ch" refForName="rootText1" fact="0.2"/>
+                  <dgm:constr type="h" for="ch" forName="rootConnector1" refType="h" refFor="ch" refForName="rootText1"/>
+                </dgm:constrLst>
+              </dgm:else>
+            </dgm:choose>
+            <dgm:ruleLst/>
+            <dgm:layoutNode name="rootText1" styleLbl="node0">
+              <dgm:varLst>
+                <dgm:chPref val="3"/>
+              </dgm:varLst>
+              <dgm:alg type="tx"/>
+              <dgm:shape xmlns:r="http://schemas.openxmlformats.org/officeDocument/2006/relationships" type="rect" r:blip="">
+                <dgm:adjLst/>
+              </dgm:shape>
+              <dgm:presOf axis="self" ptType="node" cnt="1"/>
+              <dgm:constrLst>
+                <dgm:constr type="primFontSz" val="65"/>
+                <dgm:constr type="lMarg" refType="primFontSz" fact="0.05"/>
+                <dgm:constr type="rMarg" refType="primFontSz" fact="0.05"/>
+                <dgm:constr type="tMarg" refType="primFontSz" fact="0.05"/>
+                <dgm:constr type="bMarg" refType="primFontSz" fact="0.05"/>
+              </dgm:constrLst>
+              <dgm:ruleLst>
+                <dgm:rule type="primFontSz" val="5" fact="NaN" max="NaN"/>
+              </dgm:ruleLst>
+            </dgm:layoutNode>
+            <dgm:layoutNode name="rootConnector1" moveWith="rootText1">
+              <dgm:alg type="sp"/>
+              <dgm:shape xmlns:r="http://schemas.openxmlformats.org/officeDocument/2006/relationships" type="rect" r:blip="" hideGeom="1">
+                <dgm:adjLst/>
+              </dgm:shape>
+              <dgm:presOf axis="self" ptType="node" cnt="1"/>
+              <dgm:constrLst/>
+              <dgm:ruleLst/>
+            </dgm:layoutNode>
+          </dgm:layoutNode>
+          <dgm:layoutNode name="hierChild2">
+            <dgm:choose name="Name21">
+              <dgm:if name="Name22" func="var" arg="hierBranch" op="equ" val="l">
+                <dgm:alg type="hierChild">
+                  <dgm:param type="chAlign" val="r"/>
+                  <dgm:param type="linDir" val="fromT"/>
+                </dgm:alg>
+              </dgm:if>
+              <dgm:if name="Name23" func="var" arg="hierBranch" op="equ" val="r">
+                <dgm:alg type="hierChild">
+                  <dgm:param type="chAlign" val="l"/>
+                  <dgm:param type="linDir" val="fromT"/>
+                </dgm:alg>
+              </dgm:if>
+              <dgm:if name="Name24" func="var" arg="hierBranch" op="equ" val="hang">
+                <dgm:choose name="Name25">
+                  <dgm:if name="Name26" func="var" arg="dir" op="equ" val="norm">
+                    <dgm:alg type="hierChild">
+                      <dgm:param type="chAlign" val="l"/>
+                      <dgm:param type="linDir" val="fromL"/>
+                      <dgm:param type="secChAlign" val="t"/>
+                      <dgm:param type="secLinDir" val="fromT"/>
+                    </dgm:alg>
+                  </dgm:if>
+                  <dgm:else name="Name27">
+                    <dgm:alg type="hierChild">
+                      <dgm:param type="chAlign" val="l"/>
+                      <dgm:param type="linDir" val="fromR"/>
+                      <dgm:param type="secChAlign" val="t"/>
+                      <dgm:param type="secLinDir" val="fromT"/>
+                    </dgm:alg>
+                  </dgm:else>
+                </dgm:choose>
+              </dgm:if>
+              <dgm:else name="Name28">
+                <dgm:choose name="Name29">
+                  <dgm:if name="Name30" func="var" arg="dir" op="equ" val="norm">
+                    <dgm:alg type="hierChild"/>
+                  </dgm:if>
+                  <dgm:else name="Name31">
+                    <dgm:alg type="hierChild">
+                      <dgm:param type="linDir" val="fromR"/>
+                    </dgm:alg>
+                  </dgm:else>
+                </dgm:choose>
+              </dgm:else>
+            </dgm:choose>
+            <dgm:shape xmlns:r="http://schemas.openxmlformats.org/officeDocument/2006/relationships" r:blip="">
+              <dgm:adjLst/>
+            </dgm:shape>
+            <dgm:presOf/>
+            <dgm:constrLst/>
+            <dgm:ruleLst/>
+            <dgm:forEach name="rep2a" axis="ch" ptType="nonAsst">
+              <dgm:forEach name="Name32" axis="precedSib" ptType="parTrans" st="-1" cnt="1">
+                <dgm:choose name="Name33">
+                  <dgm:if name="Name34" func="var" arg="hierBranch" op="equ" val="std">
+                    <dgm:layoutNode name="Name35">
+                      <dgm:alg type="conn">
+                        <dgm:param type="connRout" val="bend"/>
+                        <dgm:param type="dim" val="1D"/>
+                        <dgm:param type="endSty" val="noArr"/>
+                        <dgm:param type="begPts" val="bCtr"/>
+                        <dgm:param type="endPts" val="tCtr"/>
+                        <dgm:param type="bendPt" val="end"/>
+                      </dgm:alg>
+                      <dgm:shape xmlns:r="http://schemas.openxmlformats.org/officeDocument/2006/relationships" type="conn" r:blip="" zOrderOff="-99999">
+                        <dgm:adjLst/>
+                      </dgm:shape>
+                      <dgm:presOf axis="self"/>
+                      <dgm:constrLst>
+                        <dgm:constr type="begPad"/>
+                        <dgm:constr type="endPad"/>
+                      </dgm:constrLst>
+                      <dgm:ruleLst/>
+                    </dgm:layoutNode>
+                  </dgm:if>
+                  <dgm:if name="Name36" func="var" arg="hierBranch" op="equ" val="init">
+                    <dgm:layoutNode name="Name37">
+                      <dgm:choose name="Name38">
+                        <dgm:if name="Name39" axis="self" func="depth" op="lte" val="2">
+                          <dgm:alg type="conn">
+                            <dgm:param type="connRout" val="bend"/>
+                            <dgm:param type="dim" val="1D"/>
+                            <dgm:param type="endSty" val="noArr"/>
+                            <dgm:param type="begPts" val="bCtr"/>
+                            <dgm:param type="endPts" val="tCtr"/>
+                            <dgm:param type="bendPt" val="end"/>
+                          </dgm:alg>
+                        </dgm:if>
+                        <dgm:else name="Name40">
+                          <dgm:choose name="Name41">
+                            <dgm:if name="Name42" axis="par des" func="maxDepth" op="lte" val="1">
+                              <dgm:choose name="Name43">
+                                <dgm:if name="Name44" axis="par ch" ptType="node asst" func="cnt" op="gte" val="1">
+                                  <dgm:alg type="conn">
+                                    <dgm:param type="connRout" val="bend"/>
+                                    <dgm:param type="dim" val="1D"/>
+                                    <dgm:param type="endSty" val="noArr"/>
+                                    <dgm:param type="begPts" val="bCtr"/>
+                                    <dgm:param type="endPts" val="midL midR"/>
+                                  </dgm:alg>
+                                </dgm:if>
+                                <dgm:else name="Name45">
+                                  <dgm:alg type="conn">
+                                    <dgm:param type="connRout" val="bend"/>
+                                    <dgm:param type="dim" val="1D"/>
+                                    <dgm:param type="endSty" val="noArr"/>
+                                    <dgm:param type="begPts" val="bCtr"/>
+                                    <dgm:param type="endPts" val="midL midR"/>
+                                    <dgm:param type="srcNode" val="rootConnector"/>
+                                  </dgm:alg>
+                                </dgm:else>
+                              </dgm:choose>
+                            </dgm:if>
+                            <dgm:else name="Name46">
+                              <dgm:alg type="conn">
+                                <dgm:param type="connRout" val="bend"/>
+                                <dgm:param type="dim" val="1D"/>
+                                <dgm:param type="endSty" val="noArr"/>
+                                <dgm:param type="begPts" val="bCtr"/>
+                                <dgm:param type="endPts" val="tCtr"/>
+                                <dgm:param type="bendPt" val="end"/>
+                              </dgm:alg>
+                            </dgm:else>
+                          </dgm:choose>
+                        </dgm:else>
+                      </dgm:choose>
+                      <dgm:shape xmlns:r="http://schemas.openxmlformats.org/officeDocument/2006/relationships" type="conn" r:blip="" zOrderOff="-99999">
+                        <dgm:adjLst/>
+                      </dgm:shape>
+                      <dgm:presOf axis="self"/>
+                      <dgm:constrLst>
+                        <dgm:constr type="begPad"/>
+                        <dgm:constr type="endPad"/>
+                      </dgm:constrLst>
+                      <dgm:ruleLst/>
+                    </dgm:layoutNode>
+                  </dgm:if>
+                  <dgm:if name="Name47" func="var" arg="hierBranch" op="equ" val="hang">
+                    <dgm:layoutNode name="Name48">
+                      <dgm:alg type="conn">
+                        <dgm:param type="connRout" val="bend"/>
+                        <dgm:param type="dim" val="1D"/>
+                        <dgm:param type="endSty" val="noArr"/>
+                        <dgm:param type="begPts" val="bCtr"/>
+                        <dgm:param type="endPts" val="midL midR"/>
+                      </dgm:alg>
+                      <dgm:shape xmlns:r="http://schemas.openxmlformats.org/officeDocument/2006/relationships" type="conn" r:blip="" zOrderOff="-99999">
+                        <dgm:adjLst/>
+                      </dgm:shape>
+                      <dgm:presOf axis="self"/>
+                      <dgm:constrLst>
+                        <dgm:constr type="begPad"/>
+                        <dgm:constr type="endPad"/>
+                      </dgm:constrLst>
+                      <dgm:ruleLst/>
+                    </dgm:layoutNode>
+                  </dgm:if>
+                  <dgm:else name="Name49">
+                    <dgm:layoutNode name="Name50">
+                      <dgm:choose name="Name51">
+                        <dgm:if name="Name52" axis="self" func="depth" op="lte" val="2">
+                          <dgm:choose name="Name53">
+                            <dgm:if name="Name54" axis="par ch" ptType="node asst" func="cnt" op="gte" val="1">
+                              <dgm:alg type="conn">
+                                <dgm:param type="connRout" val="bend"/>
+                                <dgm:param type="dim" val="1D"/>
+                                <dgm:param type="endSty" val="noArr"/>
+                                <dgm:param type="begPts" val="bCtr"/>
+                                <dgm:param type="endPts" val="midL midR"/>
+                              </dgm:alg>
+                            </dgm:if>
+                            <dgm:else name="Name55">
+                              <dgm:alg type="conn">
+                                <dgm:param type="connRout" val="bend"/>
+                                <dgm:param type="dim" val="1D"/>
+                                <dgm:param type="endSty" val="noArr"/>
+                                <dgm:param type="begPts" val="bCtr"/>
+                                <dgm:param type="endPts" val="midL midR"/>
+                                <dgm:param type="srcNode" val="rootConnector1"/>
+                              </dgm:alg>
+                            </dgm:else>
+                          </dgm:choose>
+                        </dgm:if>
+                        <dgm:else name="Name56">
+                          <dgm:choose name="Name57">
+                            <dgm:if name="Name58" axis="par ch" ptType="node asst" func="cnt" op="gte" val="1">
+                              <dgm:alg type="conn">
+                                <dgm:param type="connRout" val="bend"/>
+                                <dgm:param type="dim" val="1D"/>
+                                <dgm:param type="endSty" val="noArr"/>
+                                <dgm:param type="begPts" val="bCtr"/>
+                                <dgm:param type="endPts" val="midL midR"/>
+                              </dgm:alg>
+                            </dgm:if>
+                            <dgm:else name="Name59">
+                              <dgm:alg type="conn">
+                                <dgm:param type="connRout" val="bend"/>
+                                <dgm:param type="dim" val="1D"/>
+                                <dgm:param type="endSty" val="noArr"/>
+                                <dgm:param type="begPts" val="bCtr"/>
+                                <dgm:param type="endPts" val="midL midR"/>
+                                <dgm:param type="srcNode" val="rootConnector"/>
+                              </dgm:alg>
+                            </dgm:else>
+                          </dgm:choose>
+                        </dgm:else>
+                      </dgm:choose>
+                      <dgm:shape xmlns:r="http://schemas.openxmlformats.org/officeDocument/2006/relationships" type="conn" r:blip="" zOrderOff="-99999">
+                        <dgm:adjLst/>
+                      </dgm:shape>
+                      <dgm:presOf axis="self"/>
+                      <dgm:constrLst>
+                        <dgm:constr type="begPad"/>
+                        <dgm:constr type="endPad"/>
+                      </dgm:constrLst>
+                      <dgm:ruleLst/>
+                    </dgm:layoutNode>
+                  </dgm:else>
+                </dgm:choose>
+              </dgm:forEach>
+              <dgm:layoutNode name="hierRoot2">
+                <dgm:varLst>
+                  <dgm:hierBranch val="init"/>
+                </dgm:varLst>
+                <dgm:choose name="Name60">
+                  <dgm:if name="Name61" func="var" arg="hierBranch" op="equ" val="l">
+                    <dgm:choose name="Name62">
+                      <dgm:if name="Name63" axis="ch" ptType="asst" func="cnt" op="gte" val="1">
+                        <dgm:alg type="hierRoot">
+                          <dgm:param type="hierAlign" val="tR"/>
+                        </dgm:alg>
+                        <dgm:shape xmlns:r="http://schemas.openxmlformats.org/officeDocument/2006/relationships" r:blip="">
+                          <dgm:adjLst/>
+                        </dgm:shape>
+                        <dgm:presOf/>
+                        <dgm:constrLst>
+                          <dgm:constr type="alignOff" val="0.65"/>
+                        </dgm:constrLst>
+                      </dgm:if>
+                      <dgm:else name="Name64">
+                        <dgm:alg type="hierRoot">
+                          <dgm:param type="hierAlign" val="tR"/>
+                        </dgm:alg>
+                        <dgm:shape xmlns:r="http://schemas.openxmlformats.org/officeDocument/2006/relationships" r:blip="">
+                          <dgm:adjLst/>
+                        </dgm:shape>
+                        <dgm:presOf/>
+                        <dgm:constrLst>
+                          <dgm:constr type="alignOff" val="0.25"/>
+                        </dgm:constrLst>
+                      </dgm:else>
+                    </dgm:choose>
+                  </dgm:if>
+                  <dgm:if name="Name65" func="var" arg="hierBranch" op="equ" val="r">
+                    <dgm:choose name="Name66">
+                      <dgm:if name="Name67" axis="ch" ptType="asst" func="cnt" op="gte" val="1">
+                        <dgm:alg type="hierRoot">
+                          <dgm:param type="hierAlign" val="tL"/>
+                        </dgm:alg>
+                        <dgm:shape xmlns:r="http://schemas.openxmlformats.org/officeDocument/2006/relationships" r:blip="">
+                          <dgm:adjLst/>
+                        </dgm:shape>
+                        <dgm:presOf/>
+                        <dgm:constrLst>
+                          <dgm:constr type="alignOff" val="0.65"/>
+                        </dgm:constrLst>
+                      </dgm:if>
+                      <dgm:else name="Name68">
+                        <dgm:alg type="hierRoot">
+                          <dgm:param type="hierAlign" val="tL"/>
+                        </dgm:alg>
+                        <dgm:shape xmlns:r="http://schemas.openxmlformats.org/officeDocument/2006/relationships" r:blip="">
+                          <dgm:adjLst/>
+                        </dgm:shape>
+                        <dgm:presOf/>
+                        <dgm:constrLst>
+                          <dgm:constr type="alignOff" val="0.25"/>
+                        </dgm:constrLst>
+                      </dgm:else>
+                    </dgm:choose>
+                  </dgm:if>
+                  <dgm:if name="Name69" func="var" arg="hierBranch" op="equ" val="std">
+                    <dgm:alg type="hierRoot"/>
+                    <dgm:shape xmlns:r="http://schemas.openxmlformats.org/officeDocument/2006/relationships" r:blip="">
+                      <dgm:adjLst/>
+                    </dgm:shape>
+                    <dgm:presOf/>
+                    <dgm:constrLst>
+                      <dgm:constr type="alignOff"/>
+                      <dgm:constr type="bendDist" for="des" ptType="parTrans" refType="sp" fact="0.5"/>
+                    </dgm:constrLst>
+                  </dgm:if>
+                  <dgm:if name="Name70" func="var" arg="hierBranch" op="equ" val="init">
+                    <dgm:choose name="Name71">
+                      <dgm:if name="Name72" axis="des" func="maxDepth" op="lte" val="1">
+                        <dgm:choose name="Name73">
+                          <dgm:if name="Name74" axis="ch" ptType="asst" func="cnt" op="gte" val="1">
+                            <dgm:alg type="hierRoot">
+                              <dgm:param type="hierAlign" val="tL"/>
+                            </dgm:alg>
+                            <dgm:shape xmlns:r="http://schemas.openxmlformats.org/officeDocument/2006/relationships" r:blip="">
+                              <dgm:adjLst/>
+                            </dgm:shape>
+                            <dgm:presOf/>
+                            <dgm:constrLst>
+                              <dgm:constr type="alignOff" val="0.65"/>
+                            </dgm:constrLst>
+                          </dgm:if>
+                          <dgm:else name="Name75">
+                            <dgm:alg type="hierRoot">
+                              <dgm:param type="hierAlign" val="tL"/>
+                            </dgm:alg>
+                            <dgm:shape xmlns:r="http://schemas.openxmlformats.org/officeDocument/2006/relationships" r:blip="">
+                              <dgm:adjLst/>
+                            </dgm:shape>
+                            <dgm:presOf/>
+                            <dgm:constrLst>
+                              <dgm:constr type="alignOff" val="0.25"/>
+                            </dgm:constrLst>
+                          </dgm:else>
+                        </dgm:choose>
+                      </dgm:if>
+                      <dgm:else name="Name76">
+                        <dgm:alg type="hierRoot"/>
+                        <dgm:shape xmlns:r="http://schemas.openxmlformats.org/officeDocument/2006/relationships" r:blip="">
+                          <dgm:adjLst/>
+                        </dgm:shape>
+                        <dgm:presOf/>
+                        <dgm:constrLst>
+                          <dgm:constr type="alignOff"/>
+                          <dgm:constr type="bendDist" for="des" ptType="parTrans" refType="sp" fact="0.5"/>
+                        </dgm:constrLst>
+                      </dgm:else>
+                    </dgm:choose>
+                  </dgm:if>
+                  <dgm:else name="Name77">
+                    <dgm:alg type="hierRoot"/>
+                    <dgm:shape xmlns:r="http://schemas.openxmlformats.org/officeDocument/2006/relationships" r:blip="">
+                      <dgm:adjLst/>
+                    </dgm:shape>
+                    <dgm:presOf/>
+                    <dgm:constrLst>
+                      <dgm:constr type="alignOff" val="0.65"/>
+                    </dgm:constrLst>
+                  </dgm:else>
+                </dgm:choose>
+                <dgm:ruleLst/>
+                <dgm:layoutNode name="rootComposite">
+                  <dgm:alg type="composite"/>
+                  <dgm:shape xmlns:r="http://schemas.openxmlformats.org/officeDocument/2006/relationships" r:blip="">
+                    <dgm:adjLst/>
+                  </dgm:shape>
+                  <dgm:presOf axis="self" ptType="node" cnt="1"/>
+                  <dgm:choose name="Name78">
+                    <dgm:if name="Name79" func="var" arg="hierBranch" op="equ" val="init">
+                      <dgm:constrLst>
+                        <dgm:constr type="l" for="ch" forName="rootText"/>
+                        <dgm:constr type="t" for="ch" forName="rootText"/>
+                        <dgm:constr type="w" for="ch" forName="rootText" refType="w"/>
+                        <dgm:constr type="h" for="ch" forName="rootText" refType="h"/>
+                        <dgm:constr type="l" for="ch" forName="rootConnector"/>
+                        <dgm:constr type="t" for="ch" forName="rootConnector"/>
+                        <dgm:constr type="w" for="ch" forName="rootConnector" refType="w" refFor="ch" refForName="rootText" fact="0.2"/>
+                        <dgm:constr type="h" for="ch" forName="rootConnector" refType="h" refFor="ch" refForName="rootText"/>
+                      </dgm:constrLst>
+                    </dgm:if>
+                    <dgm:if name="Name80" func="var" arg="hierBranch" op="equ" val="l">
+                      <dgm:constrLst>
+                        <dgm:constr type="l" for="ch" forName="rootText"/>
+                        <dgm:constr type="t" for="ch" forName="rootText"/>
+                        <dgm:constr type="w" for="ch" forName="rootText" refType="w"/>
+                        <dgm:constr type="h" for="ch" forName="rootText" refType="h"/>
+                        <dgm:constr type="r" for="ch" forName="rootConnector" refType="w"/>
+                        <dgm:constr type="t" for="ch" forName="rootConnector"/>
+                        <dgm:constr type="w" for="ch" forName="rootConnector" refType="w" refFor="ch" refForName="rootText" fact="0.2"/>
+                        <dgm:constr type="h" for="ch" forName="rootConnector" refType="h" refFor="ch" refForName="rootText"/>
+                      </dgm:constrLst>
+                    </dgm:if>
+                    <dgm:if name="Name81" func="var" arg="hierBranch" op="equ" val="r">
+                      <dgm:constrLst>
+                        <dgm:constr type="l" for="ch" forName="rootText"/>
+                        <dgm:constr type="t" for="ch" forName="rootText"/>
+                        <dgm:constr type="w" for="ch" forName="rootText" refType="w"/>
+                        <dgm:constr type="h" for="ch" forName="rootText" refType="h"/>
+                        <dgm:constr type="l" for="ch" forName="rootConnector"/>
+                        <dgm:constr type="t" for="ch" forName="rootConnector"/>
+                        <dgm:constr type="w" for="ch" forName="rootConnector" refType="w" refFor="ch" refForName="rootText" fact="0.2"/>
+                        <dgm:constr type="h" for="ch" forName="rootConnector" refType="h" refFor="ch" refForName="rootText"/>
+                      </dgm:constrLst>
+                    </dgm:if>
+                    <dgm:else name="Name82">
+                      <dgm:constrLst>
+                        <dgm:constr type="l" for="ch" forName="rootText"/>
+                        <dgm:constr type="t" for="ch" forName="rootText"/>
+                        <dgm:constr type="w" for="ch" forName="rootText" refType="w"/>
+                        <dgm:constr type="h" for="ch" forName="rootText" refType="h"/>
+                        <dgm:constr type="r" for="ch" forName="rootConnector" refType="w"/>
+                        <dgm:constr type="t" for="ch" forName="rootConnector"/>
+                        <dgm:constr type="w" for="ch" forName="rootConnector" refType="w" refFor="ch" refForName="rootText" fact="0.2"/>
+                        <dgm:constr type="h" for="ch" forName="rootConnector" refType="h" refFor="ch" refForName="rootText"/>
+                      </dgm:constrLst>
+                    </dgm:else>
+                  </dgm:choose>
+                  <dgm:ruleLst/>
+                  <dgm:layoutNode name="rootText">
+                    <dgm:varLst>
+                      <dgm:chPref val="3"/>
+                    </dgm:varLst>
+                    <dgm:alg type="tx"/>
+                    <dgm:shape xmlns:r="http://schemas.openxmlformats.org/officeDocument/2006/relationships" type="rect" r:blip="">
+                      <dgm:adjLst/>
+                    </dgm:shape>
+                    <dgm:presOf axis="self" ptType="node" cnt="1"/>
+                    <dgm:constrLst>
+                      <dgm:constr type="primFontSz" val="65"/>
+                      <dgm:constr type="lMarg" refType="primFontSz" fact="0.05"/>
+                      <dgm:constr type="rMarg" refType="primFontSz" fact="0.05"/>
+                      <dgm:constr type="tMarg" refType="primFontSz" fact="0.05"/>
+                      <dgm:constr type="bMarg" refType="primFontSz" fact="0.05"/>
+                    </dgm:constrLst>
+                    <dgm:ruleLst>
+                      <dgm:rule type="primFontSz" val="5" fact="NaN" max="NaN"/>
+                    </dgm:ruleLst>
+                  </dgm:layoutNode>
+                  <dgm:layoutNode name="rootConnector" moveWith="rootText">
+                    <dgm:alg type="sp"/>
+                    <dgm:shape xmlns:r="http://schemas.openxmlformats.org/officeDocument/2006/relationships" type="rect" r:blip="" hideGeom="1">
+                      <dgm:adjLst/>
+                    </dgm:shape>
+                    <dgm:presOf axis="self" ptType="node" cnt="1"/>
+                    <dgm:constrLst/>
+                    <dgm:ruleLst/>
+                  </dgm:layoutNode>
+                </dgm:layoutNode>
+                <dgm:layoutNode name="hierChild4">
+                  <dgm:choose name="Name83">
+                    <dgm:if name="Name84" func="var" arg="hierBranch" op="equ" val="l">
+                      <dgm:alg type="hierChild">
+                        <dgm:param type="chAlign" val="r"/>
+                        <dgm:param type="linDir" val="fromT"/>
+                      </dgm:alg>
+                    </dgm:if>
+                    <dgm:if name="Name85" func="var" arg="hierBranch" op="equ" val="r">
+                      <dgm:alg type="hierChild">
+                        <dgm:param type="chAlign" val="l"/>
+                        <dgm:param type="linDir" val="fromT"/>
+                      </dgm:alg>
+                    </dgm:if>
+                    <dgm:if name="Name86" func="var" arg="hierBranch" op="equ" val="hang">
+                      <dgm:choose name="Name87">
+                        <dgm:if name="Name88" func="var" arg="dir" op="equ" val="norm">
+                          <dgm:alg type="hierChild">
+                            <dgm:param type="chAlign" val="l"/>
+                            <dgm:param type="linDir" val="fromL"/>
+                            <dgm:param type="secChAlign" val="t"/>
+                            <dgm:param type="secLinDir" val="fromT"/>
+                          </dgm:alg>
+                        </dgm:if>
+                        <dgm:else name="Name89">
+                          <dgm:alg type="hierChild">
+                            <dgm:param type="chAlign" val="l"/>
+                            <dgm:param type="linDir" val="fromR"/>
+                            <dgm:param type="secChAlign" val="t"/>
+                            <dgm:param type="secLinDir" val="fromT"/>
+                          </dgm:alg>
+                        </dgm:else>
+                      </dgm:choose>
+                    </dgm:if>
+                    <dgm:if name="Name90" func="var" arg="hierBranch" op="equ" val="std">
+                      <dgm:choose name="Name91">
+                        <dgm:if name="Name92" func="var" arg="dir" op="equ" val="norm">
+                          <dgm:alg type="hierChild"/>
+                        </dgm:if>
+                        <dgm:else name="Name93">
+                          <dgm:alg type="hierChild">
+                            <dgm:param type="linDir" val="fromR"/>
+                          </dgm:alg>
+                        </dgm:else>
+                      </dgm:choose>
+                    </dgm:if>
+                    <dgm:if name="Name94" func="var" arg="hierBranch" op="equ" val="init">
+                      <dgm:choose name="Name95">
+                        <dgm:if name="Name96" axis="des" func="maxDepth" op="lte" val="1">
+                          <dgm:alg type="hierChild">
+                            <dgm:param type="chAlign" val="l"/>
+                            <dgm:param type="linDir" val="fromT"/>
+                          </dgm:alg>
+                        </dgm:if>
+                        <dgm:else name="Name97">
+                          <dgm:choose name="Name98">
+                            <dgm:if name="Name99" func="var" arg="dir" op="equ" val="norm">
+                              <dgm:alg type="hierChild"/>
+                            </dgm:if>
+                            <dgm:else name="Name100">
+                              <dgm:alg type="hierChild">
+                                <dgm:param type="linDir" val="fromR"/>
+                              </dgm:alg>
+                            </dgm:else>
+                          </dgm:choose>
+                        </dgm:else>
+                      </dgm:choose>
+                    </dgm:if>
+                    <dgm:else name="Name101"/>
+                  </dgm:choose>
+                  <dgm:shape xmlns:r="http://schemas.openxmlformats.org/officeDocument/2006/relationships" r:blip="">
+                    <dgm:adjLst/>
+                  </dgm:shape>
+                  <dgm:presOf/>
+                  <dgm:constrLst/>
+                  <dgm:ruleLst/>
+                  <dgm:forEach name="Name102" ref="rep2a"/>
+                </dgm:layoutNode>
+                <dgm:layoutNode name="hierChild5">
+                  <dgm:choose name="Name103">
+                    <dgm:if name="Name104" func="var" arg="dir" op="equ" val="norm">
+                      <dgm:alg type="hierChild">
+                        <dgm:param type="chAlign" val="l"/>
+                        <dgm:param type="linDir" val="fromL"/>
+                        <dgm:param type="secChAlign" val="t"/>
+                        <dgm:param type="secLinDir" val="fromT"/>
+                      </dgm:alg>
+                    </dgm:if>
+                    <dgm:else name="Name105">
+                      <dgm:alg type="hierChild">
+                        <dgm:param type="chAlign" val="l"/>
+                        <dgm:param type="linDir" val="fromR"/>
+                        <dgm:param type="secChAlign" val="t"/>
+                        <dgm:param type="secLinDir" val="fromT"/>
+                      </dgm:alg>
+                    </dgm:else>
+                  </dgm:choose>
+                  <dgm:shape xmlns:r="http://schemas.openxmlformats.org/officeDocument/2006/relationships" r:blip="">
+                    <dgm:adjLst/>
+                  </dgm:shape>
+                  <dgm:presOf/>
+                  <dgm:constrLst/>
+                  <dgm:ruleLst/>
+                  <dgm:forEach name="Name106" ref="rep2b"/>
+                </dgm:layoutNode>
+              </dgm:layoutNode>
+            </dgm:forEach>
+          </dgm:layoutNode>
+          <dgm:layoutNode name="hierChild3">
+            <dgm:choose name="Name107">
+              <dgm:if name="Name108" func="var" arg="dir" op="equ" val="norm">
+                <dgm:alg type="hierChild">
+                  <dgm:param type="chAlign" val="l"/>
+                  <dgm:param type="linDir" val="fromL"/>
+                  <dgm:param type="secChAlign" val="t"/>
+                  <dgm:param type="secLinDir" val="fromT"/>
+                </dgm:alg>
+              </dgm:if>
+              <dgm:else name="Name109">
+                <dgm:alg type="hierChild">
+                  <dgm:param type="chAlign" val="l"/>
+                  <dgm:param type="linDir" val="fromR"/>
+                  <dgm:param type="secChAlign" val="t"/>
+                  <dgm:param type="secLinDir" val="fromT"/>
+                </dgm:alg>
+              </dgm:else>
+            </dgm:choose>
+            <dgm:shape xmlns:r="http://schemas.openxmlformats.org/officeDocument/2006/relationships" r:blip="">
+              <dgm:adjLst/>
+            </dgm:shape>
+            <dgm:presOf/>
+            <dgm:constrLst/>
+            <dgm:ruleLst/>
+            <dgm:forEach name="rep2b" axis="ch" ptType="asst">
+              <dgm:forEach name="Name110" axis="precedSib" ptType="parTrans" st="-1" cnt="1">
+                <dgm:layoutNode name="Name111">
+                  <dgm:alg type="conn">
+                    <dgm:param type="connRout" val="bend"/>
+                    <dgm:param type="dim" val="1D"/>
+                    <dgm:param type="endSty" val="noArr"/>
+                    <dgm:param type="begPts" val="bCtr"/>
+                    <dgm:param type="endPts" val="midL midR"/>
+                  </dgm:alg>
+                  <dgm:shape xmlns:r="http://schemas.openxmlformats.org/officeDocument/2006/relationships" type="conn" r:blip="" zOrderOff="-99999">
+                    <dgm:adjLst/>
+                  </dgm:shape>
+                  <dgm:presOf axis="self"/>
+                  <dgm:constrLst>
+                    <dgm:constr type="begPad"/>
+                    <dgm:constr type="endPad"/>
+                  </dgm:constrLst>
+                  <dgm:ruleLst/>
+                </dgm:layoutNode>
+              </dgm:forEach>
+              <dgm:layoutNode name="hierRoot3">
+                <dgm:varLst>
+                  <dgm:hierBranch val="init"/>
+                </dgm:varLst>
+                <dgm:choose name="Name112">
+                  <dgm:if name="Name113" func="var" arg="hierBranch" op="equ" val="l">
+                    <dgm:alg type="hierRoot">
+                      <dgm:param type="hierAlign" val="tR"/>
+                    </dgm:alg>
+                    <dgm:shape xmlns:r="http://schemas.openxmlformats.org/officeDocument/2006/relationships" r:blip="">
+                      <dgm:adjLst/>
+                    </dgm:shape>
+                    <dgm:presOf/>
+                    <dgm:constrLst>
+                      <dgm:constr type="alignOff" val="0.65"/>
+                    </dgm:constrLst>
+                  </dgm:if>
+                  <dgm:if name="Name114" func="var" arg="hierBranch" op="equ" val="r">
+                    <dgm:alg type="hierRoot">
+                      <dgm:param type="hierAlign" val="tL"/>
+                    </dgm:alg>
+                    <dgm:shape xmlns:r="http://schemas.openxmlformats.org/officeDocument/2006/relationships" r:blip="">
+                      <dgm:adjLst/>
+                    </dgm:shape>
+                    <dgm:presOf/>
+                    <dgm:constrLst>
+                      <dgm:constr type="alignOff" val="0.65"/>
+                    </dgm:constrLst>
+                  </dgm:if>
+                  <dgm:if name="Name115" func="var" arg="hierBranch" op="equ" val="hang">
+                    <dgm:alg type="hierRoot"/>
+                    <dgm:shape xmlns:r="http://schemas.openxmlformats.org/officeDocument/2006/relationships" r:blip="">
+                      <dgm:adjLst/>
+                    </dgm:shape>
+                    <dgm:presOf/>
+                    <dgm:constrLst>
+                      <dgm:constr type="alignOff" val="0.65"/>
+                    </dgm:constrLst>
+                  </dgm:if>
+                  <dgm:if name="Name116" func="var" arg="hierBranch" op="equ" val="std">
+                    <dgm:alg type="hierRoot"/>
+                    <dgm:shape xmlns:r="http://schemas.openxmlformats.org/officeDocument/2006/relationships" r:blip="">
+                      <dgm:adjLst/>
+                    </dgm:shape>
+                    <dgm:presOf/>
+                    <dgm:constrLst>
+                      <dgm:constr type="alignOff"/>
+                      <dgm:constr type="bendDist" for="des" ptType="parTrans" refType="sp" fact="0.5"/>
+                    </dgm:constrLst>
+                  </dgm:if>
+                  <dgm:if name="Name117" func="var" arg="hierBranch" op="equ" val="init">
+                    <dgm:choose name="Name118">
+                      <dgm:if name="Name119" axis="des" func="maxDepth" op="lte" val="1">
+                        <dgm:alg type="hierRoot">
+                          <dgm:param type="hierAlign" val="tL"/>
+                        </dgm:alg>
+                        <dgm:shape xmlns:r="http://schemas.openxmlformats.org/officeDocument/2006/relationships" r:blip="">
+                          <dgm:adjLst/>
+                        </dgm:shape>
+                        <dgm:presOf/>
+                        <dgm:constrLst>
+                          <dgm:constr type="alignOff" val="0.65"/>
+                        </dgm:constrLst>
+                      </dgm:if>
+                      <dgm:else name="Name120">
+                        <dgm:alg type="hierRoot"/>
+                        <dgm:shape xmlns:r="http://schemas.openxmlformats.org/officeDocument/2006/relationships" r:blip="">
+                          <dgm:adjLst/>
+                        </dgm:shape>
+                        <dgm:presOf/>
+                        <dgm:constrLst>
+                          <dgm:constr type="alignOff"/>
+                          <dgm:constr type="bendDist" for="des" ptType="parTrans" refType="sp" fact="0.5"/>
+                        </dgm:constrLst>
+                      </dgm:else>
+                    </dgm:choose>
+                  </dgm:if>
+                  <dgm:else name="Name121"/>
+                </dgm:choose>
+                <dgm:ruleLst/>
+                <dgm:layoutNode name="rootComposite3">
+                  <dgm:alg type="composite"/>
+                  <dgm:shape xmlns:r="http://schemas.openxmlformats.org/officeDocument/2006/relationships" r:blip="">
+                    <dgm:adjLst/>
+                  </dgm:shape>
+                  <dgm:presOf axis="self" ptType="node" cnt="1"/>
+                  <dgm:choose name="Name122">
+                    <dgm:if name="Name123" func="var" arg="hierBranch" op="equ" val="init">
+                      <dgm:constrLst>
+                        <dgm:constr type="l" for="ch" forName="rootText3"/>
+                        <dgm:constr type="t" for="ch" forName="rootText3"/>
+                        <dgm:constr type="w" for="ch" forName="rootText3" refType="w"/>
+                        <dgm:constr type="h" for="ch" forName="rootText3" refType="h"/>
+                        <dgm:constr type="l" for="ch" forName="rootConnector3"/>
+                        <dgm:constr type="t" for="ch" forName="rootConnector3"/>
+                        <dgm:constr type="w" for="ch" forName="rootConnector3" refType="w" refFor="ch" refForName="rootText3" fact="0.2"/>
+                        <dgm:constr type="h" for="ch" forName="rootConnector3" refType="h" refFor="ch" refForName="rootText3"/>
+                      </dgm:constrLst>
+                    </dgm:if>
+                    <dgm:if name="Name124" func="var" arg="hierBranch" op="equ" val="l">
+                      <dgm:constrLst>
+                        <dgm:constr type="l" for="ch" forName="rootText3"/>
+                        <dgm:constr type="t" for="ch" forName="rootText3"/>
+                        <dgm:constr type="w" for="ch" forName="rootText3" refType="w"/>
+                        <dgm:constr type="h" for="ch" forName="rootText3" refType="h"/>
+                        <dgm:constr type="r" for="ch" forName="rootConnector3" refType="w"/>
+                        <dgm:constr type="t" for="ch" forName="rootConnector3"/>
+                        <dgm:constr type="w" for="ch" forName="rootConnector3" refType="w" refFor="ch" refForName="rootText3" fact="0.2"/>
+                        <dgm:constr type="h" for="ch" forName="rootConnector3" refType="h" refFor="ch" refForName="rootText3"/>
+                      </dgm:constrLst>
+                    </dgm:if>
+                    <dgm:if name="Name125" func="var" arg="hierBranch" op="equ" val="r">
+                      <dgm:constrLst>
+                        <dgm:constr type="l" for="ch" forName="rootText3"/>
+                        <dgm:constr type="t" for="ch" forName="rootText3"/>
+                        <dgm:constr type="w" for="ch" forName="rootText3" refType="w"/>
+                        <dgm:constr type="h" for="ch" forName="rootText3" refType="h"/>
+                        <dgm:constr type="l" for="ch" forName="rootConnector3"/>
+                        <dgm:constr type="t" for="ch" forName="rootConnector3"/>
+                        <dgm:constr type="w" for="ch" forName="rootConnector3" refType="w" refFor="ch" refForName="rootText3" fact="0.2"/>
+                        <dgm:constr type="h" for="ch" forName="rootConnector3" refType="h" refFor="ch" refForName="rootText3"/>
+                      </dgm:constrLst>
+                    </dgm:if>
+                    <dgm:else name="Name126">
+                      <dgm:constrLst>
+                        <dgm:constr type="l" for="ch" forName="rootText3"/>
+                        <dgm:constr type="t" for="ch" forName="rootText3"/>
+                        <dgm:constr type="w" for="ch" forName="rootText3" refType="w"/>
+                        <dgm:constr type="h" for="ch" forName="rootText3" refType="h"/>
+                        <dgm:constr type="r" for="ch" forName="rootConnector3" refType="w"/>
+                        <dgm:constr type="t" for="ch" forName="rootConnector3"/>
+                        <dgm:constr type="w" for="ch" forName="rootConnector3" refType="w" refFor="ch" refForName="rootText3" fact="0.2"/>
+                        <dgm:constr type="h" for="ch" forName="rootConnector3" refType="h" refFor="ch" refForName="rootText3"/>
+                      </dgm:constrLst>
+                    </dgm:else>
+                  </dgm:choose>
+                  <dgm:ruleLst/>
+                  <dgm:layoutNode name="rootText3">
+                    <dgm:varLst>
+                      <dgm:chPref val="3"/>
+                    </dgm:varLst>
+                    <dgm:alg type="tx"/>
+                    <dgm:shape xmlns:r="http://schemas.openxmlformats.org/officeDocument/2006/relationships" type="rect" r:blip="">
+                      <dgm:adjLst/>
+                    </dgm:shape>
+                    <dgm:presOf axis="self" ptType="node" cnt="1"/>
+                    <dgm:constrLst>
+                      <dgm:constr type="primFontSz" val="65"/>
+                      <dgm:constr type="lMarg" refType="primFontSz" fact="0.05"/>
+                      <dgm:constr type="rMarg" refType="primFontSz" fact="0.05"/>
+                      <dgm:constr type="tMarg" refType="primFontSz" fact="0.05"/>
+                      <dgm:constr type="bMarg" refType="primFontSz" fact="0.05"/>
+                    </dgm:constrLst>
+                    <dgm:ruleLst>
+                      <dgm:rule type="primFontSz" val="5" fact="NaN" max="NaN"/>
+                    </dgm:ruleLst>
+                  </dgm:layoutNode>
+                  <dgm:layoutNode name="rootConnector3" moveWith="rootText1">
+                    <dgm:alg type="sp"/>
+                    <dgm:shape xmlns:r="http://schemas.openxmlformats.org/officeDocument/2006/relationships" type="rect" r:blip="" hideGeom="1">
+                      <dgm:adjLst/>
+                    </dgm:shape>
+                    <dgm:presOf axis="self" ptType="node" cnt="1"/>
+                    <dgm:constrLst/>
+                    <dgm:ruleLst/>
+                  </dgm:layoutNode>
+                </dgm:layoutNode>
+                <dgm:layoutNode name="hierChild6">
+                  <dgm:choose name="Name127">
+                    <dgm:if name="Name128" func="var" arg="hierBranch" op="equ" val="l">
+                      <dgm:alg type="hierChild">
+                        <dgm:param type="chAlign" val="r"/>
+                        <dgm:param type="linDir" val="fromT"/>
+                      </dgm:alg>
+                    </dgm:if>
+                    <dgm:if name="Name129" func="var" arg="hierBranch" op="equ" val="r">
+                      <dgm:alg type="hierChild">
+                        <dgm:param type="chAlign" val="l"/>
+                        <dgm:param type="linDir" val="fromT"/>
+                      </dgm:alg>
+                    </dgm:if>
+                    <dgm:if name="Name130" func="var" arg="hierBranch" op="equ" val="hang">
+                      <dgm:choose name="Name131">
+                        <dgm:if name="Name132" func="var" arg="dir" op="equ" val="norm">
+                          <dgm:alg type="hierChild">
+                            <dgm:param type="chAlign" val="l"/>
+                            <dgm:param type="linDir" val="fromL"/>
+                            <dgm:param type="secChAlign" val="t"/>
+                            <dgm:param type="secLinDir" val="fromT"/>
+                          </dgm:alg>
+                        </dgm:if>
+                        <dgm:else name="Name133">
+                          <dgm:alg type="hierChild">
+                            <dgm:param type="chAlign" val="l"/>
+                            <dgm:param type="linDir" val="fromR"/>
+                            <dgm:param type="secChAlign" val="t"/>
+                            <dgm:param type="secLinDir" val="fromT"/>
+                          </dgm:alg>
+                        </dgm:else>
+                      </dgm:choose>
+                    </dgm:if>
+                    <dgm:if name="Name134" func="var" arg="hierBranch" op="equ" val="std">
+                      <dgm:choose name="Name135">
+                        <dgm:if name="Name136" func="var" arg="dir" op="equ" val="norm">
+                          <dgm:alg type="hierChild"/>
+                        </dgm:if>
+                        <dgm:else name="Name137">
+                          <dgm:alg type="hierChild">
+                            <dgm:param type="linDir" val="fromR"/>
+                          </dgm:alg>
+                        </dgm:else>
+                      </dgm:choose>
+                    </dgm:if>
+                    <dgm:if name="Name138" func="var" arg="hierBranch" op="equ" val="init">
+                      <dgm:choose name="Name139">
+                        <dgm:if name="Name140" axis="des" func="maxDepth" op="lte" val="1">
+                          <dgm:alg type="hierChild">
+                            <dgm:param type="chAlign" val="l"/>
+                            <dgm:param type="linDir" val="fromT"/>
+                          </dgm:alg>
+                        </dgm:if>
+                        <dgm:else name="Name141">
+                          <dgm:alg type="hierChild"/>
+                        </dgm:else>
+                      </dgm:choose>
+                    </dgm:if>
+                    <dgm:else name="Name142"/>
+                  </dgm:choose>
+                  <dgm:shape xmlns:r="http://schemas.openxmlformats.org/officeDocument/2006/relationships" r:blip="">
+                    <dgm:adjLst/>
+                  </dgm:shape>
+                  <dgm:presOf/>
+                  <dgm:constrLst/>
+                  <dgm:ruleLst/>
+                  <dgm:forEach name="Name143" ref="rep2a"/>
+                </dgm:layoutNode>
+                <dgm:layoutNode name="hierChild7">
+                  <dgm:choose name="Name144">
+                    <dgm:if name="Name145" func="var" arg="dir" op="equ" val="norm">
+                      <dgm:alg type="hierChild">
+                        <dgm:param type="chAlign" val="l"/>
+                        <dgm:param type="linDir" val="fromL"/>
+                        <dgm:param type="secChAlign" val="t"/>
+                        <dgm:param type="secLinDir" val="fromT"/>
+                      </dgm:alg>
+                    </dgm:if>
+                    <dgm:else name="Name146">
+                      <dgm:alg type="hierChild">
+                        <dgm:param type="chAlign" val="l"/>
+                        <dgm:param type="linDir" val="fromR"/>
+                        <dgm:param type="secChAlign" val="t"/>
+                        <dgm:param type="secLinDir" val="fromT"/>
+                      </dgm:alg>
+                    </dgm:else>
+                  </dgm:choose>
+                  <dgm:shape xmlns:r="http://schemas.openxmlformats.org/officeDocument/2006/relationships" r:blip="">
+                    <dgm:adjLst/>
+                  </dgm:shape>
+                  <dgm:presOf/>
+                  <dgm:constrLst/>
+                  <dgm:ruleLst/>
+                  <dgm:forEach name="Name147" ref="rep2b"/>
+                </dgm:layoutNode>
+              </dgm:layoutNode>
+            </dgm:forEach>
+          </dgm:layoutNode>
+        </dgm:layoutNode>
+      </dgm:forEach>
+    </dgm:forEach>
+  </dgm:layoutNode>
+</dgm:layoutDef>
+</file>
+
+<file path=ppt/diagrams/quickStyle1.xml><?xml version="1.0" encoding="utf-8"?>
+<dgm:styleDef xmlns:dgm="http://schemas.openxmlformats.org/drawingml/2006/diagram" xmlns:a="http://schemas.openxmlformats.org/drawingml/2006/main" uniqueId="urn:microsoft.com/office/officeart/2005/8/quickstyle/simple1">
+  <dgm:title val=""/>
+  <dgm:desc val=""/>
+  <dgm:catLst>
+    <dgm:cat type="simple" pri="10100"/>
+  </dgm:catLst>
+  <dgm:scene3d>
+    <a:camera prst="orthographicFront"/>
+    <a:lightRig rig="threePt" dir="t"/>
+  </dgm:scene3d>
+  <dgm:styleLbl name="node0">
+    <dgm:scene3d>
+      <a:camera prst="orthographicFront"/>
+      <a:lightRig rig="threePt" dir="t"/>
+    </dgm:scene3d>
+    <dgm:sp3d/>
+    <dgm:txPr/>
+    <dgm:style>
+      <a:lnRef idx="2">
+        <a:scrgbClr r="0" g="0" b="0"/>
+      </a:lnRef>
+      <a:fillRef idx="1">
+        <a:scrgbClr r="0" g="0" b="0"/>
+      </a:fillRef>
+      <a:effectRef idx="0">
+        <a:scrgbClr r="0" g="0" b="0"/>
+      </a:effectRef>
+      <a:fontRef idx="minor">
+        <a:schemeClr val="lt1"/>
+      </a:fontRef>
+    </dgm:style>
+  </dgm:styleLbl>
+  <dgm:styleLbl name="lnNode1">
+    <dgm:scene3d>
+      <a:camera prst="orthographicFront"/>
+      <a:lightRig rig="threePt" dir="t"/>
+    </dgm:scene3d>
+    <dgm:sp3d/>
+    <dgm:txPr/>
+    <dgm:style>
+      <a:lnRef idx="2">
+        <a:scrgbClr r="0" g="0" b="0"/>
+      </a:lnRef>
+      <a:fillRef idx="1">
+        <a:scrgbClr r="0" g="0" b="0"/>
+      </a:fillRef>
+      <a:effectRef idx="0">
+        <a:scrgbClr r="0" g="0" b="0"/>
+      </a:effectRef>
+      <a:fontRef idx="minor">
+        <a:schemeClr val="lt1"/>
+      </a:fontRef>
+    </dgm:style>
+  </dgm:styleLbl>
+  <dgm:styleLbl name="vennNode1">
+    <dgm:scene3d>
+      <a:camera prst="orthographicFront"/>
+      <a:lightRig rig="threePt" dir="t"/>
+    </dgm:scene3d>
+    <dgm:sp3d/>
+    <dgm:txPr/>
+    <dgm:style>
+      <a:lnRef idx="2">
+        <a:scrgbClr r="0" g="0" b="0"/>
+      </a:lnRef>
+      <a:fillRef idx="1">
+        <a:scrgbClr r="0" g="0" b="0"/>
+      </a:fillRef>
+      <a:effectRef idx="0">
+        <a:scrgbClr r="0" g="0" b="0"/>
+      </a:effectRef>
+      <a:fontRef idx="minor">
+        <a:schemeClr val="tx1"/>
+      </a:fontRef>
+    </dgm:style>
+  </dgm:styleLbl>
+  <dgm:styleLbl name="alignNode1">
+    <dgm:scene3d>
+      <a:camera prst="orthographicFront"/>
+      <a:lightRig rig="threePt" dir="t"/>
+    </dgm:scene3d>
+    <dgm:sp3d/>
+    <dgm:txPr/>
+    <dgm:style>
+      <a:lnRef idx="2">
+        <a:scrgbClr r="0" g="0" b="0"/>
+      </a:lnRef>
+      <a:fillRef idx="1">
+        <a:scrgbClr r="0" g="0" b="0"/>
+      </a:fillRef>
+      <a:effectRef idx="0">
+        <a:scrgbClr r="0" g="0" b="0"/>
+      </a:effectRef>
+      <a:fontRef idx="minor">
+        <a:schemeClr val="lt1"/>
+      </a:fontRef>
+    </dgm:style>
+  </dgm:styleLbl>
+  <dgm:styleLbl name="node1">
+    <dgm:scene3d>
+      <a:camera prst="orthographicFront"/>
+      <a:lightRig rig="threePt" dir="t"/>
+    </dgm:scene3d>
+    <dgm:sp3d/>
+    <dgm:txPr/>
+    <dgm:style>
+      <a:lnRef idx="2">
+        <a:scrgbClr r="0" g="0" b="0"/>
+      </a:lnRef>
+      <a:fillRef idx="1">
+        <a:scrgbClr r="0" g="0" b="0"/>
+      </a:fillRef>
+      <a:effectRef idx="0">
+        <a:scrgbClr r="0" g="0" b="0"/>
+      </a:effectRef>
+      <a:fontRef idx="minor">
+        <a:schemeClr val="lt1"/>
+      </a:fontRef>
+    </dgm:style>
+  </dgm:styleLbl>
+  <dgm:styleLbl name="node2">
+    <dgm:scene3d>
+      <a:camera prst="orthographicFront"/>
+      <a:lightRig rig="threePt" dir="t"/>
+    </dgm:scene3d>
+    <dgm:sp3d/>
+    <dgm:txPr/>
+    <dgm:style>
+      <a:lnRef idx="2">
+        <a:scrgbClr r="0" g="0" b="0"/>
+      </a:lnRef>
+      <a:fillRef idx="1">
+        <a:scrgbClr r="0" g="0" b="0"/>
+      </a:fillRef>
+      <a:effectRef idx="0">
+        <a:scrgbClr r="0" g="0" b="0"/>
+      </a:effectRef>
+      <a:fontRef idx="minor">
+        <a:schemeClr val="lt1"/>
+      </a:fontRef>
+    </dgm:style>
+  </dgm:styleLbl>
+  <dgm:styleLbl name="node3">
+    <dgm:scene3d>
+      <a:camera prst="orthographicFront"/>
+      <a:lightRig rig="threePt" dir="t"/>
+    </dgm:scene3d>
+    <dgm:sp3d/>
+    <dgm:txPr/>
+    <dgm:style>
+      <a:lnRef idx="2">
+        <a:scrgbClr r="0" g="0" b="0"/>
+      </a:lnRef>
+      <a:fillRef idx="1">
+        <a:scrgbClr r="0" g="0" b="0"/>
+      </a:fillRef>
+      <a:effectRef idx="0">
+        <a:scrgbClr r="0" g="0" b="0"/>
+      </a:effectRef>
+      <a:fontRef idx="minor">
+        <a:schemeClr val="lt1"/>
+      </a:fontRef>
+    </dgm:style>
+  </dgm:styleLbl>
+  <dgm:styleLbl name="node4">
+    <dgm:scene3d>
+      <a:camera prst="orthographicFront"/>
+      <a:lightRig rig="threePt" dir="t"/>
+    </dgm:scene3d>
+    <dgm:sp3d/>
+    <dgm:txPr/>
+    <dgm:style>
+      <a:lnRef idx="2">
+        <a:scrgbClr r="0" g="0" b="0"/>
+      </a:lnRef>
+      <a:fillRef idx="1">
+        <a:scrgbClr r="0" g="0" b="0"/>
+      </a:fillRef>
+      <a:effectRef idx="0">
+        <a:scrgbClr r="0" g="0" b="0"/>
+      </a:effectRef>
+      <a:fontRef idx="minor">
+        <a:schemeClr val="lt1"/>
+      </a:fontRef>
+    </dgm:style>
+  </dgm:styleLbl>
+  <dgm:styleLbl name="fgImgPlace1">
+    <dgm:scene3d>
+      <a:camera prst="orthographicFront"/>
+      <a:lightRig rig="threePt" dir="t"/>
+    </dgm:scene3d>
+    <dgm:sp3d/>
+    <dgm:txPr/>
+    <dgm:style>
+      <a:lnRef idx="2">
+        <a:scrgbClr r="0" g="0" b="0"/>
+      </a:lnRef>
+      <a:fillRef idx="1">
+        <a:scrgbClr r="0" g="0" b="0"/>
+      </a:fillRef>
+      <a:effectRef idx="0">
+        <a:scrgbClr r="0" g="0" b="0"/>
+      </a:effectRef>
+      <a:fontRef idx="minor"/>
+    </dgm:style>
+  </dgm:styleLbl>
+  <dgm:styleLbl name="alignImgPlace1">
+    <dgm:scene3d>
+      <a:camera prst="orthographicFront"/>
+      <a:lightRig rig="threePt" dir="t"/>
+    </dgm:scene3d>
+    <dgm:sp3d/>
+    <dgm:txPr/>
+    <dgm:style>
+      <a:lnRef idx="2">
+        <a:scrgbClr r="0" g="0" b="0"/>
+      </a:lnRef>
+      <a:fillRef idx="1">
+        <a:scrgbClr r="0" g="0" b="0"/>
+      </a:fillRef>
+      <a:effectRef idx="0">
+        <a:scrgbClr r="0" g="0" b="0"/>
+      </a:effectRef>
+      <a:fontRef idx="minor"/>
+    </dgm:style>
+  </dgm:styleLbl>
+  <dgm:styleLbl name="bgImgPlace1">
+    <dgm:scene3d>
+      <a:camera prst="orthographicFront"/>
+      <a:lightRig rig="threePt" dir="t"/>
+    </dgm:scene3d>
+    <dgm:sp3d/>
+    <dgm:txPr/>
+    <dgm:style>
+      <a:lnRef idx="2">
+        <a:scrgbClr r="0" g="0" b="0"/>
+      </a:lnRef>
+      <a:fillRef idx="1">
+        <a:scrgbClr r="0" g="0" b="0"/>
+      </a:fillRef>
+      <a:effectRef idx="0">
+        <a:scrgbClr r="0" g="0" b="0"/>
+      </a:effectRef>
+      <a:fontRef idx="minor"/>
+    </dgm:style>
+  </dgm:styleLbl>
+  <dgm:styleLbl name="sibTrans2D1">
+    <dgm:scene3d>
+      <a:camera prst="orthographicFront"/>
+      <a:lightRig rig="threePt" dir="t"/>
+    </dgm:scene3d>
+    <dgm:sp3d/>
+    <dgm:txPr/>
+    <dgm:style>
+      <a:lnRef idx="0">
+        <a:scrgbClr r="0" g="0" b="0"/>
+      </a:lnRef>
+      <a:fillRef idx="1">
+        <a:scrgbClr r="0" g="0" b="0"/>
+      </a:fillRef>
+      <a:effectRef idx="0">
+        <a:scrgbClr r="0" g="0" b="0"/>
+      </a:effectRef>
+      <a:fontRef idx="minor">
+        <a:schemeClr val="lt1"/>
+      </a:fontRef>
+    </dgm:style>
+  </dgm:styleLbl>
+  <dgm:styleLbl name="fgSibTrans2D1">
+    <dgm:scene3d>
+      <a:camera prst="orthographicFront"/>
+      <a:lightRig rig="threePt" dir="t"/>
+    </dgm:scene3d>
+    <dgm:sp3d/>
+    <dgm:txPr/>
+    <dgm:style>
+      <a:lnRef idx="0">
+        <a:scrgbClr r="0" g="0" b="0"/>
+      </a:lnRef>
+      <a:fillRef idx="1">
+        <a:scrgbClr r="0" g="0" b="0"/>
+      </a:fillRef>
+      <a:effectRef idx="0">
+        <a:scrgbClr r="0" g="0" b="0"/>
+      </a:effectRef>
+      <a:fontRef idx="minor">
+        <a:schemeClr val="lt1"/>
+      </a:fontRef>
+    </dgm:style>
+  </dgm:styleLbl>
+  <dgm:styleLbl name="bgSibTrans2D1">
+    <dgm:scene3d>
+      <a:camera prst="orthographicFront"/>
+      <a:lightRig rig="threePt" dir="t"/>
+    </dgm:scene3d>
+    <dgm:sp3d/>
+    <dgm:txPr/>
+    <dgm:style>
+      <a:lnRef idx="0">
+        <a:scrgbClr r="0" g="0" b="0"/>
+      </a:lnRef>
+      <a:fillRef idx="1">
+        <a:scrgbClr r="0" g="0" b="0"/>
+      </a:fillRef>
+      <a:effectRef idx="0">
+        <a:scrgbClr r="0" g="0" b="0"/>
+      </a:effectRef>
+      <a:fontRef idx="minor">
+        <a:schemeClr val="lt1"/>
+      </a:fontRef>
+    </dgm:style>
+  </dgm:styleLbl>
+  <dgm:styleLbl name="sibTrans1D1">
+    <dgm:scene3d>
+      <a:camera prst="orthographicFront"/>
+      <a:lightRig rig="threePt" dir="t"/>
+    </dgm:scene3d>
+    <dgm:sp3d/>
+    <dgm:txPr/>
+    <dgm:style>
+      <a:lnRef idx="1">
+        <a:scrgbClr r="0" g="0" b="0"/>
+      </a:lnRef>
+      <a:fillRef idx="0">
+        <a:scrgbClr r="0" g="0" b="0"/>
+      </a:fillRef>
+      <a:effectRef idx="0">
+        <a:scrgbClr r="0" g="0" b="0"/>
+      </a:effectRef>
+      <a:fontRef idx="minor"/>
+    </dgm:style>
+  </dgm:styleLbl>
+  <dgm:styleLbl name="callout">
+    <dgm:scene3d>
+      <a:camera prst="orthographicFront"/>
+      <a:lightRig rig="threePt" dir="t"/>
+    </dgm:scene3d>
+    <dgm:sp3d/>
+    <dgm:txPr/>
+    <dgm:style>
+      <a:lnRef idx="2">
+        <a:scrgbClr r="0" g="0" b="0"/>
+      </a:lnRef>
+      <a:fillRef idx="1">
+        <a:scrgbClr r="0" g="0" b="0"/>
+      </a:fillRef>
+      <a:effectRef idx="0">
+        <a:scrgbClr r="0" g="0" b="0"/>
+      </a:effectRef>
+      <a:fontRef idx="minor"/>
+    </dgm:style>
+  </dgm:styleLbl>
+  <dgm:styleLbl name="asst0">
+    <dgm:scene3d>
+      <a:camera prst="orthographicFront"/>
+      <a:lightRig rig="threePt" dir="t"/>
+    </dgm:scene3d>
+    <dgm:sp3d/>
+    <dgm:txPr/>
+    <dgm:style>
+      <a:lnRef idx="2">
+        <a:scrgbClr r="0" g="0" b="0"/>
+      </a:lnRef>
+      <a:fillRef idx="1">
+        <a:scrgbClr r="0" g="0" b="0"/>
+      </a:fillRef>
+      <a:effectRef idx="0">
+        <a:scrgbClr r="0" g="0" b="0"/>
+      </a:effectRef>
+      <a:fontRef idx="minor">
+        <a:schemeClr val="lt1"/>
+      </a:fontRef>
+    </dgm:style>
+  </dgm:styleLbl>
+  <dgm:styleLbl name="asst1">
+    <dgm:scene3d>
+      <a:camera prst="orthographicFront"/>
+      <a:lightRig rig="threePt" dir="t"/>
+    </dgm:scene3d>
+    <dgm:sp3d/>
+    <dgm:txPr/>
+    <dgm:style>
+      <a:lnRef idx="2">
+        <a:scrgbClr r="0" g="0" b="0"/>
+      </a:lnRef>
+      <a:fillRef idx="1">
+        <a:scrgbClr r="0" g="0" b="0"/>
+      </a:fillRef>
+      <a:effectRef idx="0">
+        <a:scrgbClr r="0" g="0" b="0"/>
+      </a:effectRef>
+      <a:fontRef idx="minor">
+        <a:schemeClr val="lt1"/>
+      </a:fontRef>
+    </dgm:style>
+  </dgm:styleLbl>
+  <dgm:styleLbl name="asst2">
+    <dgm:scene3d>
+      <a:camera prst="orthographicFront"/>
+      <a:lightRig rig="threePt" dir="t"/>
+    </dgm:scene3d>
+    <dgm:sp3d/>
+    <dgm:txPr/>
+    <dgm:style>
+      <a:lnRef idx="2">
+        <a:scrgbClr r="0" g="0" b="0"/>
+      </a:lnRef>
+      <a:fillRef idx="1">
+        <a:scrgbClr r="0" g="0" b="0"/>
+      </a:fillRef>
+      <a:effectRef idx="0">
+        <a:scrgbClr r="0" g="0" b="0"/>
+      </a:effectRef>
+      <a:fontRef idx="minor">
+        <a:schemeClr val="lt1"/>
+      </a:fontRef>
+    </dgm:style>
+  </dgm:styleLbl>
+  <dgm:styleLbl name="asst3">
+    <dgm:scene3d>
+      <a:camera prst="orthographicFront"/>
+      <a:lightRig rig="threePt" dir="t"/>
+    </dgm:scene3d>
+    <dgm:sp3d/>
+    <dgm:txPr/>
+    <dgm:style>
+      <a:lnRef idx="2">
+        <a:scrgbClr r="0" g="0" b="0"/>
+      </a:lnRef>
+      <a:fillRef idx="1">
+        <a:scrgbClr r="0" g="0" b="0"/>
+      </a:fillRef>
+      <a:effectRef idx="0">
+        <a:scrgbClr r="0" g="0" b="0"/>
+      </a:effectRef>
+      <a:fontRef idx="minor">
+        <a:schemeClr val="lt1"/>
+      </a:fontRef>
+    </dgm:style>
+  </dgm:styleLbl>
+  <dgm:styleLbl name="asst4">
+    <dgm:scene3d>
+      <a:camera prst="orthographicFront"/>
+      <a:lightRig rig="threePt" dir="t"/>
+    </dgm:scene3d>
+    <dgm:sp3d/>
+    <dgm:txPr/>
+    <dgm:style>
+      <a:lnRef idx="2">
+        <a:scrgbClr r="0" g="0" b="0"/>
+      </a:lnRef>
+      <a:fillRef idx="1">
+        <a:scrgbClr r="0" g="0" b="0"/>
+      </a:fillRef>
+      <a:effectRef idx="0">
+        <a:scrgbClr r="0" g="0" b="0"/>
+      </a:effectRef>
+      <a:fontRef idx="minor">
+        <a:schemeClr val="lt1"/>
+      </a:fontRef>
+    </dgm:style>
+  </dgm:styleLbl>
+  <dgm:styleLbl name="parChTrans2D1">
+    <dgm:scene3d>
+      <a:camera prst="orthographicFront"/>
+      <a:lightRig rig="threePt" dir="t"/>
+    </dgm:scene3d>
+    <dgm:sp3d/>
+    <dgm:txPr/>
+    <dgm:style>
+      <a:lnRef idx="2">
+        <a:scrgbClr r="0" g="0" b="0"/>
+      </a:lnRef>
+      <a:fillRef idx="1">
+        <a:scrgbClr r="0" g="0" b="0"/>
+      </a:fillRef>
+      <a:effectRef idx="0">
+        <a:scrgbClr r="0" g="0" b="0"/>
+      </a:effectRef>
+      <a:fontRef idx="minor">
+        <a:schemeClr val="lt1"/>
+      </a:fontRef>
+    </dgm:style>
+  </dgm:styleLbl>
+  <dgm:styleLbl name="parChTrans2D2">
+    <dgm:scene3d>
+      <a:camera prst="orthographicFront"/>
+      <a:lightRig rig="threePt" dir="t"/>
+    </dgm:scene3d>
+    <dgm:sp3d/>
+    <dgm:txPr/>
+    <dgm:style>
+      <a:lnRef idx="2">
+        <a:scrgbClr r="0" g="0" b="0"/>
+      </a:lnRef>
+      <a:fillRef idx="1">
+        <a:scrgbClr r="0" g="0" b="0"/>
+      </a:fillRef>
+      <a:effectRef idx="0">
+        <a:scrgbClr r="0" g="0" b="0"/>
+      </a:effectRef>
+      <a:fontRef idx="minor">
+        <a:schemeClr val="lt1"/>
+      </a:fontRef>
+    </dgm:style>
+  </dgm:styleLbl>
+  <dgm:styleLbl name="parChTrans2D3">
+    <dgm:scene3d>
+      <a:camera prst="orthographicFront"/>
+      <a:lightRig rig="threePt" dir="t"/>
+    </dgm:scene3d>
+    <dgm:sp3d/>
+    <dgm:txPr/>
+    <dgm:style>
+      <a:lnRef idx="2">
+        <a:scrgbClr r="0" g="0" b="0"/>
+      </a:lnRef>
+      <a:fillRef idx="1">
+        <a:scrgbClr r="0" g="0" b="0"/>
+      </a:fillRef>
+      <a:effectRef idx="0">
+        <a:scrgbClr r="0" g="0" b="0"/>
+      </a:effectRef>
+      <a:fontRef idx="minor">
+        <a:schemeClr val="lt1"/>
+      </a:fontRef>
+    </dgm:style>
+  </dgm:styleLbl>
+  <dgm:styleLbl name="parChTrans2D4">
+    <dgm:scene3d>
+      <a:camera prst="orthographicFront"/>
+      <a:lightRig rig="threePt" dir="t"/>
+    </dgm:scene3d>
+    <dgm:sp3d/>
+    <dgm:txPr/>
+    <dgm:style>
+      <a:lnRef idx="2">
+        <a:scrgbClr r="0" g="0" b="0"/>
+      </a:lnRef>
+      <a:fillRef idx="1">
+        <a:scrgbClr r="0" g="0" b="0"/>
+      </a:fillRef>
+      <a:effectRef idx="0">
+        <a:scrgbClr r="0" g="0" b="0"/>
+      </a:effectRef>
+      <a:fontRef idx="minor">
+        <a:schemeClr val="lt1"/>
+      </a:fontRef>
+    </dgm:style>
+  </dgm:styleLbl>
+  <dgm:styleLbl name="parChTrans1D1">
+    <dgm:scene3d>
+      <a:camera prst="orthographicFront"/>
+      <a:lightRig rig="threePt" dir="t"/>
+    </dgm:scene3d>
+    <dgm:sp3d/>
+    <dgm:txPr/>
+    <dgm:style>
+      <a:lnRef idx="2">
+        <a:scrgbClr r="0" g="0" b="0"/>
+      </a:lnRef>
+      <a:fillRef idx="0">
+        <a:scrgbClr r="0" g="0" b="0"/>
+      </a:fillRef>
+      <a:effectRef idx="0">
+        <a:scrgbClr r="0" g="0" b="0"/>
+      </a:effectRef>
+      <a:fontRef idx="minor"/>
+    </dgm:style>
+  </dgm:styleLbl>
+  <dgm:styleLbl name="parChTrans1D2">
+    <dgm:scene3d>
+      <a:camera prst="orthographicFront"/>
+      <a:lightRig rig="threePt" dir="t"/>
+    </dgm:scene3d>
+    <dgm:sp3d/>
+    <dgm:txPr/>
+    <dgm:style>
+      <a:lnRef idx="2">
+        <a:scrgbClr r="0" g="0" b="0"/>
+      </a:lnRef>
+      <a:fillRef idx="0">
+        <a:scrgbClr r="0" g="0" b="0"/>
+      </a:fillRef>
+      <a:effectRef idx="0">
+        <a:scrgbClr r="0" g="0" b="0"/>
+      </a:effectRef>
+      <a:fontRef idx="minor"/>
+    </dgm:style>
+  </dgm:styleLbl>
+  <dgm:styleLbl name="parChTrans1D3">
+    <dgm:scene3d>
+      <a:camera prst="orthographicFront"/>
+      <a:lightRig rig="threePt" dir="t"/>
+    </dgm:scene3d>
+    <dgm:sp3d/>
+    <dgm:txPr/>
+    <dgm:style>
+      <a:lnRef idx="2">
+        <a:scrgbClr r="0" g="0" b="0"/>
+      </a:lnRef>
+      <a:fillRef idx="0">
+        <a:scrgbClr r="0" g="0" b="0"/>
+      </a:fillRef>
+      <a:effectRef idx="0">
+        <a:scrgbClr r="0" g="0" b="0"/>
+      </a:effectRef>
+      <a:fontRef idx="minor"/>
+    </dgm:style>
+  </dgm:styleLbl>
+  <dgm:styleLbl name="parChTrans1D4">
+    <dgm:scene3d>
+      <a:camera prst="orthographicFront"/>
+      <a:lightRig rig="threePt" dir="t"/>
+    </dgm:scene3d>
+    <dgm:sp3d/>
+    <dgm:txPr/>
+    <dgm:style>
+      <a:lnRef idx="2">
+        <a:scrgbClr r="0" g="0" b="0"/>
+      </a:lnRef>
+      <a:fillRef idx="0">
+        <a:scrgbClr r="0" g="0" b="0"/>
+      </a:fillRef>
+      <a:effectRef idx="0">
+        <a:scrgbClr r="0" g="0" b="0"/>
+      </a:effectRef>
+      <a:fontRef idx="minor"/>
+    </dgm:style>
+  </dgm:styleLbl>
+  <dgm:styleLbl name="fgAcc1">
+    <dgm:scene3d>
+      <a:camera prst="orthographicFront"/>
+      <a:lightRig rig="threePt" dir="t"/>
+    </dgm:scene3d>
+    <dgm:sp3d/>
+    <dgm:txPr/>
+    <dgm:style>
+      <a:lnRef idx="2">
+        <a:scrgbClr r="0" g="0" b="0"/>
+      </a:lnRef>
+      <a:fillRef idx="1">
+        <a:scrgbClr r="0" g="0" b="0"/>
+      </a:fillRef>
+      <a:effectRef idx="0">
+        <a:scrgbClr r="0" g="0" b="0"/>
+      </a:effectRef>
+      <a:fontRef idx="minor"/>
+    </dgm:style>
+  </dgm:styleLbl>
+  <dgm:styleLbl name="conFgAcc1">
+    <dgm:scene3d>
+      <a:camera prst="orthographicFront"/>
+      <a:lightRig rig="threePt" dir="t"/>
+    </dgm:scene3d>
+    <dgm:sp3d/>
+    <dgm:txPr/>
+    <dgm:style>
+      <a:lnRef idx="2">
+        <a:scrgbClr r="0" g="0" b="0"/>
+      </a:lnRef>
+      <a:fillRef idx="1">
+        <a:scrgbClr r="0" g="0" b="0"/>
+      </a:fillRef>
+      <a:effectRef idx="0">
+        <a:scrgbClr r="0" g="0" b="0"/>
+      </a:effectRef>
+      <a:fontRef idx="minor"/>
+    </dgm:style>
+  </dgm:styleLbl>
+  <dgm:styleLbl name="alignAcc1">
+    <dgm:scene3d>
+      <a:camera prst="orthographicFront"/>
+      <a:lightRig rig="threePt" dir="t"/>
+    </dgm:scene3d>
+    <dgm:sp3d/>
+    <dgm:txPr/>
+    <dgm:style>
+      <a:lnRef idx="2">
+        <a:scrgbClr r="0" g="0" b="0"/>
+      </a:lnRef>
+      <a:fillRef idx="1">
+        <a:scrgbClr r="0" g="0" b="0"/>
+      </a:fillRef>
+      <a:effectRef idx="0">
+        <a:scrgbClr r="0" g="0" b="0"/>
+      </a:effectRef>
+      <a:fontRef idx="minor"/>
+    </dgm:style>
+  </dgm:styleLbl>
+  <dgm:styleLbl name="trAlignAcc1">
+    <dgm:scene3d>
+      <a:camera prst="orthographicFront"/>
+      <a:lightRig rig="threePt" dir="t"/>
+    </dgm:scene3d>
+    <dgm:sp3d/>
+    <dgm:txPr/>
+    <dgm:style>
+      <a:lnRef idx="1">
+        <a:scrgbClr r="0" g="0" b="0"/>
+      </a:lnRef>
+      <a:fillRef idx="1">
+        <a:scrgbClr r="0" g="0" b="0"/>
+      </a:fillRef>
+      <a:effectRef idx="0">
+        <a:scrgbClr r="0" g="0" b="0"/>
+      </a:effectRef>
+      <a:fontRef idx="minor"/>
+    </dgm:style>
+  </dgm:styleLbl>
+  <dgm:styleLbl name="bgAcc1">
+    <dgm:scene3d>
+      <a:camera prst="orthographicFront"/>
+      <a:lightRig rig="threePt" dir="t"/>
+    </dgm:scene3d>
+    <dgm:sp3d/>
+    <dgm:txPr/>
+    <dgm:style>
+      <a:lnRef idx="2">
+        <a:scrgbClr r="0" g="0" b="0"/>
+      </a:lnRef>
+      <a:fillRef idx="1">
+        <a:scrgbClr r="0" g="0" b="0"/>
+      </a:fillRef>
+      <a:effectRef idx="0">
+        <a:scrgbClr r="0" g="0" b="0"/>
+      </a:effectRef>
+      <a:fontRef idx="minor"/>
+    </dgm:style>
+  </dgm:styleLbl>
+  <dgm:styleLbl name="solidFgAcc1">
+    <dgm:scene3d>
+      <a:camera prst="orthographicFront"/>
+      <a:lightRig rig="threePt" dir="t"/>
+    </dgm:scene3d>
+    <dgm:sp3d/>
+    <dgm:txPr/>
+    <dgm:style>
+      <a:lnRef idx="2">
+        <a:scrgbClr r="0" g="0" b="0"/>
+      </a:lnRef>
+      <a:fillRef idx="1">
+        <a:scrgbClr r="0" g="0" b="0"/>
+      </a:fillRef>
+      <a:effectRef idx="0">
+        <a:scrgbClr r="0" g="0" b="0"/>
+      </a:effectRef>
+      <a:fontRef idx="minor"/>
+    </dgm:style>
+  </dgm:styleLbl>
+  <dgm:styleLbl name="solidAlignAcc1">
+    <dgm:scene3d>
+      <a:camera prst="orthographicFront"/>
+      <a:lightRig rig="threePt" dir="t"/>
+    </dgm:scene3d>
+    <dgm:sp3d/>
+    <dgm:txPr/>
+    <dgm:style>
+      <a:lnRef idx="2">
+        <a:scrgbClr r="0" g="0" b="0"/>
+      </a:lnRef>
+      <a:fillRef idx="1">
+        <a:scrgbClr r="0" g="0" b="0"/>
+      </a:fillRef>
+      <a:effectRef idx="0">
+        <a:scrgbClr r="0" g="0" b="0"/>
+      </a:effectRef>
+      <a:fontRef idx="minor"/>
+    </dgm:style>
+  </dgm:styleLbl>
+  <dgm:styleLbl name="solidBgAcc1">
+    <dgm:scene3d>
+      <a:camera prst="orthographicFront"/>
+      <a:lightRig rig="threePt" dir="t"/>
+    </dgm:scene3d>
+    <dgm:sp3d/>
+    <dgm:txPr/>
+    <dgm:style>
+      <a:lnRef idx="2">
+        <a:scrgbClr r="0" g="0" b="0"/>
+      </a:lnRef>
+      <a:fillRef idx="1">
+        <a:scrgbClr r="0" g="0" b="0"/>
+      </a:fillRef>
+      <a:effectRef idx="0">
+        <a:scrgbClr r="0" g="0" b="0"/>
+      </a:effectRef>
+      <a:fontRef idx="minor"/>
+    </dgm:style>
+  </dgm:styleLbl>
+  <dgm:styleLbl name="fgAccFollowNode1">
+    <dgm:scene3d>
+      <a:camera prst="orthographicFront"/>
+      <a:lightRig rig="threePt" dir="t"/>
+    </dgm:scene3d>
+    <dgm:sp3d/>
+    <dgm:txPr/>
+    <dgm:style>
+      <a:lnRef idx="2">
+        <a:scrgbClr r="0" g="0" b="0"/>
+      </a:lnRef>
+      <a:fillRef idx="1">
+        <a:scrgbClr r="0" g="0" b="0"/>
+      </a:fillRef>
+      <a:effectRef idx="0">
+        <a:scrgbClr r="0" g="0" b="0"/>
+      </a:effectRef>
+      <a:fontRef idx="minor"/>
+    </dgm:style>
+  </dgm:styleLbl>
+  <dgm:styleLbl name="alignAccFollowNode1">
+    <dgm:scene3d>
+      <a:camera prst="orthographicFront"/>
+      <a:lightRig rig="threePt" dir="t"/>
+    </dgm:scene3d>
+    <dgm:sp3d/>
+    <dgm:txPr/>
+    <dgm:style>
+      <a:lnRef idx="2">
+        <a:scrgbClr r="0" g="0" b="0"/>
+      </a:lnRef>
+      <a:fillRef idx="1">
+        <a:scrgbClr r="0" g="0" b="0"/>
+      </a:fillRef>
+      <a:effectRef idx="0">
+        <a:scrgbClr r="0" g="0" b="0"/>
+      </a:effectRef>
+      <a:fontRef idx="minor"/>
+    </dgm:style>
+  </dgm:styleLbl>
+  <dgm:styleLbl name="bgAccFollowNode1">
+    <dgm:scene3d>
+      <a:camera prst="orthographicFront"/>
+      <a:lightRig rig="threePt" dir="t"/>
+    </dgm:scene3d>
+    <dgm:sp3d/>
+    <dgm:txPr/>
+    <dgm:style>
+      <a:lnRef idx="2">
+        <a:scrgbClr r="0" g="0" b="0"/>
+      </a:lnRef>
+      <a:fillRef idx="1">
+        <a:scrgbClr r="0" g="0" b="0"/>
+      </a:fillRef>
+      <a:effectRef idx="0">
+        <a:scrgbClr r="0" g="0" b="0"/>
+      </a:effectRef>
+      <a:fontRef idx="minor"/>
+    </dgm:style>
+  </dgm:styleLbl>
+  <dgm:styleLbl name="fgAcc0">
+    <dgm:scene3d>
+      <a:camera prst="orthographicFront"/>
+      <a:lightRig rig="threePt" dir="t"/>
+    </dgm:scene3d>
+    <dgm:sp3d/>
+    <dgm:txPr/>
+    <dgm:style>
+      <a:lnRef idx="2">
+        <a:scrgbClr r="0" g="0" b="0"/>
+      </a:lnRef>
+      <a:fillRef idx="1">
+        <a:scrgbClr r="0" g="0" b="0"/>
+      </a:fillRef>
+      <a:effectRef idx="0">
+        <a:scrgbClr r="0" g="0" b="0"/>
+      </a:effectRef>
+      <a:fontRef idx="minor"/>
+    </dgm:style>
+  </dgm:styleLbl>
+  <dgm:styleLbl name="fgAcc2">
+    <dgm:scene3d>
+      <a:camera prst="orthographicFront"/>
+      <a:lightRig rig="threePt" dir="t"/>
+    </dgm:scene3d>
+    <dgm:sp3d/>
+    <dgm:txPr/>
+    <dgm:style>
+      <a:lnRef idx="2">
+        <a:scrgbClr r="0" g="0" b="0"/>
+      </a:lnRef>
+      <a:fillRef idx="1">
+        <a:scrgbClr r="0" g="0" b="0"/>
+      </a:fillRef>
+      <a:effectRef idx="0">
+        <a:scrgbClr r="0" g="0" b="0"/>
+      </a:effectRef>
+      <a:fontRef idx="minor"/>
+    </dgm:style>
+  </dgm:styleLbl>
+  <dgm:styleLbl name="fgAcc3">
+    <dgm:scene3d>
+      <a:camera prst="orthographicFront"/>
+      <a:lightRig rig="threePt" dir="t"/>
+    </dgm:scene3d>
+    <dgm:sp3d/>
+    <dgm:txPr/>
+    <dgm:style>
+      <a:lnRef idx="2">
+        <a:scrgbClr r="0" g="0" b="0"/>
+      </a:lnRef>
+      <a:fillRef idx="1">
+        <a:scrgbClr r="0" g="0" b="0"/>
+      </a:fillRef>
+      <a:effectRef idx="0">
+        <a:scrgbClr r="0" g="0" b="0"/>
+      </a:effectRef>
+      <a:fontRef idx="minor"/>
+    </dgm:style>
+  </dgm:styleLbl>
+  <dgm:styleLbl name="fgAcc4">
+    <dgm:scene3d>
+      <a:camera prst="orthographicFront"/>
+      <a:lightRig rig="threePt" dir="t"/>
+    </dgm:scene3d>
+    <dgm:sp3d/>
+    <dgm:txPr/>
+    <dgm:style>
+      <a:lnRef idx="2">
+        <a:scrgbClr r="0" g="0" b="0"/>
+      </a:lnRef>
+      <a:fillRef idx="1">
+        <a:scrgbClr r="0" g="0" b="0"/>
+      </a:fillRef>
+      <a:effectRef idx="0">
+        <a:scrgbClr r="0" g="0" b="0"/>
+      </a:effectRef>
+      <a:fontRef idx="minor"/>
+    </dgm:style>
+  </dgm:styleLbl>
+  <dgm:styleLbl name="bgShp">
+    <dgm:scene3d>
+      <a:camera prst="orthographicFront"/>
+      <a:lightRig rig="threePt" dir="t"/>
+    </dgm:scene3d>
+    <dgm:sp3d/>
+    <dgm:txPr/>
+    <dgm:style>
+      <a:lnRef idx="0">
+        <a:scrgbClr r="0" g="0" b="0"/>
+      </a:lnRef>
+      <a:fillRef idx="1">
+        <a:scrgbClr r="0" g="0" b="0"/>
+      </a:fillRef>
+      <a:effectRef idx="0">
+        <a:scrgbClr r="0" g="0" b="0"/>
+      </a:effectRef>
+      <a:fontRef idx="minor"/>
+    </dgm:style>
+  </dgm:styleLbl>
+  <dgm:styleLbl name="dkBgShp">
+    <dgm:scene3d>
+      <a:camera prst="orthographicFront"/>
+      <a:lightRig rig="threePt" dir="t"/>
+    </dgm:scene3d>
+    <dgm:sp3d/>
+    <dgm:txPr/>
+    <dgm:style>
+      <a:lnRef idx="0">
+        <a:scrgbClr r="0" g="0" b="0"/>
+      </a:lnRef>
+      <a:fillRef idx="1">
+        <a:scrgbClr r="0" g="0" b="0"/>
+      </a:fillRef>
+      <a:effectRef idx="0">
+        <a:scrgbClr r="0" g="0" b="0"/>
+      </a:effectRef>
+      <a:fontRef idx="minor"/>
+    </dgm:style>
+  </dgm:styleLbl>
+  <dgm:styleLbl name="trBgShp">
+    <dgm:scene3d>
+      <a:camera prst="orthographicFront"/>
+      <a:lightRig rig="threePt" dir="t"/>
+    </dgm:scene3d>
+    <dgm:sp3d/>
+    <dgm:txPr/>
+    <dgm:style>
+      <a:lnRef idx="0">
+        <a:scrgbClr r="0" g="0" b="0"/>
+      </a:lnRef>
+      <a:fillRef idx="1">
+        <a:scrgbClr r="0" g="0" b="0"/>
+      </a:fillRef>
+      <a:effectRef idx="0">
+        <a:scrgbClr r="0" g="0" b="0"/>
+      </a:effectRef>
+      <a:fontRef idx="minor"/>
+    </dgm:style>
+  </dgm:styleLbl>
+  <dgm:styleLbl name="fgShp">
+    <dgm:scene3d>
+      <a:camera prst="orthographicFront"/>
+      <a:lightRig rig="threePt" dir="t"/>
+    </dgm:scene3d>
+    <dgm:sp3d/>
+    <dgm:txPr/>
+    <dgm:style>
+      <a:lnRef idx="2">
+        <a:scrgbClr r="0" g="0" b="0"/>
+      </a:lnRef>
+      <a:fillRef idx="1">
+        <a:scrgbClr r="0" g="0" b="0"/>
+      </a:fillRef>
+      <a:effectRef idx="0">
+        <a:scrgbClr r="0" g="0" b="0"/>
+      </a:effectRef>
+      <a:fontRef idx="minor"/>
+    </dgm:style>
+  </dgm:styleLbl>
+  <dgm:styleLbl name="revTx">
+    <dgm:scene3d>
+      <a:camera prst="orthographicFront"/>
+      <a:lightRig rig="threePt" dir="t"/>
+    </dgm:scene3d>
+    <dgm:sp3d/>
+    <dgm:txPr/>
+    <dgm:style>
+      <a:lnRef idx="0">
+        <a:scrgbClr r="0" g="0" b="0"/>
+      </a:lnRef>
+      <a:fillRef idx="0">
+        <a:scrgbClr r="0" g="0" b="0"/>
+      </a:fillRef>
+      <a:effectRef idx="0">
+        <a:scrgbClr r="0" g="0" b="0"/>
+      </a:effectRef>
+      <a:fontRef idx="minor"/>
+    </dgm:style>
+  </dgm:styleLbl>
+</dgm:styleDef>
 </file>
 
 <file path=ppt/notesMasters/notesMaster1.xml><?xml version="1.0" encoding="utf-8"?>
@@ -398,7 +3823,7 @@
           <a:p>
             <a:fld id="{005CC382-AF05-4256-B699-A89F13873124}" type="datetimeFigureOut">
               <a:rPr lang="en-CA" smtClean="0"/>
-              <a:t>2023-02-06</a:t>
+              <a:t>2023-02-09</a:t>
             </a:fld>
             <a:endParaRPr lang="en-CA"/>
           </a:p>
@@ -862,7 +4287,7 @@
           <a:p>
             <a:fld id="{1D8BD707-D9CF-40AE-B4C6-C98DA3205C09}" type="datetimeFigureOut">
               <a:rPr lang="en-US" smtClean="0"/>
-              <a:t>2/6/2023</a:t>
+              <a:t>2/9/2023</a:t>
             </a:fld>
             <a:endParaRPr lang="en-US"/>
           </a:p>
@@ -1083,7 +4508,7 @@
           <a:p>
             <a:fld id="{1D8BD707-D9CF-40AE-B4C6-C98DA3205C09}" type="datetimeFigureOut">
               <a:rPr lang="en-US" smtClean="0"/>
-              <a:t>2/6/2023</a:t>
+              <a:t>2/9/2023</a:t>
             </a:fld>
             <a:endParaRPr lang="en-US"/>
           </a:p>
@@ -1263,7 +4688,7 @@
           <a:p>
             <a:fld id="{1D8BD707-D9CF-40AE-B4C6-C98DA3205C09}" type="datetimeFigureOut">
               <a:rPr lang="en-US" smtClean="0"/>
-              <a:t>2/6/2023</a:t>
+              <a:t>2/9/2023</a:t>
             </a:fld>
             <a:endParaRPr lang="en-US"/>
           </a:p>
@@ -1433,7 +4858,7 @@
           <a:p>
             <a:fld id="{1D8BD707-D9CF-40AE-B4C6-C98DA3205C09}" type="datetimeFigureOut">
               <a:rPr lang="en-US" smtClean="0"/>
-              <a:t>2/6/2023</a:t>
+              <a:t>2/9/2023</a:t>
             </a:fld>
             <a:endParaRPr lang="en-US"/>
           </a:p>
@@ -1684,7 +5109,7 @@
           <a:p>
             <a:fld id="{1D8BD707-D9CF-40AE-B4C6-C98DA3205C09}" type="datetimeFigureOut">
               <a:rPr lang="en-US" smtClean="0"/>
-              <a:t>2/6/2023</a:t>
+              <a:t>2/9/2023</a:t>
             </a:fld>
             <a:endParaRPr lang="en-US"/>
           </a:p>
@@ -2007,7 +5432,7 @@
           <a:p>
             <a:fld id="{1D8BD707-D9CF-40AE-B4C6-C98DA3205C09}" type="datetimeFigureOut">
               <a:rPr lang="en-US" smtClean="0"/>
-              <a:t>2/6/2023</a:t>
+              <a:t>2/9/2023</a:t>
             </a:fld>
             <a:endParaRPr lang="en-US"/>
           </a:p>
@@ -2431,7 +5856,7 @@
           <a:p>
             <a:fld id="{1D8BD707-D9CF-40AE-B4C6-C98DA3205C09}" type="datetimeFigureOut">
               <a:rPr lang="en-US" smtClean="0"/>
-              <a:t>2/6/2023</a:t>
+              <a:t>2/9/2023</a:t>
             </a:fld>
             <a:endParaRPr lang="en-US"/>
           </a:p>
@@ -2549,7 +5974,7 @@
           <a:p>
             <a:fld id="{1D8BD707-D9CF-40AE-B4C6-C98DA3205C09}" type="datetimeFigureOut">
               <a:rPr lang="en-US" smtClean="0"/>
-              <a:t>2/6/2023</a:t>
+              <a:t>2/9/2023</a:t>
             </a:fld>
             <a:endParaRPr lang="en-US"/>
           </a:p>
@@ -2644,7 +6069,7 @@
           <a:p>
             <a:fld id="{1D8BD707-D9CF-40AE-B4C6-C98DA3205C09}" type="datetimeFigureOut">
               <a:rPr lang="en-US" smtClean="0"/>
-              <a:t>2/6/2023</a:t>
+              <a:t>2/9/2023</a:t>
             </a:fld>
             <a:endParaRPr lang="en-US"/>
           </a:p>
@@ -2934,7 +6359,7 @@
           <a:p>
             <a:fld id="{1D8BD707-D9CF-40AE-B4C6-C98DA3205C09}" type="datetimeFigureOut">
               <a:rPr lang="en-US" smtClean="0"/>
-              <a:t>2/6/2023</a:t>
+              <a:t>2/9/2023</a:t>
             </a:fld>
             <a:endParaRPr lang="en-US"/>
           </a:p>
@@ -3206,7 +6631,7 @@
           <a:p>
             <a:fld id="{1D8BD707-D9CF-40AE-B4C6-C98DA3205C09}" type="datetimeFigureOut">
               <a:rPr lang="en-US" smtClean="0"/>
-              <a:t>2/6/2023</a:t>
+              <a:t>2/9/2023</a:t>
             </a:fld>
             <a:endParaRPr lang="en-US"/>
           </a:p>
@@ -3460,7 +6885,7 @@
           <a:p>
             <a:fld id="{1D8BD707-D9CF-40AE-B4C6-C98DA3205C09}" type="datetimeFigureOut">
               <a:rPr lang="en-US" smtClean="0"/>
-              <a:t>2/6/2023</a:t>
+              <a:t>2/9/2023</a:t>
             </a:fld>
             <a:endParaRPr lang="en-US"/>
           </a:p>
@@ -3944,13 +7369,8 @@
           <a:p>
             <a:r>
               <a:rPr lang="en-CA" dirty="0"/>
-              <a:t>Lab and </a:t>
-            </a:r>
-            <a:r>
-              <a:rPr lang="en-CA" dirty="0" err="1"/>
-              <a:t>ASsiGNMENT</a:t>
-            </a:r>
-            <a:endParaRPr lang="en-CA" dirty="0"/>
+              <a:t>Classes And LIBRARIES</a:t>
+            </a:r>
           </a:p>
         </p:txBody>
       </p:sp>
@@ -4014,7 +7434,7 @@
           <p:cNvPr id="2" name="Title 1">
             <a:extLst>
               <a:ext uri="{FF2B5EF4-FFF2-40B4-BE49-F238E27FC236}">
-                <a16:creationId xmlns:a16="http://schemas.microsoft.com/office/drawing/2014/main" id="{B5514624-86C2-AE3B-E7A7-E6F8B5B38E36}"/>
+                <a16:creationId xmlns:a16="http://schemas.microsoft.com/office/drawing/2014/main" id="{AF1B0507-A199-AB36-54C3-0A0553271E5B}"/>
               </a:ext>
             </a:extLst>
           </p:cNvPr>
@@ -4032,7 +7452,7 @@
           <a:p>
             <a:r>
               <a:rPr lang="en-CA" dirty="0"/>
-              <a:t>What to put in a Shared Project</a:t>
+              <a:t>What can we test?</a:t>
             </a:r>
           </a:p>
         </p:txBody>
@@ -4042,7 +7462,7 @@
           <p:cNvPr id="3" name="Content Placeholder 2">
             <a:extLst>
               <a:ext uri="{FF2B5EF4-FFF2-40B4-BE49-F238E27FC236}">
-                <a16:creationId xmlns:a16="http://schemas.microsoft.com/office/drawing/2014/main" id="{8252613D-98BB-572F-E1BA-412DD883B00F}"/>
+                <a16:creationId xmlns:a16="http://schemas.microsoft.com/office/drawing/2014/main" id="{E43C5EA3-D91E-9A6F-7B9B-E78ADEE76003}"/>
               </a:ext>
             </a:extLst>
           </p:cNvPr>
@@ -4055,18 +7475,88 @@
         </p:nvSpPr>
         <p:spPr/>
         <p:txBody>
-          <a:bodyPr/>
+          <a:bodyPr>
+            <a:normAutofit/>
+          </a:bodyPr>
           <a:lstStyle/>
           <a:p>
             <a:r>
-              <a:rPr lang="en-CA" dirty="0"/>
-              <a:t>Things that could be easily reused</a:t>
-            </a:r>
-          </a:p>
-          <a:p>
-            <a:r>
-              <a:rPr lang="en-CA" dirty="0"/>
-              <a:t>Not specific to a particular program</a:t>
+              <a:rPr lang="en-CA" dirty="0">
+                <a:solidFill>
+                  <a:schemeClr val="tx1"/>
+                </a:solidFill>
+              </a:rPr>
+              <a:t>Does our find application work with a file? </a:t>
+            </a:r>
+          </a:p>
+          <a:p>
+            <a:r>
+              <a:rPr lang="en-CA" dirty="0">
+                <a:solidFill>
+                  <a:schemeClr val="tx1"/>
+                </a:solidFill>
+              </a:rPr>
+              <a:t>Does our find application work with standard input? </a:t>
+            </a:r>
+          </a:p>
+          <a:p>
+            <a:r>
+              <a:rPr lang="en-CA" dirty="0">
+                <a:solidFill>
+                  <a:schemeClr val="tx1"/>
+                </a:solidFill>
+              </a:rPr>
+              <a:t>Does our find algorithm find? </a:t>
+            </a:r>
+          </a:p>
+          <a:p>
+            <a:r>
+              <a:rPr lang="en-CA" dirty="0">
+                <a:solidFill>
+                  <a:schemeClr val="tx1"/>
+                </a:solidFill>
+              </a:rPr>
+              <a:t>Does our sort application sort?</a:t>
+            </a:r>
+          </a:p>
+          <a:p>
+            <a:r>
+              <a:rPr lang="en-CA" dirty="0">
+                <a:solidFill>
+                  <a:schemeClr val="tx1"/>
+                </a:solidFill>
+              </a:rPr>
+              <a:t>Does our sort application work with a file?</a:t>
+            </a:r>
+          </a:p>
+          <a:p>
+            <a:r>
+              <a:rPr lang="en-CA" dirty="0">
+                <a:solidFill>
+                  <a:schemeClr val="tx1"/>
+                </a:solidFill>
+              </a:rPr>
+              <a:t>Does our sort application work with standard input?</a:t>
+            </a:r>
+          </a:p>
+          <a:p>
+            <a:r>
+              <a:rPr lang="en-CA" dirty="0">
+                <a:solidFill>
+                  <a:schemeClr val="tx1"/>
+                </a:solidFill>
+              </a:rPr>
+              <a:t>Does our sort algorithm sort?</a:t>
+            </a:r>
+          </a:p>
+          <a:p>
+            <a:r>
+              <a:rPr lang="en-CA" dirty="0">
+                <a:solidFill>
+                  <a:schemeClr val="tx1"/>
+                </a:solidFill>
+              </a:rPr>
+              <a:t>Do our applications output help?</a:t>
             </a:r>
           </a:p>
         </p:txBody>
@@ -4074,7 +7564,7 @@
     </p:spTree>
     <p:extLst>
       <p:ext uri="{BB962C8B-B14F-4D97-AF65-F5344CB8AC3E}">
-        <p14:creationId xmlns:p14="http://schemas.microsoft.com/office/powerpoint/2010/main" val="3657719474"/>
+        <p14:creationId xmlns:p14="http://schemas.microsoft.com/office/powerpoint/2010/main" val="699032528"/>
       </p:ext>
     </p:extLst>
   </p:cSld>
@@ -4087,6 +7577,14 @@
 <file path=ppt/slides/slide11.xml><?xml version="1.0" encoding="utf-8"?>
 <p:sld xmlns:a="http://schemas.openxmlformats.org/drawingml/2006/main" xmlns:r="http://schemas.openxmlformats.org/officeDocument/2006/relationships" xmlns:p="http://schemas.openxmlformats.org/presentationml/2006/main">
   <p:cSld>
+    <p:bg>
+      <p:bgPr>
+        <a:solidFill>
+          <a:schemeClr val="accent1"/>
+        </a:solidFill>
+        <a:effectLst/>
+      </p:bgPr>
+    </p:bg>
     <p:spTree>
       <p:nvGrpSpPr>
         <p:cNvPr id="1" name=""/>
@@ -4103,88 +7601,220 @@
       </p:grpSpPr>
       <p:sp>
         <p:nvSpPr>
-          <p:cNvPr id="2" name="Title 1">
+          <p:cNvPr id="10" name="Rectangle 9">
             <a:extLst>
               <a:ext uri="{FF2B5EF4-FFF2-40B4-BE49-F238E27FC236}">
-                <a16:creationId xmlns:a16="http://schemas.microsoft.com/office/drawing/2014/main" id="{ACB6DCE0-B346-7F86-A562-EC2698EF2404}"/>
+                <a16:creationId xmlns:a16="http://schemas.microsoft.com/office/drawing/2014/main" id="{E9E09B16-4874-4AF2-86A9-1E174C200001}"/>
+              </a:ext>
+              <a:ext uri="{C183D7F6-B498-43B3-948B-1728B52AA6E4}">
+                <adec:decorative xmlns:adec="http://schemas.microsoft.com/office/drawing/2017/decorative" val="1"/>
               </a:ext>
             </a:extLst>
           </p:cNvPr>
           <p:cNvSpPr>
-            <a:spLocks noGrp="1"/>
+            <a:spLocks noGrp="1" noRot="1" noChangeAspect="1" noMove="1" noResize="1" noEditPoints="1" noAdjustHandles="1" noChangeArrowheads="1" noChangeShapeType="1" noTextEdit="1"/>
           </p:cNvSpPr>
           <p:nvPr>
-            <p:ph type="title"/>
+            <p:extLst>
+              <p:ext uri="{386F3935-93C4-4BCD-93E2-E3B085C9AB24}">
+                <p16:designElem xmlns:p16="http://schemas.microsoft.com/office/powerpoint/2015/main" val="1"/>
+              </p:ext>
+            </p:extLst>
           </p:nvPr>
         </p:nvSpPr>
-        <p:spPr/>
-        <p:txBody>
-          <a:bodyPr/>
-          <a:lstStyle/>
-          <a:p>
-            <a:endParaRPr lang="en-CA"/>
-          </a:p>
-        </p:txBody>
+        <p:spPr>
+          <a:xfrm>
+            <a:off x="346710" y="365760"/>
+            <a:ext cx="17586960" cy="9566908"/>
+          </a:xfrm>
+          <a:prstGeom prst="rect">
+            <a:avLst/>
+          </a:prstGeom>
+          <a:solidFill>
+            <a:schemeClr val="bg1"/>
+          </a:solidFill>
+          <a:ln w="12700">
+            <a:noFill/>
+          </a:ln>
+        </p:spPr>
+        <p:style>
+          <a:lnRef idx="2">
+            <a:schemeClr val="accent1">
+              <a:shade val="50000"/>
+            </a:schemeClr>
+          </a:lnRef>
+          <a:fillRef idx="1">
+            <a:schemeClr val="accent1"/>
+          </a:fillRef>
+          <a:effectRef idx="0">
+            <a:schemeClr val="accent1"/>
+          </a:effectRef>
+          <a:fontRef idx="minor">
+            <a:schemeClr val="lt1"/>
+          </a:fontRef>
+        </p:style>
       </p:sp>
       <p:sp>
         <p:nvSpPr>
-          <p:cNvPr id="3" name="Content Placeholder 2">
+          <p:cNvPr id="12" name="Rectangle 11">
             <a:extLst>
               <a:ext uri="{FF2B5EF4-FFF2-40B4-BE49-F238E27FC236}">
-                <a16:creationId xmlns:a16="http://schemas.microsoft.com/office/drawing/2014/main" id="{DB2E7D26-A420-D3CD-4FDA-F3A2198D8AA6}"/>
+                <a16:creationId xmlns:a16="http://schemas.microsoft.com/office/drawing/2014/main" id="{35494F9B-D851-46F3-9164-479893CBEDCF}"/>
+              </a:ext>
+              <a:ext uri="{C183D7F6-B498-43B3-948B-1728B52AA6E4}">
+                <adec:decorative xmlns:adec="http://schemas.microsoft.com/office/drawing/2017/decorative" val="1"/>
               </a:ext>
             </a:extLst>
           </p:cNvPr>
           <p:cNvSpPr>
-            <a:spLocks noGrp="1"/>
+            <a:spLocks noGrp="1" noRot="1" noChangeAspect="1" noMove="1" noResize="1" noEditPoints="1" noAdjustHandles="1" noChangeArrowheads="1" noChangeShapeType="1" noTextEdit="1"/>
           </p:cNvSpPr>
           <p:nvPr>
-            <p:ph idx="1"/>
+            <p:extLst>
+              <p:ext uri="{386F3935-93C4-4BCD-93E2-E3B085C9AB24}">
+                <p16:designElem xmlns:p16="http://schemas.microsoft.com/office/powerpoint/2015/main" val="1"/>
+              </p:ext>
+            </p:extLst>
           </p:nvPr>
         </p:nvSpPr>
-        <p:spPr/>
+        <p:spPr>
+          <a:xfrm>
+            <a:off x="0" y="0"/>
+            <a:ext cx="18288000" cy="10287000"/>
+          </a:xfrm>
+          <a:prstGeom prst="rect">
+            <a:avLst/>
+          </a:prstGeom>
+          <a:solidFill>
+            <a:srgbClr val="62414D"/>
+          </a:solidFill>
+          <a:ln>
+            <a:noFill/>
+          </a:ln>
+        </p:spPr>
+        <p:style>
+          <a:lnRef idx="2">
+            <a:schemeClr val="accent1">
+              <a:shade val="50000"/>
+            </a:schemeClr>
+          </a:lnRef>
+          <a:fillRef idx="1">
+            <a:schemeClr val="accent1"/>
+          </a:fillRef>
+          <a:effectRef idx="0">
+            <a:schemeClr val="accent1"/>
+          </a:effectRef>
+          <a:fontRef idx="minor">
+            <a:schemeClr val="lt1"/>
+          </a:fontRef>
+        </p:style>
         <p:txBody>
-          <a:bodyPr/>
+          <a:bodyPr rtlCol="0" anchor="ctr"/>
           <a:lstStyle/>
           <a:p>
-            <a:endParaRPr lang="en-CA" dirty="0"/>
+            <a:pPr algn="ctr"/>
+            <a:endParaRPr lang="en-US"/>
           </a:p>
         </p:txBody>
       </p:sp>
       <p:pic>
         <p:nvPicPr>
-          <p:cNvPr id="5" name="Picture 4">
+          <p:cNvPr id="5" name="Content Placeholder 4">
             <a:extLst>
               <a:ext uri="{FF2B5EF4-FFF2-40B4-BE49-F238E27FC236}">
-                <a16:creationId xmlns:a16="http://schemas.microsoft.com/office/drawing/2014/main" id="{753A91E8-FDCF-4AF7-DA31-7B4489A5A9FE}"/>
+                <a16:creationId xmlns:a16="http://schemas.microsoft.com/office/drawing/2014/main" id="{518598F0-5911-A804-B2FA-7F69640150D4}"/>
               </a:ext>
             </a:extLst>
           </p:cNvPr>
           <p:cNvPicPr>
-            <a:picLocks noChangeAspect="1"/>
+            <a:picLocks noGrp="1" noChangeAspect="1"/>
           </p:cNvPicPr>
-          <p:nvPr/>
+          <p:nvPr>
+            <p:ph idx="1"/>
+          </p:nvPr>
         </p:nvPicPr>
-        <p:blipFill>
+        <p:blipFill rotWithShape="1">
           <a:blip r:embed="rId2"/>
-          <a:stretch>
-            <a:fillRect/>
-          </a:stretch>
+          <a:srcRect t="15208"/>
+          <a:stretch/>
         </p:blipFill>
         <p:spPr>
           <a:xfrm>
-            <a:off x="5681179" y="1342494"/>
-            <a:ext cx="6925642" cy="7602011"/>
+            <a:off x="965200" y="965200"/>
+            <a:ext cx="16357599" cy="8356599"/>
           </a:xfrm>
           <a:prstGeom prst="rect">
             <a:avLst/>
           </a:prstGeom>
         </p:spPr>
       </p:pic>
+      <p:sp>
+        <p:nvSpPr>
+          <p:cNvPr id="14" name="Rectangle 13">
+            <a:extLst>
+              <a:ext uri="{FF2B5EF4-FFF2-40B4-BE49-F238E27FC236}">
+                <a16:creationId xmlns:a16="http://schemas.microsoft.com/office/drawing/2014/main" id="{AED3799A-1FC5-417A-8683-57447021F8A1}"/>
+              </a:ext>
+              <a:ext uri="{C183D7F6-B498-43B3-948B-1728B52AA6E4}">
+                <adec:decorative xmlns:adec="http://schemas.microsoft.com/office/drawing/2017/decorative" val="1"/>
+              </a:ext>
+            </a:extLst>
+          </p:cNvPr>
+          <p:cNvSpPr>
+            <a:spLocks noGrp="1" noRot="1" noChangeAspect="1" noMove="1" noResize="1" noEditPoints="1" noAdjustHandles="1" noChangeArrowheads="1" noChangeShapeType="1" noTextEdit="1"/>
+          </p:cNvSpPr>
+          <p:nvPr>
+            <p:extLst>
+              <p:ext uri="{386F3935-93C4-4BCD-93E2-E3B085C9AB24}">
+                <p16:designElem xmlns:p16="http://schemas.microsoft.com/office/powerpoint/2015/main" val="1"/>
+              </p:ext>
+            </p:extLst>
+          </p:nvPr>
+        </p:nvSpPr>
+        <p:spPr>
+          <a:xfrm>
+            <a:off x="715518" y="720090"/>
+            <a:ext cx="16856964" cy="8846820"/>
+          </a:xfrm>
+          <a:prstGeom prst="rect">
+            <a:avLst/>
+          </a:prstGeom>
+          <a:noFill/>
+          <a:ln>
+            <a:solidFill>
+              <a:srgbClr val="FFFFFF"/>
+            </a:solidFill>
+          </a:ln>
+        </p:spPr>
+        <p:style>
+          <a:lnRef idx="2">
+            <a:schemeClr val="accent1">
+              <a:shade val="50000"/>
+            </a:schemeClr>
+          </a:lnRef>
+          <a:fillRef idx="1">
+            <a:schemeClr val="accent1"/>
+          </a:fillRef>
+          <a:effectRef idx="0">
+            <a:schemeClr val="accent1"/>
+          </a:effectRef>
+          <a:fontRef idx="minor">
+            <a:schemeClr val="lt1"/>
+          </a:fontRef>
+        </p:style>
+        <p:txBody>
+          <a:bodyPr rtlCol="0" anchor="ctr"/>
+          <a:lstStyle/>
+          <a:p>
+            <a:pPr algn="ctr"/>
+            <a:endParaRPr lang="en-US"/>
+          </a:p>
+        </p:txBody>
+      </p:sp>
     </p:spTree>
     <p:extLst>
       <p:ext uri="{BB962C8B-B14F-4D97-AF65-F5344CB8AC3E}">
-        <p14:creationId xmlns:p14="http://schemas.microsoft.com/office/powerpoint/2010/main" val="519793894"/>
+        <p14:creationId xmlns:p14="http://schemas.microsoft.com/office/powerpoint/2010/main" val="3280937262"/>
       </p:ext>
     </p:extLst>
   </p:cSld>
@@ -4216,7 +7846,7 @@
           <p:cNvPr id="2" name="Title 1">
             <a:extLst>
               <a:ext uri="{FF2B5EF4-FFF2-40B4-BE49-F238E27FC236}">
-                <a16:creationId xmlns:a16="http://schemas.microsoft.com/office/drawing/2014/main" id="{97BCF989-169C-E95E-D761-D099237A9D32}"/>
+                <a16:creationId xmlns:a16="http://schemas.microsoft.com/office/drawing/2014/main" id="{EB6B7552-307F-6B16-8385-E974F9C2AD93}"/>
               </a:ext>
             </a:extLst>
           </p:cNvPr>
@@ -4234,7 +7864,7 @@
           <a:p>
             <a:r>
               <a:rPr lang="en-CA" dirty="0"/>
-              <a:t>Dir Extension</a:t>
+              <a:t>Representing Files and Directories</a:t>
             </a:r>
           </a:p>
         </p:txBody>
@@ -4244,7 +7874,7 @@
           <p:cNvPr id="3" name="Content Placeholder 2">
             <a:extLst>
               <a:ext uri="{FF2B5EF4-FFF2-40B4-BE49-F238E27FC236}">
-                <a16:creationId xmlns:a16="http://schemas.microsoft.com/office/drawing/2014/main" id="{F4094FF1-363C-C77C-8D41-9D0737560733}"/>
+                <a16:creationId xmlns:a16="http://schemas.microsoft.com/office/drawing/2014/main" id="{10D6F4AC-1C5E-61F2-1EB7-8935641475B8}"/>
               </a:ext>
             </a:extLst>
           </p:cNvPr>
@@ -4261,46 +7891,105 @@
           <a:lstStyle/>
           <a:p>
             <a:r>
-              <a:rPr lang="en-CA" dirty="0"/>
-              <a:t>Filter by date, time, attributes, name</a:t>
-            </a:r>
-          </a:p>
-          <a:p>
-            <a:r>
-              <a:rPr lang="en-CA" dirty="0"/>
-              <a:t>Order by date, time, attributes, name</a:t>
-            </a:r>
-          </a:p>
-          <a:p>
-            <a:r>
-              <a:rPr lang="en-CA" dirty="0"/>
-              <a:t>Reverse order</a:t>
-            </a:r>
-          </a:p>
-          <a:p>
-            <a:r>
-              <a:rPr lang="en-CA" dirty="0"/>
-              <a:t>Pattern matching (glob)</a:t>
-            </a:r>
-          </a:p>
-          <a:p>
-            <a:r>
-              <a:rPr lang="en-CA" dirty="0"/>
-              <a:t>Control output: color, size, dates, tab, lowercase, long/short, pause, date format, attributes, </a:t>
-            </a:r>
-          </a:p>
-          <a:p>
-            <a:pPr marL="68580" indent="0">
-              <a:buNone/>
-            </a:pPr>
-            <a:endParaRPr lang="en-CA" dirty="0"/>
+              <a:rPr lang="en-CA" dirty="0">
+                <a:solidFill>
+                  <a:schemeClr val="tx1"/>
+                </a:solidFill>
+              </a:rPr>
+              <a:t>We could use strings (for paths)</a:t>
+            </a:r>
+          </a:p>
+          <a:p>
+            <a:r>
+              <a:rPr lang="en-CA" dirty="0">
+                <a:solidFill>
+                  <a:schemeClr val="tx1"/>
+                </a:solidFill>
+              </a:rPr>
+              <a:t>However, how do we remember if looking at a file or directory</a:t>
+            </a:r>
+          </a:p>
+          <a:p>
+            <a:r>
+              <a:rPr lang="en-CA" dirty="0">
+                <a:solidFill>
+                  <a:schemeClr val="tx1"/>
+                </a:solidFill>
+              </a:rPr>
+              <a:t>One option is to use </a:t>
+            </a:r>
+            <a:r>
+              <a:rPr lang="en-CA" dirty="0" err="1">
+                <a:solidFill>
+                  <a:schemeClr val="tx1"/>
+                </a:solidFill>
+                <a:hlinkClick r:id="rId2"/>
+              </a:rPr>
+              <a:t>FileInfo</a:t>
+            </a:r>
+            <a:r>
+              <a:rPr lang="en-CA" dirty="0">
+                <a:solidFill>
+                  <a:schemeClr val="tx1"/>
+                </a:solidFill>
+              </a:rPr>
+              <a:t> and </a:t>
+            </a:r>
+            <a:r>
+              <a:rPr lang="en-CA" dirty="0" err="1">
+                <a:solidFill>
+                  <a:schemeClr val="tx1"/>
+                </a:solidFill>
+                <a:hlinkClick r:id="rId3"/>
+              </a:rPr>
+              <a:t>DirectoryInfo</a:t>
+            </a:r>
+            <a:endParaRPr lang="en-CA" dirty="0">
+              <a:solidFill>
+                <a:schemeClr val="tx1"/>
+              </a:solidFill>
+            </a:endParaRPr>
+          </a:p>
+          <a:p>
+            <a:r>
+              <a:rPr lang="en-CA" dirty="0">
+                <a:solidFill>
+                  <a:schemeClr val="tx1"/>
+                </a:solidFill>
+              </a:rPr>
+              <a:t>Both derive from </a:t>
+            </a:r>
+            <a:r>
+              <a:rPr lang="en-CA" dirty="0" err="1">
+                <a:solidFill>
+                  <a:schemeClr val="tx1"/>
+                </a:solidFill>
+                <a:hlinkClick r:id="rId4"/>
+              </a:rPr>
+              <a:t>FileSystemInfo</a:t>
+            </a:r>
+            <a:endParaRPr lang="en-CA" dirty="0">
+              <a:solidFill>
+                <a:schemeClr val="tx1"/>
+              </a:solidFill>
+            </a:endParaRPr>
+          </a:p>
+          <a:p>
+            <a:r>
+              <a:rPr lang="en-CA" dirty="0">
+                <a:solidFill>
+                  <a:schemeClr val="tx1"/>
+                </a:solidFill>
+              </a:rPr>
+              <a:t>A lot of the functionality we need is on these classes</a:t>
+            </a:r>
           </a:p>
         </p:txBody>
       </p:sp>
     </p:spTree>
     <p:extLst>
       <p:ext uri="{BB962C8B-B14F-4D97-AF65-F5344CB8AC3E}">
-        <p14:creationId xmlns:p14="http://schemas.microsoft.com/office/powerpoint/2010/main" val="2600337379"/>
+        <p14:creationId xmlns:p14="http://schemas.microsoft.com/office/powerpoint/2010/main" val="3141415344"/>
       </p:ext>
     </p:extLst>
   </p:cSld>
@@ -4332,7 +8021,7 @@
           <p:cNvPr id="2" name="Title 1">
             <a:extLst>
               <a:ext uri="{FF2B5EF4-FFF2-40B4-BE49-F238E27FC236}">
-                <a16:creationId xmlns:a16="http://schemas.microsoft.com/office/drawing/2014/main" id="{9B78F966-2986-4881-2DBB-63B23443DECA}"/>
+                <a16:creationId xmlns:a16="http://schemas.microsoft.com/office/drawing/2014/main" id="{1525AC0B-50EA-CED0-F5D0-149078E08D3F}"/>
               </a:ext>
             </a:extLst>
           </p:cNvPr>
@@ -4350,73 +8039,46 @@
           <a:p>
             <a:r>
               <a:rPr lang="en-CA" dirty="0"/>
-              <a:t>Taking Dir to the Next Level</a:t>
+              <a:t>Class Hierarchy</a:t>
             </a:r>
           </a:p>
         </p:txBody>
       </p:sp>
-      <p:sp>
-        <p:nvSpPr>
-          <p:cNvPr id="3" name="Content Placeholder 2">
+      <p:graphicFrame>
+        <p:nvGraphicFramePr>
+          <p:cNvPr id="4" name="Content Placeholder 3">
             <a:extLst>
               <a:ext uri="{FF2B5EF4-FFF2-40B4-BE49-F238E27FC236}">
-                <a16:creationId xmlns:a16="http://schemas.microsoft.com/office/drawing/2014/main" id="{AE8BBE4F-9DB2-0283-C483-140B9387461F}"/>
+                <a16:creationId xmlns:a16="http://schemas.microsoft.com/office/drawing/2014/main" id="{A2F05F05-EA64-50A7-A216-05030CD01426}"/>
               </a:ext>
             </a:extLst>
           </p:cNvPr>
-          <p:cNvSpPr>
-            <a:spLocks noGrp="1"/>
-          </p:cNvSpPr>
+          <p:cNvGraphicFramePr>
+            <a:graphicFrameLocks noGrp="1"/>
+          </p:cNvGraphicFramePr>
           <p:nvPr>
             <p:ph idx="1"/>
-          </p:nvPr>
-        </p:nvSpPr>
-        <p:spPr/>
-        <p:txBody>
-          <a:bodyPr/>
-          <a:lstStyle/>
-          <a:p>
-            <a:r>
-              <a:rPr lang="en-CA" dirty="0"/>
-              <a:t>What could we do next? </a:t>
-            </a:r>
-          </a:p>
-          <a:p>
-            <a:r>
-              <a:rPr lang="en-CA" dirty="0"/>
-              <a:t>Add support for coloring</a:t>
-            </a:r>
-          </a:p>
-          <a:p>
-            <a:r>
-              <a:rPr lang="en-CA" dirty="0"/>
-              <a:t>Additional command-line options</a:t>
-            </a:r>
-          </a:p>
-          <a:p>
-            <a:r>
-              <a:rPr lang="en-CA" dirty="0"/>
-              <a:t>Options 	</a:t>
-            </a:r>
-          </a:p>
-          <a:p>
-            <a:r>
-              <a:rPr lang="en-CA" dirty="0"/>
-              <a:t>Make it recursive </a:t>
-            </a:r>
-          </a:p>
-          <a:p>
-            <a:r>
-              <a:rPr lang="en-CA" dirty="0"/>
-              <a:t>Show different data </a:t>
-            </a:r>
-          </a:p>
-        </p:txBody>
-      </p:sp>
+            <p:extLst>
+              <p:ext uri="{D42A27DB-BD31-4B8C-83A1-F6EECF244321}">
+                <p14:modId xmlns:p14="http://schemas.microsoft.com/office/powerpoint/2010/main" val="4044725065"/>
+              </p:ext>
+            </p:extLst>
+          </p:nvPr>
+        </p:nvGraphicFramePr>
+        <p:xfrm>
+          <a:off x="1714500" y="3086100"/>
+          <a:ext cx="14809788" cy="6057900"/>
+        </p:xfrm>
+        <a:graphic>
+          <a:graphicData uri="http://schemas.openxmlformats.org/drawingml/2006/diagram">
+            <dgm:relIds xmlns:dgm="http://schemas.openxmlformats.org/drawingml/2006/diagram" xmlns:r="http://schemas.openxmlformats.org/officeDocument/2006/relationships" r:dm="rId2" r:lo="rId3" r:qs="rId4" r:cs="rId5"/>
+          </a:graphicData>
+        </a:graphic>
+      </p:graphicFrame>
     </p:spTree>
     <p:extLst>
       <p:ext uri="{BB962C8B-B14F-4D97-AF65-F5344CB8AC3E}">
-        <p14:creationId xmlns:p14="http://schemas.microsoft.com/office/powerpoint/2010/main" val="3552378212"/>
+        <p14:creationId xmlns:p14="http://schemas.microsoft.com/office/powerpoint/2010/main" val="713976627"/>
       </p:ext>
     </p:extLst>
   </p:cSld>
@@ -4448,7 +8110,7 @@
           <p:cNvPr id="2" name="Title 1">
             <a:extLst>
               <a:ext uri="{FF2B5EF4-FFF2-40B4-BE49-F238E27FC236}">
-                <a16:creationId xmlns:a16="http://schemas.microsoft.com/office/drawing/2014/main" id="{DE99E467-2EB8-972A-7EF3-BD97395CB6A0}"/>
+                <a16:creationId xmlns:a16="http://schemas.microsoft.com/office/drawing/2014/main" id="{9BCE8DCD-2410-F6A1-CE9D-800D080EB3F4}"/>
               </a:ext>
             </a:extLst>
           </p:cNvPr>
@@ -4466,91 +8128,74 @@
           <a:p>
             <a:r>
               <a:rPr lang="en-CA" dirty="0"/>
-              <a:t>Different Options</a:t>
+              <a:t>File System Info</a:t>
             </a:r>
           </a:p>
         </p:txBody>
       </p:sp>
-      <p:sp>
-        <p:nvSpPr>
-          <p:cNvPr id="3" name="Content Placeholder 2">
+      <p:pic>
+        <p:nvPicPr>
+          <p:cNvPr id="5" name="Content Placeholder 4">
             <a:extLst>
               <a:ext uri="{FF2B5EF4-FFF2-40B4-BE49-F238E27FC236}">
-                <a16:creationId xmlns:a16="http://schemas.microsoft.com/office/drawing/2014/main" id="{9B80E43F-76B6-60B5-02B3-E64C818B0D86}"/>
+                <a16:creationId xmlns:a16="http://schemas.microsoft.com/office/drawing/2014/main" id="{24AA4F5D-2DAA-62C6-B1F9-0A6CA73934E8}"/>
               </a:ext>
             </a:extLst>
           </p:cNvPr>
-          <p:cNvSpPr>
-            <a:spLocks noGrp="1"/>
-          </p:cNvSpPr>
+          <p:cNvPicPr>
+            <a:picLocks noGrp="1" noChangeAspect="1"/>
+          </p:cNvPicPr>
           <p:nvPr>
             <p:ph idx="1"/>
           </p:nvPr>
-        </p:nvSpPr>
-        <p:spPr/>
-        <p:txBody>
-          <a:bodyPr/>
-          <a:lstStyle/>
-          <a:p>
-            <a:r>
-              <a:rPr lang="en-CA" dirty="0"/>
-              <a:t>Hard-coded string</a:t>
-            </a:r>
-          </a:p>
-          <a:p>
-            <a:r>
-              <a:rPr lang="en-CA" dirty="0"/>
-              <a:t>Command line argument</a:t>
-            </a:r>
-          </a:p>
-          <a:p>
-            <a:r>
-              <a:rPr lang="en-CA" dirty="0"/>
-              <a:t>Environment variable</a:t>
-            </a:r>
-          </a:p>
-          <a:p>
-            <a:r>
-              <a:rPr lang="en-CA" dirty="0"/>
-              <a:t>Standard input</a:t>
-            </a:r>
-          </a:p>
-          <a:p>
-            <a:r>
-              <a:rPr lang="en-CA" dirty="0"/>
-              <a:t>Written in a file</a:t>
-            </a:r>
-          </a:p>
-          <a:p>
-            <a:r>
-              <a:rPr lang="en-CA" dirty="0"/>
-              <a:t>Request it from a URL </a:t>
-            </a:r>
-          </a:p>
-          <a:p>
-            <a:r>
-              <a:rPr lang="en-CA" dirty="0"/>
-              <a:t>Graphical Users Interface (GUI)</a:t>
-            </a:r>
-          </a:p>
-          <a:p>
-            <a:pPr marL="68580" indent="0">
-              <a:buNone/>
-            </a:pPr>
-            <a:endParaRPr lang="en-CA" dirty="0"/>
-          </a:p>
-          <a:p>
-            <a:pPr marL="68580" indent="0">
-              <a:buNone/>
-            </a:pPr>
-            <a:endParaRPr lang="en-CA" dirty="0"/>
-          </a:p>
-        </p:txBody>
-      </p:sp>
+        </p:nvPicPr>
+        <p:blipFill>
+          <a:blip r:embed="rId2"/>
+          <a:stretch>
+            <a:fillRect/>
+          </a:stretch>
+        </p:blipFill>
+        <p:spPr>
+          <a:xfrm>
+            <a:off x="2362200" y="2915529"/>
+            <a:ext cx="9503978" cy="6190371"/>
+          </a:xfrm>
+        </p:spPr>
+      </p:pic>
+      <p:pic>
+        <p:nvPicPr>
+          <p:cNvPr id="7" name="Picture 6">
+            <a:extLst>
+              <a:ext uri="{FF2B5EF4-FFF2-40B4-BE49-F238E27FC236}">
+                <a16:creationId xmlns:a16="http://schemas.microsoft.com/office/drawing/2014/main" id="{8ECF5216-FDE6-3443-6F97-BFFD5B6E6013}"/>
+              </a:ext>
+            </a:extLst>
+          </p:cNvPr>
+          <p:cNvPicPr>
+            <a:picLocks noChangeAspect="1"/>
+          </p:cNvPicPr>
+          <p:nvPr/>
+        </p:nvPicPr>
+        <p:blipFill>
+          <a:blip r:embed="rId3"/>
+          <a:stretch>
+            <a:fillRect/>
+          </a:stretch>
+        </p:blipFill>
+        <p:spPr>
+          <a:xfrm>
+            <a:off x="13106400" y="647700"/>
+            <a:ext cx="2971800" cy="9278766"/>
+          </a:xfrm>
+          <a:prstGeom prst="rect">
+            <a:avLst/>
+          </a:prstGeom>
+        </p:spPr>
+      </p:pic>
     </p:spTree>
     <p:extLst>
       <p:ext uri="{BB962C8B-B14F-4D97-AF65-F5344CB8AC3E}">
-        <p14:creationId xmlns:p14="http://schemas.microsoft.com/office/powerpoint/2010/main" val="3569160424"/>
+        <p14:creationId xmlns:p14="http://schemas.microsoft.com/office/powerpoint/2010/main" val="496920048"/>
       </p:ext>
     </p:extLst>
   </p:cSld>
@@ -4579,10 +8224,10 @@
       </p:grpSpPr>
       <p:sp>
         <p:nvSpPr>
-          <p:cNvPr id="4" name="Title 3">
+          <p:cNvPr id="2" name="Title 1">
             <a:extLst>
               <a:ext uri="{FF2B5EF4-FFF2-40B4-BE49-F238E27FC236}">
-                <a16:creationId xmlns:a16="http://schemas.microsoft.com/office/drawing/2014/main" id="{82891D5D-6CD2-E701-B86C-3416BEB0367F}"/>
+                <a16:creationId xmlns:a16="http://schemas.microsoft.com/office/drawing/2014/main" id="{3FD2B168-1004-392B-7E99-7312A5C0A9A8}"/>
               </a:ext>
             </a:extLst>
           </p:cNvPr>
@@ -4600,67 +8245,44 @@
           <a:p>
             <a:r>
               <a:rPr lang="en-CA" dirty="0"/>
-              <a:t>How to test my projects</a:t>
+              <a:t>Parse Command Lines Arguments</a:t>
             </a:r>
           </a:p>
         </p:txBody>
       </p:sp>
-      <p:sp>
-        <p:nvSpPr>
+      <p:pic>
+        <p:nvPicPr>
           <p:cNvPr id="5" name="Content Placeholder 4">
             <a:extLst>
               <a:ext uri="{FF2B5EF4-FFF2-40B4-BE49-F238E27FC236}">
-                <a16:creationId xmlns:a16="http://schemas.microsoft.com/office/drawing/2014/main" id="{23B6058C-B0AD-7CD8-99E4-9041CDC94FC8}"/>
+                <a16:creationId xmlns:a16="http://schemas.microsoft.com/office/drawing/2014/main" id="{D5394489-F5BB-AC38-04EB-F18CB886C961}"/>
               </a:ext>
             </a:extLst>
           </p:cNvPr>
-          <p:cNvSpPr>
-            <a:spLocks noGrp="1"/>
-          </p:cNvSpPr>
+          <p:cNvPicPr>
+            <a:picLocks noGrp="1" noChangeAspect="1"/>
+          </p:cNvPicPr>
           <p:nvPr>
             <p:ph idx="1"/>
           </p:nvPr>
-        </p:nvSpPr>
-        <p:spPr/>
-        <p:txBody>
-          <a:bodyPr/>
-          <a:lstStyle/>
-          <a:p>
-            <a:r>
-              <a:rPr lang="en-CA" dirty="0"/>
-              <a:t>How to create a debug profile</a:t>
-            </a:r>
-          </a:p>
-          <a:p>
-            <a:r>
-              <a:rPr lang="en-CA" dirty="0"/>
-              <a:t>How to write and run an integration test</a:t>
-            </a:r>
-          </a:p>
-          <a:p>
-            <a:r>
-              <a:rPr lang="en-CA" dirty="0"/>
-              <a:t>How to write a unit test</a:t>
-            </a:r>
-          </a:p>
-          <a:p>
-            <a:r>
-              <a:rPr lang="en-CA" dirty="0"/>
-              <a:t>How to write a test plan </a:t>
-            </a:r>
-          </a:p>
-          <a:p>
-            <a:r>
-              <a:rPr lang="en-CA" dirty="0"/>
-              <a:t>How to launch a process</a:t>
-            </a:r>
-          </a:p>
-        </p:txBody>
-      </p:sp>
+        </p:nvPicPr>
+        <p:blipFill>
+          <a:blip r:embed="rId2"/>
+          <a:stretch>
+            <a:fillRect/>
+          </a:stretch>
+        </p:blipFill>
+        <p:spPr>
+          <a:xfrm>
+            <a:off x="3886200" y="2948940"/>
+            <a:ext cx="7530084" cy="4937760"/>
+          </a:xfrm>
+        </p:spPr>
+      </p:pic>
     </p:spTree>
     <p:extLst>
       <p:ext uri="{BB962C8B-B14F-4D97-AF65-F5344CB8AC3E}">
-        <p14:creationId xmlns:p14="http://schemas.microsoft.com/office/powerpoint/2010/main" val="2127209139"/>
+        <p14:creationId xmlns:p14="http://schemas.microsoft.com/office/powerpoint/2010/main" val="3874019461"/>
       </p:ext>
     </p:extLst>
   </p:cSld>
@@ -4692,7 +8314,7 @@
           <p:cNvPr id="2" name="Title 1">
             <a:extLst>
               <a:ext uri="{FF2B5EF4-FFF2-40B4-BE49-F238E27FC236}">
-                <a16:creationId xmlns:a16="http://schemas.microsoft.com/office/drawing/2014/main" id="{9EF16223-4E32-3673-E700-844D8564683C}"/>
+                <a16:creationId xmlns:a16="http://schemas.microsoft.com/office/drawing/2014/main" id="{17FCEADA-5608-599C-C51A-C8A6A90032B1}"/>
               </a:ext>
             </a:extLst>
           </p:cNvPr>
@@ -4710,7 +8332,7 @@
           <a:p>
             <a:r>
               <a:rPr lang="en-CA" dirty="0"/>
-              <a:t>Manual Test without Debugger</a:t>
+              <a:t>Classes are Useful for Grouping Data</a:t>
             </a:r>
           </a:p>
         </p:txBody>
@@ -4720,7 +8342,7 @@
           <p:cNvPr id="3" name="Content Placeholder 2">
             <a:extLst>
               <a:ext uri="{FF2B5EF4-FFF2-40B4-BE49-F238E27FC236}">
-                <a16:creationId xmlns:a16="http://schemas.microsoft.com/office/drawing/2014/main" id="{C142E2F6-2AFE-BD5E-55B1-19189BEF264B}"/>
+                <a16:creationId xmlns:a16="http://schemas.microsoft.com/office/drawing/2014/main" id="{D49FED8A-1530-1667-49C0-A81D07E83AA7}"/>
               </a:ext>
             </a:extLst>
           </p:cNvPr>
@@ -4737,46 +8359,100 @@
           <a:lstStyle/>
           <a:p>
             <a:r>
-              <a:rPr lang="en-CA" dirty="0"/>
-              <a:t>Running the programs from the command line</a:t>
-            </a:r>
-          </a:p>
-          <a:p>
-            <a:r>
-              <a:rPr lang="en-CA" dirty="0"/>
-              <a:t>Where are the programs? </a:t>
-            </a:r>
-          </a:p>
-          <a:p>
-            <a:r>
-              <a:rPr lang="en-CA" dirty="0"/>
-              <a:t>Difference between Mac and Windows</a:t>
-            </a:r>
-          </a:p>
-          <a:p>
-            <a:r>
-              <a:rPr lang="en-CA" dirty="0"/>
-              <a:t>Windows you just write the command-line</a:t>
-            </a:r>
-          </a:p>
-          <a:p>
-            <a:r>
-              <a:rPr lang="en-CA" dirty="0"/>
-              <a:t>Mac you write “mono command.exe”</a:t>
-            </a:r>
-          </a:p>
-          <a:p>
-            <a:pPr marL="68580" indent="0">
-              <a:buNone/>
-            </a:pPr>
-            <a:endParaRPr lang="en-CA" dirty="0"/>
+              <a:rPr lang="en-CA" dirty="0">
+                <a:solidFill>
+                  <a:schemeClr val="tx1"/>
+                </a:solidFill>
+              </a:rPr>
+              <a:t>Consider the set of all options</a:t>
+            </a:r>
+          </a:p>
+          <a:p>
+            <a:r>
+              <a:rPr lang="en-CA" dirty="0">
+                <a:solidFill>
+                  <a:schemeClr val="tx1"/>
+                </a:solidFill>
+              </a:rPr>
+              <a:t>Rather than creating a variable for each option we can group it in one class</a:t>
+            </a:r>
+          </a:p>
+          <a:p>
+            <a:r>
+              <a:rPr lang="en-CA" dirty="0">
+                <a:solidFill>
+                  <a:schemeClr val="tx1"/>
+                </a:solidFill>
+              </a:rPr>
+              <a:t>We can then return it from a function and pass it as an argument</a:t>
+            </a:r>
           </a:p>
         </p:txBody>
       </p:sp>
+      <p:pic>
+        <p:nvPicPr>
+          <p:cNvPr id="5" name="Picture 4">
+            <a:extLst>
+              <a:ext uri="{FF2B5EF4-FFF2-40B4-BE49-F238E27FC236}">
+                <a16:creationId xmlns:a16="http://schemas.microsoft.com/office/drawing/2014/main" id="{8C29EE09-99B6-4475-AB2F-FEDBDA3AC4A5}"/>
+              </a:ext>
+            </a:extLst>
+          </p:cNvPr>
+          <p:cNvPicPr>
+            <a:picLocks noChangeAspect="1"/>
+          </p:cNvPicPr>
+          <p:nvPr/>
+        </p:nvPicPr>
+        <p:blipFill>
+          <a:blip r:embed="rId2"/>
+          <a:stretch>
+            <a:fillRect/>
+          </a:stretch>
+        </p:blipFill>
+        <p:spPr>
+          <a:xfrm>
+            <a:off x="4038600" y="5359208"/>
+            <a:ext cx="7811578" cy="990600"/>
+          </a:xfrm>
+          <a:prstGeom prst="rect">
+            <a:avLst/>
+          </a:prstGeom>
+        </p:spPr>
+      </p:pic>
+      <p:pic>
+        <p:nvPicPr>
+          <p:cNvPr id="9" name="Picture 8">
+            <a:extLst>
+              <a:ext uri="{FF2B5EF4-FFF2-40B4-BE49-F238E27FC236}">
+                <a16:creationId xmlns:a16="http://schemas.microsoft.com/office/drawing/2014/main" id="{9BD4A8AF-D492-0852-F876-E0572A1F7BEB}"/>
+              </a:ext>
+            </a:extLst>
+          </p:cNvPr>
+          <p:cNvPicPr>
+            <a:picLocks noChangeAspect="1"/>
+          </p:cNvPicPr>
+          <p:nvPr/>
+        </p:nvPicPr>
+        <p:blipFill>
+          <a:blip r:embed="rId3"/>
+          <a:stretch>
+            <a:fillRect/>
+          </a:stretch>
+        </p:blipFill>
+        <p:spPr>
+          <a:xfrm>
+            <a:off x="4038600" y="6138336"/>
+            <a:ext cx="6792629" cy="2738963"/>
+          </a:xfrm>
+          <a:prstGeom prst="rect">
+            <a:avLst/>
+          </a:prstGeom>
+        </p:spPr>
+      </p:pic>
     </p:spTree>
     <p:extLst>
       <p:ext uri="{BB962C8B-B14F-4D97-AF65-F5344CB8AC3E}">
-        <p14:creationId xmlns:p14="http://schemas.microsoft.com/office/powerpoint/2010/main" val="3855691239"/>
+        <p14:creationId xmlns:p14="http://schemas.microsoft.com/office/powerpoint/2010/main" val="1847082727"/>
       </p:ext>
     </p:extLst>
   </p:cSld>
@@ -4808,7 +8484,7 @@
           <p:cNvPr id="2" name="Title 1">
             <a:extLst>
               <a:ext uri="{FF2B5EF4-FFF2-40B4-BE49-F238E27FC236}">
-                <a16:creationId xmlns:a16="http://schemas.microsoft.com/office/drawing/2014/main" id="{5CFBC45A-6012-598F-046F-0103EF397929}"/>
+                <a16:creationId xmlns:a16="http://schemas.microsoft.com/office/drawing/2014/main" id="{F0CE733F-FF31-AA43-ADA6-AE00E8D0FA53}"/>
               </a:ext>
             </a:extLst>
           </p:cNvPr>
@@ -4826,49 +8502,44 @@
           <a:p>
             <a:r>
               <a:rPr lang="en-CA" dirty="0"/>
-              <a:t>Manual Test from IDE with Debugger</a:t>
+              <a:t>Creating an options class</a:t>
             </a:r>
           </a:p>
         </p:txBody>
       </p:sp>
-      <p:sp>
-        <p:nvSpPr>
-          <p:cNvPr id="3" name="Content Placeholder 2">
+      <p:pic>
+        <p:nvPicPr>
+          <p:cNvPr id="5" name="Content Placeholder 4">
             <a:extLst>
               <a:ext uri="{FF2B5EF4-FFF2-40B4-BE49-F238E27FC236}">
-                <a16:creationId xmlns:a16="http://schemas.microsoft.com/office/drawing/2014/main" id="{5EAAE77C-BE52-25F7-4020-DFCB8BB9253F}"/>
+                <a16:creationId xmlns:a16="http://schemas.microsoft.com/office/drawing/2014/main" id="{6F9DBC95-CF51-52BA-9B08-E1E519454602}"/>
               </a:ext>
             </a:extLst>
           </p:cNvPr>
-          <p:cNvSpPr>
-            <a:spLocks noGrp="1"/>
-          </p:cNvSpPr>
+          <p:cNvPicPr>
+            <a:picLocks noGrp="1" noChangeAspect="1"/>
+          </p:cNvPicPr>
           <p:nvPr>
             <p:ph idx="1"/>
           </p:nvPr>
-        </p:nvSpPr>
-        <p:spPr/>
-        <p:txBody>
-          <a:bodyPr/>
-          <a:lstStyle/>
-          <a:p>
-            <a:r>
-              <a:rPr lang="en-CA" dirty="0"/>
-              <a:t>Marking a Unit test with the [Explicit] attribute causes it to not run automatically</a:t>
-            </a:r>
-          </a:p>
-          <a:p>
-            <a:pPr marL="68580" indent="0">
-              <a:buNone/>
-            </a:pPr>
-            <a:endParaRPr lang="en-CA" dirty="0"/>
-          </a:p>
-        </p:txBody>
-      </p:sp>
+        </p:nvPicPr>
+        <p:blipFill>
+          <a:blip r:embed="rId2"/>
+          <a:stretch>
+            <a:fillRect/>
+          </a:stretch>
+        </p:blipFill>
+        <p:spPr>
+          <a:xfrm>
+            <a:off x="5867399" y="2948940"/>
+            <a:ext cx="7103187" cy="6080760"/>
+          </a:xfrm>
+        </p:spPr>
+      </p:pic>
     </p:spTree>
     <p:extLst>
       <p:ext uri="{BB962C8B-B14F-4D97-AF65-F5344CB8AC3E}">
-        <p14:creationId xmlns:p14="http://schemas.microsoft.com/office/powerpoint/2010/main" val="2607817047"/>
+        <p14:creationId xmlns:p14="http://schemas.microsoft.com/office/powerpoint/2010/main" val="3125371120"/>
       </p:ext>
     </p:extLst>
   </p:cSld>
@@ -4900,7 +8571,7 @@
           <p:cNvPr id="2" name="Title 1">
             <a:extLst>
               <a:ext uri="{FF2B5EF4-FFF2-40B4-BE49-F238E27FC236}">
-                <a16:creationId xmlns:a16="http://schemas.microsoft.com/office/drawing/2014/main" id="{5CF22696-2170-103F-D597-386D5BE0A71A}"/>
+                <a16:creationId xmlns:a16="http://schemas.microsoft.com/office/drawing/2014/main" id="{F6854FEA-65A0-0FB1-C47A-3FC655A0A252}"/>
               </a:ext>
             </a:extLst>
           </p:cNvPr>
@@ -4918,43 +8589,44 @@
           <a:p>
             <a:r>
               <a:rPr lang="en-CA" dirty="0"/>
-              <a:t>Automated Unit Test</a:t>
+              <a:t>Creating an Instance of the Options Class</a:t>
             </a:r>
           </a:p>
         </p:txBody>
       </p:sp>
-      <p:sp>
-        <p:nvSpPr>
-          <p:cNvPr id="3" name="Content Placeholder 2">
+      <p:pic>
+        <p:nvPicPr>
+          <p:cNvPr id="5" name="Content Placeholder 4">
             <a:extLst>
               <a:ext uri="{FF2B5EF4-FFF2-40B4-BE49-F238E27FC236}">
-                <a16:creationId xmlns:a16="http://schemas.microsoft.com/office/drawing/2014/main" id="{1976C4F5-2B73-1ABB-6CC0-3BD6D31D39AF}"/>
+                <a16:creationId xmlns:a16="http://schemas.microsoft.com/office/drawing/2014/main" id="{2EB42B78-ECC5-4D19-1C72-8ECB0BA5121E}"/>
               </a:ext>
             </a:extLst>
           </p:cNvPr>
-          <p:cNvSpPr>
-            <a:spLocks noGrp="1"/>
-          </p:cNvSpPr>
+          <p:cNvPicPr>
+            <a:picLocks noGrp="1" noChangeAspect="1"/>
+          </p:cNvPicPr>
           <p:nvPr>
             <p:ph idx="1"/>
           </p:nvPr>
-        </p:nvSpPr>
-        <p:spPr/>
-        <p:txBody>
-          <a:bodyPr/>
-          <a:lstStyle/>
-          <a:p>
-            <a:r>
-              <a:rPr lang="en-CA" dirty="0"/>
-              <a:t>Test a function or class</a:t>
-            </a:r>
-          </a:p>
-        </p:txBody>
-      </p:sp>
+        </p:nvPicPr>
+        <p:blipFill>
+          <a:blip r:embed="rId2"/>
+          <a:stretch>
+            <a:fillRect/>
+          </a:stretch>
+        </p:blipFill>
+        <p:spPr>
+          <a:xfrm>
+            <a:off x="3810000" y="3162300"/>
+            <a:ext cx="9066998" cy="5486400"/>
+          </a:xfrm>
+        </p:spPr>
+      </p:pic>
     </p:spTree>
     <p:extLst>
       <p:ext uri="{BB962C8B-B14F-4D97-AF65-F5344CB8AC3E}">
-        <p14:creationId xmlns:p14="http://schemas.microsoft.com/office/powerpoint/2010/main" val="2566552571"/>
+        <p14:creationId xmlns:p14="http://schemas.microsoft.com/office/powerpoint/2010/main" val="1292057869"/>
       </p:ext>
     </p:extLst>
   </p:cSld>
@@ -4964,9 +8636,17 @@
 </p:sld>
 </file>
 
-<file path=ppt/slides/slide19.xml><?xml version="1.0" encoding="utf-8"?>
+<file path=ppt/slides/slide2.xml><?xml version="1.0" encoding="utf-8"?>
 <p:sld xmlns:a="http://schemas.openxmlformats.org/drawingml/2006/main" xmlns:r="http://schemas.openxmlformats.org/officeDocument/2006/relationships" xmlns:p="http://schemas.openxmlformats.org/presentationml/2006/main">
   <p:cSld>
+    <p:bg>
+      <p:bgPr>
+        <a:solidFill>
+          <a:schemeClr val="accent1"/>
+        </a:solidFill>
+        <a:effectLst/>
+      </p:bgPr>
+    </p:bg>
     <p:spTree>
       <p:nvGrpSpPr>
         <p:cNvPr id="1" name=""/>
@@ -4983,10 +8663,392 @@
       </p:grpSpPr>
       <p:sp>
         <p:nvSpPr>
+          <p:cNvPr id="10" name="Rectangle 9">
+            <a:extLst>
+              <a:ext uri="{FF2B5EF4-FFF2-40B4-BE49-F238E27FC236}">
+                <a16:creationId xmlns:a16="http://schemas.microsoft.com/office/drawing/2014/main" id="{809C0BCD-BEE9-423F-A51C-BCCD8E5EAADA}"/>
+              </a:ext>
+              <a:ext uri="{C183D7F6-B498-43B3-948B-1728B52AA6E4}">
+                <adec:decorative xmlns:adec="http://schemas.microsoft.com/office/drawing/2017/decorative" val="1"/>
+              </a:ext>
+            </a:extLst>
+          </p:cNvPr>
+          <p:cNvSpPr>
+            <a:spLocks noGrp="1" noRot="1" noChangeAspect="1" noMove="1" noResize="1" noEditPoints="1" noAdjustHandles="1" noChangeArrowheads="1" noChangeShapeType="1" noTextEdit="1"/>
+          </p:cNvSpPr>
+          <p:nvPr>
+            <p:extLst>
+              <p:ext uri="{386F3935-93C4-4BCD-93E2-E3B085C9AB24}">
+                <p16:designElem xmlns:p16="http://schemas.microsoft.com/office/powerpoint/2015/main" val="1"/>
+              </p:ext>
+            </p:extLst>
+          </p:nvPr>
+        </p:nvSpPr>
+        <p:spPr>
+          <a:xfrm>
+            <a:off x="346710" y="365760"/>
+            <a:ext cx="17586960" cy="9566908"/>
+          </a:xfrm>
+          <a:prstGeom prst="rect">
+            <a:avLst/>
+          </a:prstGeom>
+          <a:solidFill>
+            <a:schemeClr val="bg1"/>
+          </a:solidFill>
+          <a:ln w="12700">
+            <a:noFill/>
+          </a:ln>
+        </p:spPr>
+        <p:style>
+          <a:lnRef idx="2">
+            <a:schemeClr val="accent1">
+              <a:shade val="50000"/>
+            </a:schemeClr>
+          </a:lnRef>
+          <a:fillRef idx="1">
+            <a:schemeClr val="accent1"/>
+          </a:fillRef>
+          <a:effectRef idx="0">
+            <a:schemeClr val="accent1"/>
+          </a:effectRef>
+          <a:fontRef idx="minor">
+            <a:schemeClr val="lt1"/>
+          </a:fontRef>
+        </p:style>
+      </p:sp>
+      <p:sp>
+        <p:nvSpPr>
+          <p:cNvPr id="12" name="Rectangle 11">
+            <a:extLst>
+              <a:ext uri="{FF2B5EF4-FFF2-40B4-BE49-F238E27FC236}">
+                <a16:creationId xmlns:a16="http://schemas.microsoft.com/office/drawing/2014/main" id="{9998D094-42B2-42BA-AA14-E8FBE073A5D8}"/>
+              </a:ext>
+              <a:ext uri="{C183D7F6-B498-43B3-948B-1728B52AA6E4}">
+                <adec:decorative xmlns:adec="http://schemas.microsoft.com/office/drawing/2017/decorative" val="1"/>
+              </a:ext>
+            </a:extLst>
+          </p:cNvPr>
+          <p:cNvSpPr>
+            <a:spLocks noGrp="1" noRot="1" noChangeAspect="1" noMove="1" noResize="1" noEditPoints="1" noAdjustHandles="1" noChangeArrowheads="1" noChangeShapeType="1" noTextEdit="1"/>
+          </p:cNvSpPr>
+          <p:nvPr>
+            <p:extLst>
+              <p:ext uri="{386F3935-93C4-4BCD-93E2-E3B085C9AB24}">
+                <p16:designElem xmlns:p16="http://schemas.microsoft.com/office/powerpoint/2015/main" val="1"/>
+              </p:ext>
+            </p:extLst>
+          </p:nvPr>
+        </p:nvSpPr>
+        <p:spPr>
+          <a:xfrm>
+            <a:off x="346710" y="365760"/>
+            <a:ext cx="17586960" cy="9566908"/>
+          </a:xfrm>
+          <a:prstGeom prst="rect">
+            <a:avLst/>
+          </a:prstGeom>
+          <a:solidFill>
+            <a:schemeClr val="accent1"/>
+          </a:solidFill>
+          <a:ln w="12700">
+            <a:solidFill>
+              <a:srgbClr val="FFFFFF"/>
+            </a:solidFill>
+          </a:ln>
+        </p:spPr>
+        <p:style>
+          <a:lnRef idx="2">
+            <a:schemeClr val="accent1">
+              <a:shade val="50000"/>
+            </a:schemeClr>
+          </a:lnRef>
+          <a:fillRef idx="1">
+            <a:schemeClr val="accent1"/>
+          </a:fillRef>
+          <a:effectRef idx="0">
+            <a:schemeClr val="accent1"/>
+          </a:effectRef>
+          <a:fontRef idx="minor">
+            <a:schemeClr val="lt1"/>
+          </a:fontRef>
+        </p:style>
+      </p:sp>
+      <p:cxnSp>
+        <p:nvCxnSpPr>
+          <p:cNvPr id="14" name="Straight Connector 13">
+            <a:extLst>
+              <a:ext uri="{FF2B5EF4-FFF2-40B4-BE49-F238E27FC236}">
+                <a16:creationId xmlns:a16="http://schemas.microsoft.com/office/drawing/2014/main" id="{8465D64B-59F4-4BDC-B833-A17EF1E04697}"/>
+              </a:ext>
+              <a:ext uri="{C183D7F6-B498-43B3-948B-1728B52AA6E4}">
+                <adec:decorative xmlns:adec="http://schemas.microsoft.com/office/drawing/2017/decorative" val="1"/>
+              </a:ext>
+            </a:extLst>
+          </p:cNvPr>
+          <p:cNvCxnSpPr>
+            <a:cxnSpLocks noGrp="1" noRot="1" noChangeAspect="1" noMove="1" noResize="1" noEditPoints="1" noAdjustHandles="1" noChangeArrowheads="1" noChangeShapeType="1"/>
+          </p:cNvCxnSpPr>
+          <p:nvPr>
+            <p:extLst>
+              <p:ext uri="{386F3935-93C4-4BCD-93E2-E3B085C9AB24}">
+                <p16:designElem xmlns:p16="http://schemas.microsoft.com/office/powerpoint/2015/main" val="1"/>
+              </p:ext>
+            </p:extLst>
+          </p:nvPr>
+        </p:nvCxnSpPr>
+        <p:spPr>
+          <a:xfrm>
+            <a:off x="2967990" y="5600700"/>
+            <a:ext cx="12344401" cy="0"/>
+          </a:xfrm>
+          <a:prstGeom prst="line">
+            <a:avLst/>
+          </a:prstGeom>
+          <a:ln>
+            <a:solidFill>
+              <a:srgbClr val="FFFFFF"/>
+            </a:solidFill>
+          </a:ln>
+        </p:spPr>
+        <p:style>
+          <a:lnRef idx="1">
+            <a:schemeClr val="accent1"/>
+          </a:lnRef>
+          <a:fillRef idx="0">
+            <a:schemeClr val="accent1"/>
+          </a:fillRef>
+          <a:effectRef idx="0">
+            <a:schemeClr val="accent1"/>
+          </a:effectRef>
+          <a:fontRef idx="minor">
+            <a:schemeClr val="tx1"/>
+          </a:fontRef>
+        </p:style>
+      </p:cxnSp>
+      <p:sp>
+        <p:nvSpPr>
+          <p:cNvPr id="16" name="Rectangle 15">
+            <a:extLst>
+              <a:ext uri="{FF2B5EF4-FFF2-40B4-BE49-F238E27FC236}">
+                <a16:creationId xmlns:a16="http://schemas.microsoft.com/office/drawing/2014/main" id="{63FE6F10-B3AD-4403-94CA-F5115528699D}"/>
+              </a:ext>
+              <a:ext uri="{C183D7F6-B498-43B3-948B-1728B52AA6E4}">
+                <adec:decorative xmlns:adec="http://schemas.microsoft.com/office/drawing/2017/decorative" val="1"/>
+              </a:ext>
+            </a:extLst>
+          </p:cNvPr>
+          <p:cNvSpPr>
+            <a:spLocks noGrp="1" noRot="1" noChangeAspect="1" noMove="1" noResize="1" noEditPoints="1" noAdjustHandles="1" noChangeArrowheads="1" noChangeShapeType="1" noTextEdit="1"/>
+          </p:cNvSpPr>
+          <p:nvPr>
+            <p:extLst>
+              <p:ext uri="{386F3935-93C4-4BCD-93E2-E3B085C9AB24}">
+                <p16:designElem xmlns:p16="http://schemas.microsoft.com/office/powerpoint/2015/main" val="1"/>
+              </p:ext>
+            </p:extLst>
+          </p:nvPr>
+        </p:nvSpPr>
+        <p:spPr>
+          <a:xfrm>
+            <a:off x="346710" y="365760"/>
+            <a:ext cx="17583150" cy="9566908"/>
+          </a:xfrm>
+          <a:prstGeom prst="rect">
+            <a:avLst/>
+          </a:prstGeom>
+          <a:solidFill>
+            <a:schemeClr val="bg1"/>
+          </a:solidFill>
+          <a:ln w="12700">
+            <a:solidFill>
+              <a:srgbClr val="FFFFFF"/>
+            </a:solidFill>
+          </a:ln>
+        </p:spPr>
+        <p:style>
+          <a:lnRef idx="2">
+            <a:schemeClr val="accent1">
+              <a:shade val="50000"/>
+            </a:schemeClr>
+          </a:lnRef>
+          <a:fillRef idx="1">
+            <a:schemeClr val="accent1"/>
+          </a:fillRef>
+          <a:effectRef idx="0">
+            <a:schemeClr val="accent1"/>
+          </a:effectRef>
+          <a:fontRef idx="minor">
+            <a:schemeClr val="lt1"/>
+          </a:fontRef>
+        </p:style>
+      </p:sp>
+      <p:sp useBgFill="1">
+        <p:nvSpPr>
+          <p:cNvPr id="18" name="Rectangle 17">
+            <a:extLst>
+              <a:ext uri="{FF2B5EF4-FFF2-40B4-BE49-F238E27FC236}">
+                <a16:creationId xmlns:a16="http://schemas.microsoft.com/office/drawing/2014/main" id="{364D6A39-A4F7-4B00-9F42-3BC67177DB1F}"/>
+              </a:ext>
+              <a:ext uri="{C183D7F6-B498-43B3-948B-1728B52AA6E4}">
+                <adec:decorative xmlns:adec="http://schemas.microsoft.com/office/drawing/2017/decorative" val="1"/>
+              </a:ext>
+            </a:extLst>
+          </p:cNvPr>
+          <p:cNvSpPr>
+            <a:spLocks noGrp="1" noRot="1" noChangeAspect="1" noMove="1" noResize="1" noEditPoints="1" noAdjustHandles="1" noChangeArrowheads="1" noChangeShapeType="1" noTextEdit="1"/>
+          </p:cNvSpPr>
+          <p:nvPr>
+            <p:extLst>
+              <p:ext uri="{386F3935-93C4-4BCD-93E2-E3B085C9AB24}">
+                <p16:designElem xmlns:p16="http://schemas.microsoft.com/office/powerpoint/2015/main" val="1"/>
+              </p:ext>
+            </p:extLst>
+          </p:nvPr>
+        </p:nvSpPr>
+        <p:spPr>
+          <a:xfrm>
+            <a:off x="11329416" y="370330"/>
+            <a:ext cx="6596632" cy="9566909"/>
+          </a:xfrm>
+          <a:prstGeom prst="rect">
+            <a:avLst/>
+          </a:prstGeom>
+          <a:ln w="12700">
+            <a:solidFill>
+              <a:srgbClr val="FFFFFF"/>
+            </a:solidFill>
+          </a:ln>
+        </p:spPr>
+        <p:style>
+          <a:lnRef idx="2">
+            <a:schemeClr val="accent1">
+              <a:shade val="50000"/>
+            </a:schemeClr>
+          </a:lnRef>
+          <a:fillRef idx="1">
+            <a:schemeClr val="accent1"/>
+          </a:fillRef>
+          <a:effectRef idx="0">
+            <a:schemeClr val="accent1"/>
+          </a:effectRef>
+          <a:fontRef idx="minor">
+            <a:schemeClr val="lt1"/>
+          </a:fontRef>
+        </p:style>
+      </p:sp>
+      <p:cxnSp>
+        <p:nvCxnSpPr>
+          <p:cNvPr id="20" name="Straight Connector 19">
+            <a:extLst>
+              <a:ext uri="{FF2B5EF4-FFF2-40B4-BE49-F238E27FC236}">
+                <a16:creationId xmlns:a16="http://schemas.microsoft.com/office/drawing/2014/main" id="{13553ADF-88A1-4645-B819-890CA3DF7D5B}"/>
+              </a:ext>
+              <a:ext uri="{C183D7F6-B498-43B3-948B-1728B52AA6E4}">
+                <adec:decorative xmlns:adec="http://schemas.microsoft.com/office/drawing/2017/decorative" val="1"/>
+              </a:ext>
+            </a:extLst>
+          </p:cNvPr>
+          <p:cNvCxnSpPr>
+            <a:cxnSpLocks noGrp="1" noRot="1" noChangeAspect="1" noMove="1" noResize="1" noEditPoints="1" noAdjustHandles="1" noChangeArrowheads="1" noChangeShapeType="1"/>
+          </p:cNvCxnSpPr>
+          <p:nvPr>
+            <p:extLst>
+              <p:ext uri="{386F3935-93C4-4BCD-93E2-E3B085C9AB24}">
+                <p16:designElem xmlns:p16="http://schemas.microsoft.com/office/powerpoint/2015/main" val="1"/>
+              </p:ext>
+            </p:extLst>
+          </p:nvPr>
+        </p:nvCxnSpPr>
+        <p:spPr>
+          <a:xfrm>
+            <a:off x="12555426" y="6608794"/>
+            <a:ext cx="4144612" cy="0"/>
+          </a:xfrm>
+          <a:prstGeom prst="line">
+            <a:avLst/>
+          </a:prstGeom>
+          <a:ln>
+            <a:solidFill>
+              <a:srgbClr val="FFFFFF"/>
+            </a:solidFill>
+          </a:ln>
+        </p:spPr>
+        <p:style>
+          <a:lnRef idx="1">
+            <a:schemeClr val="accent1"/>
+          </a:lnRef>
+          <a:fillRef idx="0">
+            <a:schemeClr val="accent1"/>
+          </a:fillRef>
+          <a:effectRef idx="0">
+            <a:schemeClr val="accent1"/>
+          </a:effectRef>
+          <a:fontRef idx="minor">
+            <a:schemeClr val="tx1"/>
+          </a:fontRef>
+        </p:style>
+      </p:cxnSp>
+      <p:sp>
+        <p:nvSpPr>
+          <p:cNvPr id="22" name="Rectangle 21">
+            <a:extLst>
+              <a:ext uri="{FF2B5EF4-FFF2-40B4-BE49-F238E27FC236}">
+                <a16:creationId xmlns:a16="http://schemas.microsoft.com/office/drawing/2014/main" id="{B5D0D97D-7911-4A25-88E2-4D81FD4AB294}"/>
+              </a:ext>
+              <a:ext uri="{C183D7F6-B498-43B3-948B-1728B52AA6E4}">
+                <adec:decorative xmlns:adec="http://schemas.microsoft.com/office/drawing/2017/decorative" val="1"/>
+              </a:ext>
+            </a:extLst>
+          </p:cNvPr>
+          <p:cNvSpPr>
+            <a:spLocks noGrp="1" noRot="1" noChangeAspect="1" noMove="1" noResize="1" noEditPoints="1" noAdjustHandles="1" noChangeArrowheads="1" noChangeShapeType="1" noTextEdit="1"/>
+          </p:cNvSpPr>
+          <p:nvPr>
+            <p:extLst>
+              <p:ext uri="{386F3935-93C4-4BCD-93E2-E3B085C9AB24}">
+                <p16:designElem xmlns:p16="http://schemas.microsoft.com/office/powerpoint/2015/main" val="1"/>
+              </p:ext>
+            </p:extLst>
+          </p:nvPr>
+        </p:nvSpPr>
+        <p:spPr>
+          <a:xfrm>
+            <a:off x="342900" y="370332"/>
+            <a:ext cx="17586960" cy="9566908"/>
+          </a:xfrm>
+          <a:prstGeom prst="rect">
+            <a:avLst/>
+          </a:prstGeom>
+          <a:noFill/>
+          <a:ln w="12700">
+            <a:solidFill>
+              <a:srgbClr val="FFFFFF"/>
+            </a:solidFill>
+          </a:ln>
+        </p:spPr>
+        <p:style>
+          <a:lnRef idx="2">
+            <a:schemeClr val="accent1">
+              <a:shade val="50000"/>
+            </a:schemeClr>
+          </a:lnRef>
+          <a:fillRef idx="1">
+            <a:schemeClr val="accent1"/>
+          </a:fillRef>
+          <a:effectRef idx="0">
+            <a:schemeClr val="accent1"/>
+          </a:effectRef>
+          <a:fontRef idx="minor">
+            <a:schemeClr val="lt1"/>
+          </a:fontRef>
+        </p:style>
+      </p:sp>
+      <p:sp>
+        <p:nvSpPr>
           <p:cNvPr id="2" name="Title 1">
             <a:extLst>
               <a:ext uri="{FF2B5EF4-FFF2-40B4-BE49-F238E27FC236}">
-                <a16:creationId xmlns:a16="http://schemas.microsoft.com/office/drawing/2014/main" id="{48C17DBF-5F8C-F4C8-84AF-02C31CD0EE6A}"/>
+                <a16:creationId xmlns:a16="http://schemas.microsoft.com/office/drawing/2014/main" id="{ACB6DCE0-B346-7F86-A562-EC2698EF2404}"/>
               </a:ext>
             </a:extLst>
           </p:cNvPr>
@@ -4997,1178 +9059,69 @@
             <p:ph type="title"/>
           </p:nvPr>
         </p:nvSpPr>
-        <p:spPr/>
+        <p:spPr>
+          <a:xfrm>
+            <a:off x="12292707" y="1286512"/>
+            <a:ext cx="4670049" cy="5434266"/>
+          </a:xfrm>
+        </p:spPr>
         <p:txBody>
-          <a:bodyPr/>
+          <a:bodyPr vert="horz" lIns="91440" tIns="45720" rIns="91440" bIns="45720" rtlCol="0" anchor="b">
+            <a:normAutofit/>
+          </a:bodyPr>
           <a:lstStyle/>
           <a:p>
-            <a:r>
-              <a:rPr lang="en-CA" dirty="0"/>
-              <a:t>Automated Integration Test</a:t>
+            <a:pPr algn="ctr" defTabSz="914400">
+              <a:lnSpc>
+                <a:spcPct val="85000"/>
+              </a:lnSpc>
+            </a:pPr>
+            <a:r>
+              <a:rPr lang="en-US" sz="8100" b="1" cap="all">
+                <a:solidFill>
+                  <a:srgbClr val="FFFFFF"/>
+                </a:solidFill>
+              </a:rPr>
+              <a:t>Let’s Review Dir</a:t>
             </a:r>
           </a:p>
         </p:txBody>
       </p:sp>
-      <p:sp>
-        <p:nvSpPr>
-          <p:cNvPr id="3" name="Content Placeholder 2">
+      <p:pic>
+        <p:nvPicPr>
+          <p:cNvPr id="5" name="Content Placeholder 4">
             <a:extLst>
               <a:ext uri="{FF2B5EF4-FFF2-40B4-BE49-F238E27FC236}">
-                <a16:creationId xmlns:a16="http://schemas.microsoft.com/office/drawing/2014/main" id="{A2437881-0C08-9EBB-BFC2-9C6A2D61DAE5}"/>
+                <a16:creationId xmlns:a16="http://schemas.microsoft.com/office/drawing/2014/main" id="{753A91E8-FDCF-4AF7-DA31-7B4489A5A9FE}"/>
               </a:ext>
             </a:extLst>
           </p:cNvPr>
-          <p:cNvSpPr>
-            <a:spLocks noGrp="1"/>
-          </p:cNvSpPr>
+          <p:cNvPicPr>
+            <a:picLocks noGrp="1" noChangeAspect="1"/>
+          </p:cNvPicPr>
           <p:nvPr>
             <p:ph idx="1"/>
           </p:nvPr>
-        </p:nvSpPr>
-        <p:spPr/>
-        <p:txBody>
-          <a:bodyPr/>
-          <a:lstStyle/>
-          <a:p>
-            <a:r>
-              <a:rPr lang="en-CA" dirty="0"/>
-              <a:t>Create a process start info </a:t>
-            </a:r>
-          </a:p>
-          <a:p>
-            <a:r>
-              <a:rPr lang="en-CA" dirty="0"/>
-              <a:t>Set up command-line arguments</a:t>
-            </a:r>
-          </a:p>
-          <a:p>
-            <a:r>
-              <a:rPr lang="en-CA" dirty="0"/>
-              <a:t>Set up environment variables </a:t>
-            </a:r>
-          </a:p>
-          <a:p>
-            <a:r>
-              <a:rPr lang="en-CA" dirty="0"/>
-              <a:t>Redirect the standard input</a:t>
-            </a:r>
-          </a:p>
-          <a:p>
-            <a:r>
-              <a:rPr lang="en-CA" dirty="0"/>
-              <a:t>Redirect the standard output </a:t>
-            </a:r>
-          </a:p>
-          <a:p>
-            <a:r>
-              <a:rPr lang="en-CA" dirty="0"/>
-              <a:t>Launch the process</a:t>
-            </a:r>
-          </a:p>
-          <a:p>
-            <a:endParaRPr lang="en-CA" dirty="0"/>
-          </a:p>
-        </p:txBody>
-      </p:sp>
+        </p:nvPicPr>
+        <p:blipFill rotWithShape="1">
+          <a:blip r:embed="rId2"/>
+          <a:srcRect t="20879" b="1742"/>
+          <a:stretch/>
+        </p:blipFill>
+        <p:spPr>
+          <a:xfrm>
+            <a:off x="1308096" y="1286512"/>
+            <a:ext cx="9068364" cy="7711004"/>
+          </a:xfrm>
+          <a:prstGeom prst="rect">
+            <a:avLst/>
+          </a:prstGeom>
+        </p:spPr>
+      </p:pic>
     </p:spTree>
     <p:extLst>
       <p:ext uri="{BB962C8B-B14F-4D97-AF65-F5344CB8AC3E}">
-        <p14:creationId xmlns:p14="http://schemas.microsoft.com/office/powerpoint/2010/main" val="300770946"/>
-      </p:ext>
-    </p:extLst>
-  </p:cSld>
-  <p:clrMapOvr>
-    <a:masterClrMapping/>
-  </p:clrMapOvr>
-</p:sld>
-</file>
-
-<file path=ppt/slides/slide2.xml><?xml version="1.0" encoding="utf-8"?>
-<p:sld xmlns:a="http://schemas.openxmlformats.org/drawingml/2006/main" xmlns:r="http://schemas.openxmlformats.org/officeDocument/2006/relationships" xmlns:p="http://schemas.openxmlformats.org/presentationml/2006/main">
-  <p:cSld>
-    <p:spTree>
-      <p:nvGrpSpPr>
-        <p:cNvPr id="1" name=""/>
-        <p:cNvGrpSpPr/>
-        <p:nvPr/>
-      </p:nvGrpSpPr>
-      <p:grpSpPr>
-        <a:xfrm>
-          <a:off x="0" y="0"/>
-          <a:ext cx="0" cy="0"/>
-          <a:chOff x="0" y="0"/>
-          <a:chExt cx="0" cy="0"/>
-        </a:xfrm>
-      </p:grpSpPr>
-      <p:sp>
-        <p:nvSpPr>
-          <p:cNvPr id="4" name="Title 3">
-            <a:extLst>
-              <a:ext uri="{FF2B5EF4-FFF2-40B4-BE49-F238E27FC236}">
-                <a16:creationId xmlns:a16="http://schemas.microsoft.com/office/drawing/2014/main" id="{15A23EDA-B054-DC58-E312-A27C924455ED}"/>
-              </a:ext>
-            </a:extLst>
-          </p:cNvPr>
-          <p:cNvSpPr>
-            <a:spLocks noGrp="1"/>
-          </p:cNvSpPr>
-          <p:nvPr>
-            <p:ph type="title"/>
-          </p:nvPr>
-        </p:nvSpPr>
-        <p:spPr/>
-        <p:txBody>
-          <a:bodyPr/>
-          <a:lstStyle/>
-          <a:p>
-            <a:r>
-              <a:rPr lang="en-CA" dirty="0"/>
-              <a:t>Today’s Lecture</a:t>
-            </a:r>
-          </a:p>
-        </p:txBody>
-      </p:sp>
-      <p:sp>
-        <p:nvSpPr>
-          <p:cNvPr id="5" name="Content Placeholder 4">
-            <a:extLst>
-              <a:ext uri="{FF2B5EF4-FFF2-40B4-BE49-F238E27FC236}">
-                <a16:creationId xmlns:a16="http://schemas.microsoft.com/office/drawing/2014/main" id="{1C1F804E-2ADF-D902-C8B4-67D33EDD0096}"/>
-              </a:ext>
-            </a:extLst>
-          </p:cNvPr>
-          <p:cNvSpPr>
-            <a:spLocks noGrp="1"/>
-          </p:cNvSpPr>
-          <p:nvPr>
-            <p:ph idx="1"/>
-          </p:nvPr>
-        </p:nvSpPr>
-        <p:spPr/>
-        <p:txBody>
-          <a:bodyPr/>
-          <a:lstStyle/>
-          <a:p>
-            <a:r>
-              <a:rPr lang="en-CA" dirty="0"/>
-              <a:t>Writing tests</a:t>
-            </a:r>
-          </a:p>
-          <a:p>
-            <a:r>
-              <a:rPr lang="en-CA" dirty="0"/>
-              <a:t>Sharing code</a:t>
-            </a:r>
-          </a:p>
-          <a:p>
-            <a:r>
-              <a:rPr lang="en-CA" dirty="0"/>
-              <a:t>Following instructions</a:t>
-            </a:r>
-          </a:p>
-          <a:p>
-            <a:r>
-              <a:rPr lang="en-CA" dirty="0"/>
-              <a:t>Dealing with ambiguity</a:t>
-            </a:r>
-          </a:p>
-          <a:p>
-            <a:r>
-              <a:rPr lang="en-CA" dirty="0"/>
-              <a:t>Dealing with complexity</a:t>
-            </a:r>
-          </a:p>
-          <a:p>
-            <a:r>
-              <a:rPr lang="en-CA" dirty="0"/>
-              <a:t>Writing functions</a:t>
-            </a:r>
-          </a:p>
-          <a:p>
-            <a:r>
-              <a:rPr lang="en-CA" dirty="0"/>
-              <a:t>Creating a simple class </a:t>
-            </a:r>
-          </a:p>
-        </p:txBody>
-      </p:sp>
-    </p:spTree>
-    <p:extLst>
-      <p:ext uri="{BB962C8B-B14F-4D97-AF65-F5344CB8AC3E}">
-        <p14:creationId xmlns:p14="http://schemas.microsoft.com/office/powerpoint/2010/main" val="4170277675"/>
-      </p:ext>
-    </p:extLst>
-  </p:cSld>
-  <p:clrMapOvr>
-    <a:masterClrMapping/>
-  </p:clrMapOvr>
-</p:sld>
-</file>
-
-<file path=ppt/slides/slide20.xml><?xml version="1.0" encoding="utf-8"?>
-<p:sld xmlns:a="http://schemas.openxmlformats.org/drawingml/2006/main" xmlns:r="http://schemas.openxmlformats.org/officeDocument/2006/relationships" xmlns:p="http://schemas.openxmlformats.org/presentationml/2006/main">
-  <p:cSld>
-    <p:spTree>
-      <p:nvGrpSpPr>
-        <p:cNvPr id="1" name=""/>
-        <p:cNvGrpSpPr/>
-        <p:nvPr/>
-      </p:nvGrpSpPr>
-      <p:grpSpPr>
-        <a:xfrm>
-          <a:off x="0" y="0"/>
-          <a:ext cx="0" cy="0"/>
-          <a:chOff x="0" y="0"/>
-          <a:chExt cx="0" cy="0"/>
-        </a:xfrm>
-      </p:grpSpPr>
-      <p:sp>
-        <p:nvSpPr>
-          <p:cNvPr id="2" name="Title 1">
-            <a:extLst>
-              <a:ext uri="{FF2B5EF4-FFF2-40B4-BE49-F238E27FC236}">
-                <a16:creationId xmlns:a16="http://schemas.microsoft.com/office/drawing/2014/main" id="{AF1B0507-A199-AB36-54C3-0A0553271E5B}"/>
-              </a:ext>
-            </a:extLst>
-          </p:cNvPr>
-          <p:cNvSpPr>
-            <a:spLocks noGrp="1"/>
-          </p:cNvSpPr>
-          <p:nvPr>
-            <p:ph type="title"/>
-          </p:nvPr>
-        </p:nvSpPr>
-        <p:spPr/>
-        <p:txBody>
-          <a:bodyPr/>
-          <a:lstStyle/>
-          <a:p>
-            <a:r>
-              <a:rPr lang="en-CA" dirty="0"/>
-              <a:t>What can we test?</a:t>
-            </a:r>
-          </a:p>
-        </p:txBody>
-      </p:sp>
-      <p:sp>
-        <p:nvSpPr>
-          <p:cNvPr id="3" name="Content Placeholder 2">
-            <a:extLst>
-              <a:ext uri="{FF2B5EF4-FFF2-40B4-BE49-F238E27FC236}">
-                <a16:creationId xmlns:a16="http://schemas.microsoft.com/office/drawing/2014/main" id="{E43C5EA3-D91E-9A6F-7B9B-E78ADEE76003}"/>
-              </a:ext>
-            </a:extLst>
-          </p:cNvPr>
-          <p:cNvSpPr>
-            <a:spLocks noGrp="1"/>
-          </p:cNvSpPr>
-          <p:nvPr>
-            <p:ph idx="1"/>
-          </p:nvPr>
-        </p:nvSpPr>
-        <p:spPr/>
-        <p:txBody>
-          <a:bodyPr>
-            <a:normAutofit/>
-          </a:bodyPr>
-          <a:lstStyle/>
-          <a:p>
-            <a:r>
-              <a:rPr lang="en-CA" dirty="0"/>
-              <a:t>Does our find application work with a file? </a:t>
-            </a:r>
-          </a:p>
-          <a:p>
-            <a:r>
-              <a:rPr lang="en-CA" dirty="0"/>
-              <a:t>Does our find application work with standard input? </a:t>
-            </a:r>
-          </a:p>
-          <a:p>
-            <a:r>
-              <a:rPr lang="en-CA" dirty="0"/>
-              <a:t>Does our find algorithm find? </a:t>
-            </a:r>
-          </a:p>
-          <a:p>
-            <a:r>
-              <a:rPr lang="en-CA" dirty="0"/>
-              <a:t>Does our sort application sort?</a:t>
-            </a:r>
-          </a:p>
-          <a:p>
-            <a:r>
-              <a:rPr lang="en-CA" dirty="0"/>
-              <a:t>Does our sort application work with a file?</a:t>
-            </a:r>
-          </a:p>
-          <a:p>
-            <a:r>
-              <a:rPr lang="en-CA" dirty="0"/>
-              <a:t>Does our sort application work with standard input?</a:t>
-            </a:r>
-          </a:p>
-          <a:p>
-            <a:r>
-              <a:rPr lang="en-CA" dirty="0"/>
-              <a:t>Does our sort algorithm sort?</a:t>
-            </a:r>
-          </a:p>
-          <a:p>
-            <a:r>
-              <a:rPr lang="en-CA" dirty="0"/>
-              <a:t>Do our applications output help?</a:t>
-            </a:r>
-          </a:p>
-        </p:txBody>
-      </p:sp>
-    </p:spTree>
-    <p:extLst>
-      <p:ext uri="{BB962C8B-B14F-4D97-AF65-F5344CB8AC3E}">
-        <p14:creationId xmlns:p14="http://schemas.microsoft.com/office/powerpoint/2010/main" val="699032528"/>
-      </p:ext>
-    </p:extLst>
-  </p:cSld>
-  <p:clrMapOvr>
-    <a:masterClrMapping/>
-  </p:clrMapOvr>
-</p:sld>
-</file>
-
-<file path=ppt/slides/slide21.xml><?xml version="1.0" encoding="utf-8"?>
-<p:sld xmlns:a="http://schemas.openxmlformats.org/drawingml/2006/main" xmlns:r="http://schemas.openxmlformats.org/officeDocument/2006/relationships" xmlns:p="http://schemas.openxmlformats.org/presentationml/2006/main">
-  <p:cSld>
-    <p:spTree>
-      <p:nvGrpSpPr>
-        <p:cNvPr id="1" name=""/>
-        <p:cNvGrpSpPr/>
-        <p:nvPr/>
-      </p:nvGrpSpPr>
-      <p:grpSpPr>
-        <a:xfrm>
-          <a:off x="0" y="0"/>
-          <a:ext cx="0" cy="0"/>
-          <a:chOff x="0" y="0"/>
-          <a:chExt cx="0" cy="0"/>
-        </a:xfrm>
-      </p:grpSpPr>
-      <p:sp>
-        <p:nvSpPr>
-          <p:cNvPr id="2" name="Title 1">
-            <a:extLst>
-              <a:ext uri="{FF2B5EF4-FFF2-40B4-BE49-F238E27FC236}">
-                <a16:creationId xmlns:a16="http://schemas.microsoft.com/office/drawing/2014/main" id="{F7414F00-3386-1765-DF3C-1E284769C714}"/>
-              </a:ext>
-            </a:extLst>
-          </p:cNvPr>
-          <p:cNvSpPr>
-            <a:spLocks noGrp="1"/>
-          </p:cNvSpPr>
-          <p:nvPr>
-            <p:ph type="title"/>
-          </p:nvPr>
-        </p:nvSpPr>
-        <p:spPr/>
-        <p:txBody>
-          <a:bodyPr/>
-          <a:lstStyle/>
-          <a:p>
-            <a:r>
-              <a:rPr lang="en-CA" dirty="0"/>
-              <a:t>Redirecting Standard Input</a:t>
-            </a:r>
-          </a:p>
-        </p:txBody>
-      </p:sp>
-      <p:sp>
-        <p:nvSpPr>
-          <p:cNvPr id="3" name="Content Placeholder 2">
-            <a:extLst>
-              <a:ext uri="{FF2B5EF4-FFF2-40B4-BE49-F238E27FC236}">
-                <a16:creationId xmlns:a16="http://schemas.microsoft.com/office/drawing/2014/main" id="{9203F17B-1107-2DA6-9454-FAF2B14358FA}"/>
-              </a:ext>
-            </a:extLst>
-          </p:cNvPr>
-          <p:cNvSpPr>
-            <a:spLocks noGrp="1"/>
-          </p:cNvSpPr>
-          <p:nvPr>
-            <p:ph idx="1"/>
-          </p:nvPr>
-        </p:nvSpPr>
-        <p:spPr/>
-        <p:txBody>
-          <a:bodyPr/>
-          <a:lstStyle/>
-          <a:p>
-            <a:r>
-              <a:rPr lang="en-CA" dirty="0">
-                <a:hlinkClick r:id="rId2"/>
-              </a:rPr>
-              <a:t>https://learn.microsoft.com/en-us/dotnet/api/system.console.setin?view=net-7.0</a:t>
-            </a:r>
-            <a:r>
-              <a:rPr lang="en-CA" dirty="0"/>
-              <a:t> </a:t>
-            </a:r>
-          </a:p>
-          <a:p>
-            <a:r>
-              <a:rPr lang="en-CA" dirty="0" err="1"/>
-              <a:t>Console.SetIn</a:t>
-            </a:r>
-            <a:r>
-              <a:rPr lang="en-CA" dirty="0"/>
-              <a:t> </a:t>
-            </a:r>
-          </a:p>
-        </p:txBody>
-      </p:sp>
-    </p:spTree>
-    <p:extLst>
-      <p:ext uri="{BB962C8B-B14F-4D97-AF65-F5344CB8AC3E}">
-        <p14:creationId xmlns:p14="http://schemas.microsoft.com/office/powerpoint/2010/main" val="82518673"/>
-      </p:ext>
-    </p:extLst>
-  </p:cSld>
-  <p:clrMapOvr>
-    <a:masterClrMapping/>
-  </p:clrMapOvr>
-</p:sld>
-</file>
-
-<file path=ppt/slides/slide22.xml><?xml version="1.0" encoding="utf-8"?>
-<p:sld xmlns:a="http://schemas.openxmlformats.org/drawingml/2006/main" xmlns:r="http://schemas.openxmlformats.org/officeDocument/2006/relationships" xmlns:p="http://schemas.openxmlformats.org/presentationml/2006/main">
-  <p:cSld>
-    <p:spTree>
-      <p:nvGrpSpPr>
-        <p:cNvPr id="1" name=""/>
-        <p:cNvGrpSpPr/>
-        <p:nvPr/>
-      </p:nvGrpSpPr>
-      <p:grpSpPr>
-        <a:xfrm>
-          <a:off x="0" y="0"/>
-          <a:ext cx="0" cy="0"/>
-          <a:chOff x="0" y="0"/>
-          <a:chExt cx="0" cy="0"/>
-        </a:xfrm>
-      </p:grpSpPr>
-      <p:sp>
-        <p:nvSpPr>
-          <p:cNvPr id="2" name="Title 1">
-            <a:extLst>
-              <a:ext uri="{FF2B5EF4-FFF2-40B4-BE49-F238E27FC236}">
-                <a16:creationId xmlns:a16="http://schemas.microsoft.com/office/drawing/2014/main" id="{DE5D5A38-0A40-13F4-CCEA-53E79481EC94}"/>
-              </a:ext>
-            </a:extLst>
-          </p:cNvPr>
-          <p:cNvSpPr>
-            <a:spLocks noGrp="1"/>
-          </p:cNvSpPr>
-          <p:nvPr>
-            <p:ph type="title"/>
-          </p:nvPr>
-        </p:nvSpPr>
-        <p:spPr/>
-        <p:txBody>
-          <a:bodyPr/>
-          <a:lstStyle/>
-          <a:p>
-            <a:r>
-              <a:rPr lang="en-CA" dirty="0"/>
-              <a:t>A Program to Test the Standard Output</a:t>
-            </a:r>
-          </a:p>
-        </p:txBody>
-      </p:sp>
-      <p:sp>
-        <p:nvSpPr>
-          <p:cNvPr id="3" name="Content Placeholder 2">
-            <a:extLst>
-              <a:ext uri="{FF2B5EF4-FFF2-40B4-BE49-F238E27FC236}">
-                <a16:creationId xmlns:a16="http://schemas.microsoft.com/office/drawing/2014/main" id="{2EC64B3B-5E06-7358-C6B5-228F6B14A460}"/>
-              </a:ext>
-            </a:extLst>
-          </p:cNvPr>
-          <p:cNvSpPr>
-            <a:spLocks noGrp="1"/>
-          </p:cNvSpPr>
-          <p:nvPr>
-            <p:ph idx="1"/>
-          </p:nvPr>
-        </p:nvSpPr>
-        <p:spPr/>
-        <p:txBody>
-          <a:bodyPr/>
-          <a:lstStyle/>
-          <a:p>
-            <a:r>
-              <a:rPr lang="en-CA" dirty="0"/>
-              <a:t>Column display program</a:t>
-            </a:r>
-          </a:p>
-        </p:txBody>
-      </p:sp>
-    </p:spTree>
-    <p:extLst>
-      <p:ext uri="{BB962C8B-B14F-4D97-AF65-F5344CB8AC3E}">
-        <p14:creationId xmlns:p14="http://schemas.microsoft.com/office/powerpoint/2010/main" val="1364922393"/>
-      </p:ext>
-    </p:extLst>
-  </p:cSld>
-  <p:clrMapOvr>
-    <a:masterClrMapping/>
-  </p:clrMapOvr>
-</p:sld>
-</file>
-
-<file path=ppt/slides/slide23.xml><?xml version="1.0" encoding="utf-8"?>
-<p:sld xmlns:a="http://schemas.openxmlformats.org/drawingml/2006/main" xmlns:r="http://schemas.openxmlformats.org/officeDocument/2006/relationships" xmlns:p="http://schemas.openxmlformats.org/presentationml/2006/main">
-  <p:cSld>
-    <p:spTree>
-      <p:nvGrpSpPr>
-        <p:cNvPr id="1" name=""/>
-        <p:cNvGrpSpPr/>
-        <p:nvPr/>
-      </p:nvGrpSpPr>
-      <p:grpSpPr>
-        <a:xfrm>
-          <a:off x="0" y="0"/>
-          <a:ext cx="0" cy="0"/>
-          <a:chOff x="0" y="0"/>
-          <a:chExt cx="0" cy="0"/>
-        </a:xfrm>
-      </p:grpSpPr>
-      <p:sp>
-        <p:nvSpPr>
-          <p:cNvPr id="2" name="Title 1">
-            <a:extLst>
-              <a:ext uri="{FF2B5EF4-FFF2-40B4-BE49-F238E27FC236}">
-                <a16:creationId xmlns:a16="http://schemas.microsoft.com/office/drawing/2014/main" id="{BBCB0622-F55D-7F6B-03FE-8F4B6583513E}"/>
-              </a:ext>
-            </a:extLst>
-          </p:cNvPr>
-          <p:cNvSpPr>
-            <a:spLocks noGrp="1"/>
-          </p:cNvSpPr>
-          <p:nvPr>
-            <p:ph type="title"/>
-          </p:nvPr>
-        </p:nvSpPr>
-        <p:spPr/>
-        <p:txBody>
-          <a:bodyPr/>
-          <a:lstStyle/>
-          <a:p>
-            <a:r>
-              <a:rPr lang="en-CA" dirty="0"/>
-              <a:t>Command Line Arguments and </a:t>
-            </a:r>
-            <a:br>
-              <a:rPr lang="en-CA" dirty="0"/>
-            </a:br>
-            <a:r>
-              <a:rPr lang="en-CA" dirty="0"/>
-              <a:t>Standard Input Stream</a:t>
-            </a:r>
-          </a:p>
-        </p:txBody>
-      </p:sp>
-      <p:sp>
-        <p:nvSpPr>
-          <p:cNvPr id="3" name="Content Placeholder 2">
-            <a:extLst>
-              <a:ext uri="{FF2B5EF4-FFF2-40B4-BE49-F238E27FC236}">
-                <a16:creationId xmlns:a16="http://schemas.microsoft.com/office/drawing/2014/main" id="{97708640-F9A0-6CC8-692D-DA0BBCE23A6D}"/>
-              </a:ext>
-            </a:extLst>
-          </p:cNvPr>
-          <p:cNvSpPr>
-            <a:spLocks noGrp="1"/>
-          </p:cNvSpPr>
-          <p:nvPr>
-            <p:ph idx="1"/>
-          </p:nvPr>
-        </p:nvSpPr>
-        <p:spPr/>
-        <p:txBody>
-          <a:bodyPr/>
-          <a:lstStyle/>
-          <a:p>
-            <a:endParaRPr lang="en-CA" dirty="0"/>
-          </a:p>
-        </p:txBody>
-      </p:sp>
-    </p:spTree>
-    <p:extLst>
-      <p:ext uri="{BB962C8B-B14F-4D97-AF65-F5344CB8AC3E}">
-        <p14:creationId xmlns:p14="http://schemas.microsoft.com/office/powerpoint/2010/main" val="2231478028"/>
-      </p:ext>
-    </p:extLst>
-  </p:cSld>
-  <p:clrMapOvr>
-    <a:masterClrMapping/>
-  </p:clrMapOvr>
-</p:sld>
-</file>
-
-<file path=ppt/slides/slide24.xml><?xml version="1.0" encoding="utf-8"?>
-<p:sld xmlns:a="http://schemas.openxmlformats.org/drawingml/2006/main" xmlns:r="http://schemas.openxmlformats.org/officeDocument/2006/relationships" xmlns:p="http://schemas.openxmlformats.org/presentationml/2006/main">
-  <p:cSld>
-    <p:spTree>
-      <p:nvGrpSpPr>
-        <p:cNvPr id="1" name=""/>
-        <p:cNvGrpSpPr/>
-        <p:nvPr/>
-      </p:nvGrpSpPr>
-      <p:grpSpPr>
-        <a:xfrm>
-          <a:off x="0" y="0"/>
-          <a:ext cx="0" cy="0"/>
-          <a:chOff x="0" y="0"/>
-          <a:chExt cx="0" cy="0"/>
-        </a:xfrm>
-      </p:grpSpPr>
-      <p:sp>
-        <p:nvSpPr>
-          <p:cNvPr id="2" name="Title 1">
-            <a:extLst>
-              <a:ext uri="{FF2B5EF4-FFF2-40B4-BE49-F238E27FC236}">
-                <a16:creationId xmlns:a16="http://schemas.microsoft.com/office/drawing/2014/main" id="{80B15FD4-EFBF-7ADB-A500-DEB5E650981D}"/>
-              </a:ext>
-            </a:extLst>
-          </p:cNvPr>
-          <p:cNvSpPr>
-            <a:spLocks noGrp="1"/>
-          </p:cNvSpPr>
-          <p:nvPr>
-            <p:ph type="title"/>
-          </p:nvPr>
-        </p:nvSpPr>
-        <p:spPr/>
-        <p:txBody>
-          <a:bodyPr/>
-          <a:lstStyle/>
-          <a:p>
-            <a:r>
-              <a:rPr lang="en-CA" dirty="0"/>
-              <a:t>Sharing Code</a:t>
-            </a:r>
-          </a:p>
-        </p:txBody>
-      </p:sp>
-      <p:sp>
-        <p:nvSpPr>
-          <p:cNvPr id="3" name="Content Placeholder 2">
-            <a:extLst>
-              <a:ext uri="{FF2B5EF4-FFF2-40B4-BE49-F238E27FC236}">
-                <a16:creationId xmlns:a16="http://schemas.microsoft.com/office/drawing/2014/main" id="{547F7E49-2580-1239-7228-BE0B2244D5F8}"/>
-              </a:ext>
-            </a:extLst>
-          </p:cNvPr>
-          <p:cNvSpPr>
-            <a:spLocks noGrp="1"/>
-          </p:cNvSpPr>
-          <p:nvPr>
-            <p:ph idx="1"/>
-          </p:nvPr>
-        </p:nvSpPr>
-        <p:spPr/>
-        <p:txBody>
-          <a:bodyPr/>
-          <a:lstStyle/>
-          <a:p>
-            <a:r>
-              <a:rPr lang="en-CA" dirty="0"/>
-              <a:t>Putting a function in one library and using it across </a:t>
-            </a:r>
-          </a:p>
-        </p:txBody>
-      </p:sp>
-    </p:spTree>
-    <p:extLst>
-      <p:ext uri="{BB962C8B-B14F-4D97-AF65-F5344CB8AC3E}">
-        <p14:creationId xmlns:p14="http://schemas.microsoft.com/office/powerpoint/2010/main" val="3135880756"/>
-      </p:ext>
-    </p:extLst>
-  </p:cSld>
-  <p:clrMapOvr>
-    <a:masterClrMapping/>
-  </p:clrMapOvr>
-</p:sld>
-</file>
-
-<file path=ppt/slides/slide25.xml><?xml version="1.0" encoding="utf-8"?>
-<p:sld xmlns:a="http://schemas.openxmlformats.org/drawingml/2006/main" xmlns:r="http://schemas.openxmlformats.org/officeDocument/2006/relationships" xmlns:p="http://schemas.openxmlformats.org/presentationml/2006/main">
-  <p:cSld>
-    <p:spTree>
-      <p:nvGrpSpPr>
-        <p:cNvPr id="1" name=""/>
-        <p:cNvGrpSpPr/>
-        <p:nvPr/>
-      </p:nvGrpSpPr>
-      <p:grpSpPr>
-        <a:xfrm>
-          <a:off x="0" y="0"/>
-          <a:ext cx="0" cy="0"/>
-          <a:chOff x="0" y="0"/>
-          <a:chExt cx="0" cy="0"/>
-        </a:xfrm>
-      </p:grpSpPr>
-      <p:sp>
-        <p:nvSpPr>
-          <p:cNvPr id="2" name="Title 1">
-            <a:extLst>
-              <a:ext uri="{FF2B5EF4-FFF2-40B4-BE49-F238E27FC236}">
-                <a16:creationId xmlns:a16="http://schemas.microsoft.com/office/drawing/2014/main" id="{EB6B7552-307F-6B16-8385-E974F9C2AD93}"/>
-              </a:ext>
-            </a:extLst>
-          </p:cNvPr>
-          <p:cNvSpPr>
-            <a:spLocks noGrp="1"/>
-          </p:cNvSpPr>
-          <p:nvPr>
-            <p:ph type="title"/>
-          </p:nvPr>
-        </p:nvSpPr>
-        <p:spPr/>
-        <p:txBody>
-          <a:bodyPr/>
-          <a:lstStyle/>
-          <a:p>
-            <a:r>
-              <a:rPr lang="en-CA" dirty="0"/>
-              <a:t>Representing Files and Directories</a:t>
-            </a:r>
-          </a:p>
-        </p:txBody>
-      </p:sp>
-      <p:sp>
-        <p:nvSpPr>
-          <p:cNvPr id="3" name="Content Placeholder 2">
-            <a:extLst>
-              <a:ext uri="{FF2B5EF4-FFF2-40B4-BE49-F238E27FC236}">
-                <a16:creationId xmlns:a16="http://schemas.microsoft.com/office/drawing/2014/main" id="{10D6F4AC-1C5E-61F2-1EB7-8935641475B8}"/>
-              </a:ext>
-            </a:extLst>
-          </p:cNvPr>
-          <p:cNvSpPr>
-            <a:spLocks noGrp="1"/>
-          </p:cNvSpPr>
-          <p:nvPr>
-            <p:ph idx="1"/>
-          </p:nvPr>
-        </p:nvSpPr>
-        <p:spPr/>
-        <p:txBody>
-          <a:bodyPr/>
-          <a:lstStyle/>
-          <a:p>
-            <a:endParaRPr lang="en-CA" dirty="0"/>
-          </a:p>
-        </p:txBody>
-      </p:sp>
-    </p:spTree>
-    <p:extLst>
-      <p:ext uri="{BB962C8B-B14F-4D97-AF65-F5344CB8AC3E}">
-        <p14:creationId xmlns:p14="http://schemas.microsoft.com/office/powerpoint/2010/main" val="3141415344"/>
-      </p:ext>
-    </p:extLst>
-  </p:cSld>
-  <p:clrMapOvr>
-    <a:masterClrMapping/>
-  </p:clrMapOvr>
-</p:sld>
-</file>
-
-<file path=ppt/slides/slide26.xml><?xml version="1.0" encoding="utf-8"?>
-<p:sld xmlns:a="http://schemas.openxmlformats.org/drawingml/2006/main" xmlns:r="http://schemas.openxmlformats.org/officeDocument/2006/relationships" xmlns:p="http://schemas.openxmlformats.org/presentationml/2006/main">
-  <p:cSld>
-    <p:spTree>
-      <p:nvGrpSpPr>
-        <p:cNvPr id="1" name=""/>
-        <p:cNvGrpSpPr/>
-        <p:nvPr/>
-      </p:nvGrpSpPr>
-      <p:grpSpPr>
-        <a:xfrm>
-          <a:off x="0" y="0"/>
-          <a:ext cx="0" cy="0"/>
-          <a:chOff x="0" y="0"/>
-          <a:chExt cx="0" cy="0"/>
-        </a:xfrm>
-      </p:grpSpPr>
-      <p:sp>
-        <p:nvSpPr>
-          <p:cNvPr id="2" name="Title 1">
-            <a:extLst>
-              <a:ext uri="{FF2B5EF4-FFF2-40B4-BE49-F238E27FC236}">
-                <a16:creationId xmlns:a16="http://schemas.microsoft.com/office/drawing/2014/main" id="{F0CE733F-FF31-AA43-ADA6-AE00E8D0FA53}"/>
-              </a:ext>
-            </a:extLst>
-          </p:cNvPr>
-          <p:cNvSpPr>
-            <a:spLocks noGrp="1"/>
-          </p:cNvSpPr>
-          <p:nvPr>
-            <p:ph type="title"/>
-          </p:nvPr>
-        </p:nvSpPr>
-        <p:spPr/>
-        <p:txBody>
-          <a:bodyPr/>
-          <a:lstStyle/>
-          <a:p>
-            <a:r>
-              <a:rPr lang="en-CA" dirty="0"/>
-              <a:t>Creating an options class</a:t>
-            </a:r>
-          </a:p>
-        </p:txBody>
-      </p:sp>
-      <p:sp>
-        <p:nvSpPr>
-          <p:cNvPr id="3" name="Content Placeholder 2">
-            <a:extLst>
-              <a:ext uri="{FF2B5EF4-FFF2-40B4-BE49-F238E27FC236}">
-                <a16:creationId xmlns:a16="http://schemas.microsoft.com/office/drawing/2014/main" id="{2C9918FB-EAB8-2181-FAA4-1459BE21215F}"/>
-              </a:ext>
-            </a:extLst>
-          </p:cNvPr>
-          <p:cNvSpPr>
-            <a:spLocks noGrp="1"/>
-          </p:cNvSpPr>
-          <p:nvPr>
-            <p:ph idx="1"/>
-          </p:nvPr>
-        </p:nvSpPr>
-        <p:spPr/>
-        <p:txBody>
-          <a:bodyPr/>
-          <a:lstStyle/>
-          <a:p>
-            <a:endParaRPr lang="en-CA" dirty="0"/>
-          </a:p>
-        </p:txBody>
-      </p:sp>
-    </p:spTree>
-    <p:extLst>
-      <p:ext uri="{BB962C8B-B14F-4D97-AF65-F5344CB8AC3E}">
-        <p14:creationId xmlns:p14="http://schemas.microsoft.com/office/powerpoint/2010/main" val="3125371120"/>
-      </p:ext>
-    </p:extLst>
-  </p:cSld>
-  <p:clrMapOvr>
-    <a:masterClrMapping/>
-  </p:clrMapOvr>
-</p:sld>
-</file>
-
-<file path=ppt/slides/slide27.xml><?xml version="1.0" encoding="utf-8"?>
-<p:sld xmlns:a="http://schemas.openxmlformats.org/drawingml/2006/main" xmlns:r="http://schemas.openxmlformats.org/officeDocument/2006/relationships" xmlns:p="http://schemas.openxmlformats.org/presentationml/2006/main">
-  <p:cSld>
-    <p:spTree>
-      <p:nvGrpSpPr>
-        <p:cNvPr id="1" name=""/>
-        <p:cNvGrpSpPr/>
-        <p:nvPr/>
-      </p:nvGrpSpPr>
-      <p:grpSpPr>
-        <a:xfrm>
-          <a:off x="0" y="0"/>
-          <a:ext cx="0" cy="0"/>
-          <a:chOff x="0" y="0"/>
-          <a:chExt cx="0" cy="0"/>
-        </a:xfrm>
-      </p:grpSpPr>
-      <p:sp>
-        <p:nvSpPr>
-          <p:cNvPr id="2" name="Title 1">
-            <a:extLst>
-              <a:ext uri="{FF2B5EF4-FFF2-40B4-BE49-F238E27FC236}">
-                <a16:creationId xmlns:a16="http://schemas.microsoft.com/office/drawing/2014/main" id="{DF05B13C-09EE-5235-6857-FD7F07DB36F4}"/>
-              </a:ext>
-            </a:extLst>
-          </p:cNvPr>
-          <p:cNvSpPr>
-            <a:spLocks noGrp="1"/>
-          </p:cNvSpPr>
-          <p:nvPr>
-            <p:ph type="title"/>
-          </p:nvPr>
-        </p:nvSpPr>
-        <p:spPr/>
-        <p:txBody>
-          <a:bodyPr/>
-          <a:lstStyle/>
-          <a:p>
-            <a:r>
-              <a:rPr lang="en-CA" dirty="0"/>
-              <a:t>What could we share? </a:t>
-            </a:r>
-          </a:p>
-        </p:txBody>
-      </p:sp>
-      <p:sp>
-        <p:nvSpPr>
-          <p:cNvPr id="3" name="Content Placeholder 2">
-            <a:extLst>
-              <a:ext uri="{FF2B5EF4-FFF2-40B4-BE49-F238E27FC236}">
-                <a16:creationId xmlns:a16="http://schemas.microsoft.com/office/drawing/2014/main" id="{92DE2E38-00CC-AF0F-34E4-B766E05EAF22}"/>
-              </a:ext>
-            </a:extLst>
-          </p:cNvPr>
-          <p:cNvSpPr>
-            <a:spLocks noGrp="1"/>
-          </p:cNvSpPr>
-          <p:nvPr>
-            <p:ph idx="1"/>
-          </p:nvPr>
-        </p:nvSpPr>
-        <p:spPr/>
-        <p:txBody>
-          <a:bodyPr/>
-          <a:lstStyle/>
-          <a:p>
-            <a:r>
-              <a:rPr lang="en-CA" dirty="0"/>
-              <a:t>Read a file into lines</a:t>
-            </a:r>
-          </a:p>
-          <a:p>
-            <a:r>
-              <a:rPr lang="en-CA" dirty="0"/>
-              <a:t>Read standard input into lines</a:t>
-            </a:r>
-          </a:p>
-          <a:p>
-            <a:r>
-              <a:rPr lang="en-CA" dirty="0"/>
-              <a:t>Output lines to standard </a:t>
-            </a:r>
-          </a:p>
-          <a:p>
-            <a:r>
-              <a:rPr lang="en-CA" dirty="0"/>
-              <a:t>Look at command line arguments</a:t>
-            </a:r>
-          </a:p>
-          <a:p>
-            <a:r>
-              <a:rPr lang="en-CA" dirty="0"/>
-              <a:t> </a:t>
-            </a:r>
-          </a:p>
-        </p:txBody>
-      </p:sp>
-    </p:spTree>
-    <p:extLst>
-      <p:ext uri="{BB962C8B-B14F-4D97-AF65-F5344CB8AC3E}">
-        <p14:creationId xmlns:p14="http://schemas.microsoft.com/office/powerpoint/2010/main" val="372974534"/>
-      </p:ext>
-    </p:extLst>
-  </p:cSld>
-  <p:clrMapOvr>
-    <a:masterClrMapping/>
-  </p:clrMapOvr>
-</p:sld>
-</file>
-
-<file path=ppt/slides/slide28.xml><?xml version="1.0" encoding="utf-8"?>
-<p:sld xmlns:a="http://schemas.openxmlformats.org/drawingml/2006/main" xmlns:r="http://schemas.openxmlformats.org/officeDocument/2006/relationships" xmlns:p="http://schemas.openxmlformats.org/presentationml/2006/main">
-  <p:cSld>
-    <p:spTree>
-      <p:nvGrpSpPr>
-        <p:cNvPr id="1" name=""/>
-        <p:cNvGrpSpPr/>
-        <p:nvPr/>
-      </p:nvGrpSpPr>
-      <p:grpSpPr>
-        <a:xfrm>
-          <a:off x="0" y="0"/>
-          <a:ext cx="0" cy="0"/>
-          <a:chOff x="0" y="0"/>
-          <a:chExt cx="0" cy="0"/>
-        </a:xfrm>
-      </p:grpSpPr>
-      <p:sp>
-        <p:nvSpPr>
-          <p:cNvPr id="2" name="Title 1">
-            <a:extLst>
-              <a:ext uri="{FF2B5EF4-FFF2-40B4-BE49-F238E27FC236}">
-                <a16:creationId xmlns:a16="http://schemas.microsoft.com/office/drawing/2014/main" id="{D25B125D-1D0E-A1A3-A869-57A7B62D34EF}"/>
-              </a:ext>
-            </a:extLst>
-          </p:cNvPr>
-          <p:cNvSpPr>
-            <a:spLocks noGrp="1"/>
-          </p:cNvSpPr>
-          <p:nvPr>
-            <p:ph type="title"/>
-          </p:nvPr>
-        </p:nvSpPr>
-        <p:spPr/>
-        <p:txBody>
-          <a:bodyPr/>
-          <a:lstStyle/>
-          <a:p>
-            <a:r>
-              <a:rPr lang="en-CA" dirty="0"/>
-              <a:t>What is expected</a:t>
-            </a:r>
-          </a:p>
-        </p:txBody>
-      </p:sp>
-      <p:sp>
-        <p:nvSpPr>
-          <p:cNvPr id="3" name="Content Placeholder 2">
-            <a:extLst>
-              <a:ext uri="{FF2B5EF4-FFF2-40B4-BE49-F238E27FC236}">
-                <a16:creationId xmlns:a16="http://schemas.microsoft.com/office/drawing/2014/main" id="{6CAC9595-A818-E549-0883-88873EEA401E}"/>
-              </a:ext>
-            </a:extLst>
-          </p:cNvPr>
-          <p:cNvSpPr>
-            <a:spLocks noGrp="1"/>
-          </p:cNvSpPr>
-          <p:nvPr>
-            <p:ph idx="1"/>
-          </p:nvPr>
-        </p:nvSpPr>
-        <p:spPr/>
-        <p:txBody>
-          <a:bodyPr/>
-          <a:lstStyle/>
-          <a:p>
-            <a:r>
-              <a:rPr lang="en-CA" dirty="0"/>
-              <a:t>Shared code: </a:t>
-            </a:r>
-          </a:p>
-          <a:p>
-            <a:pPr lvl="1"/>
-            <a:r>
-              <a:rPr lang="en-CA" dirty="0"/>
-              <a:t>Parse command line arguments</a:t>
-            </a:r>
-          </a:p>
-          <a:p>
-            <a:pPr lvl="1"/>
-            <a:r>
-              <a:rPr lang="en-CA" dirty="0"/>
-              <a:t>Sort strings</a:t>
-            </a:r>
-          </a:p>
-          <a:p>
-            <a:pPr lvl="1"/>
-            <a:r>
-              <a:rPr lang="en-CA" dirty="0"/>
-              <a:t>Filter strings</a:t>
-            </a:r>
-          </a:p>
-          <a:p>
-            <a:pPr lvl="1"/>
-            <a:endParaRPr lang="en-CA" dirty="0"/>
-          </a:p>
-          <a:p>
-            <a:r>
-              <a:rPr lang="en-CA" dirty="0"/>
-              <a:t>Unit test</a:t>
-            </a:r>
-          </a:p>
-          <a:p>
-            <a:endParaRPr lang="en-CA" dirty="0"/>
-          </a:p>
-        </p:txBody>
-      </p:sp>
-    </p:spTree>
-    <p:extLst>
-      <p:ext uri="{BB962C8B-B14F-4D97-AF65-F5344CB8AC3E}">
-        <p14:creationId xmlns:p14="http://schemas.microsoft.com/office/powerpoint/2010/main" val="1219916328"/>
-      </p:ext>
-    </p:extLst>
-  </p:cSld>
-  <p:clrMapOvr>
-    <a:masterClrMapping/>
-  </p:clrMapOvr>
-</p:sld>
-</file>
-
-<file path=ppt/slides/slide29.xml><?xml version="1.0" encoding="utf-8"?>
-<p:sld xmlns:a="http://schemas.openxmlformats.org/drawingml/2006/main" xmlns:r="http://schemas.openxmlformats.org/officeDocument/2006/relationships" xmlns:p="http://schemas.openxmlformats.org/presentationml/2006/main">
-  <p:cSld>
-    <p:spTree>
-      <p:nvGrpSpPr>
-        <p:cNvPr id="1" name=""/>
-        <p:cNvGrpSpPr/>
-        <p:nvPr/>
-      </p:nvGrpSpPr>
-      <p:grpSpPr>
-        <a:xfrm>
-          <a:off x="0" y="0"/>
-          <a:ext cx="0" cy="0"/>
-          <a:chOff x="0" y="0"/>
-          <a:chExt cx="0" cy="0"/>
-        </a:xfrm>
-      </p:grpSpPr>
-      <p:sp>
-        <p:nvSpPr>
-          <p:cNvPr id="2" name="Title 1">
-            <a:extLst>
-              <a:ext uri="{FF2B5EF4-FFF2-40B4-BE49-F238E27FC236}">
-                <a16:creationId xmlns:a16="http://schemas.microsoft.com/office/drawing/2014/main" id="{9393EB4D-A329-469C-DE9F-97F061D415FB}"/>
-              </a:ext>
-            </a:extLst>
-          </p:cNvPr>
-          <p:cNvSpPr>
-            <a:spLocks noGrp="1"/>
-          </p:cNvSpPr>
-          <p:nvPr>
-            <p:ph type="title"/>
-          </p:nvPr>
-        </p:nvSpPr>
-        <p:spPr/>
-        <p:txBody>
-          <a:bodyPr/>
-          <a:lstStyle/>
-          <a:p>
-            <a:r>
-              <a:rPr lang="en-CA" dirty="0"/>
-              <a:t>Writing Functions</a:t>
-            </a:r>
-          </a:p>
-        </p:txBody>
-      </p:sp>
-      <p:sp>
-        <p:nvSpPr>
-          <p:cNvPr id="3" name="Content Placeholder 2">
-            <a:extLst>
-              <a:ext uri="{FF2B5EF4-FFF2-40B4-BE49-F238E27FC236}">
-                <a16:creationId xmlns:a16="http://schemas.microsoft.com/office/drawing/2014/main" id="{F31FF7D6-0302-F3A6-315F-76387EDA05A6}"/>
-              </a:ext>
-            </a:extLst>
-          </p:cNvPr>
-          <p:cNvSpPr>
-            <a:spLocks noGrp="1"/>
-          </p:cNvSpPr>
-          <p:nvPr>
-            <p:ph idx="1"/>
-          </p:nvPr>
-        </p:nvSpPr>
-        <p:spPr/>
-        <p:txBody>
-          <a:bodyPr/>
-          <a:lstStyle/>
-          <a:p>
-            <a:endParaRPr lang="en-CA" dirty="0"/>
-          </a:p>
-        </p:txBody>
-      </p:sp>
-    </p:spTree>
-    <p:extLst>
-      <p:ext uri="{BB962C8B-B14F-4D97-AF65-F5344CB8AC3E}">
-        <p14:creationId xmlns:p14="http://schemas.microsoft.com/office/powerpoint/2010/main" val="3027104610"/>
+        <p14:creationId xmlns:p14="http://schemas.microsoft.com/office/powerpoint/2010/main" val="519793894"/>
       </p:ext>
     </p:extLst>
   </p:cSld>
@@ -6197,10 +9150,10 @@
       </p:grpSpPr>
       <p:sp>
         <p:nvSpPr>
-          <p:cNvPr id="4" name="Title 3">
+          <p:cNvPr id="2" name="Title 1">
             <a:extLst>
               <a:ext uri="{FF2B5EF4-FFF2-40B4-BE49-F238E27FC236}">
-                <a16:creationId xmlns:a16="http://schemas.microsoft.com/office/drawing/2014/main" id="{5931257C-EAAB-43F0-BDC9-8651A2E42B3C}"/>
+                <a16:creationId xmlns:a16="http://schemas.microsoft.com/office/drawing/2014/main" id="{22F2DFBB-5245-458F-32C6-3EFD22FB2478}"/>
               </a:ext>
             </a:extLst>
           </p:cNvPr>
@@ -6218,161 +9171,7 @@
           <a:p>
             <a:r>
               <a:rPr lang="en-CA" dirty="0"/>
-              <a:t>Assignment #1 Review</a:t>
-            </a:r>
-          </a:p>
-        </p:txBody>
-      </p:sp>
-      <p:sp>
-        <p:nvSpPr>
-          <p:cNvPr id="5" name="Content Placeholder 4">
-            <a:extLst>
-              <a:ext uri="{FF2B5EF4-FFF2-40B4-BE49-F238E27FC236}">
-                <a16:creationId xmlns:a16="http://schemas.microsoft.com/office/drawing/2014/main" id="{CBF32391-809A-78E4-078E-DF91CDA86088}"/>
-              </a:ext>
-            </a:extLst>
-          </p:cNvPr>
-          <p:cNvSpPr>
-            <a:spLocks noGrp="1"/>
-          </p:cNvSpPr>
-          <p:nvPr>
-            <p:ph idx="1"/>
-          </p:nvPr>
-        </p:nvSpPr>
-        <p:spPr>
-          <a:xfrm>
-            <a:off x="1714501" y="3086100"/>
-            <a:ext cx="6743699" cy="6057900"/>
-          </a:xfrm>
-        </p:spPr>
-        <p:txBody>
-          <a:bodyPr/>
-          <a:lstStyle/>
-          <a:p>
-            <a:r>
-              <a:rPr lang="en-CA" dirty="0"/>
-              <a:t>What were the instructions? </a:t>
-            </a:r>
-          </a:p>
-          <a:p>
-            <a:r>
-              <a:rPr lang="en-CA" dirty="0"/>
-              <a:t>Command-line arguments</a:t>
-            </a:r>
-          </a:p>
-          <a:p>
-            <a:r>
-              <a:rPr lang="en-CA" dirty="0"/>
-              <a:t>I need to run the code without rewriting it </a:t>
-            </a:r>
-          </a:p>
-          <a:p>
-            <a:pPr marL="68580" indent="0">
-              <a:buNone/>
-            </a:pPr>
-            <a:r>
-              <a:rPr lang="en-CA" dirty="0"/>
-              <a:t> </a:t>
-            </a:r>
-          </a:p>
-          <a:p>
-            <a:pPr marL="68580" indent="0">
-              <a:buNone/>
-            </a:pPr>
-            <a:endParaRPr lang="en-CA" dirty="0"/>
-          </a:p>
-          <a:p>
-            <a:pPr marL="68580" indent="0">
-              <a:buNone/>
-            </a:pPr>
-            <a:endParaRPr lang="en-CA" dirty="0"/>
-          </a:p>
-        </p:txBody>
-      </p:sp>
-      <p:pic>
-        <p:nvPicPr>
-          <p:cNvPr id="2" name="Content Placeholder 4">
-            <a:extLst>
-              <a:ext uri="{FF2B5EF4-FFF2-40B4-BE49-F238E27FC236}">
-                <a16:creationId xmlns:a16="http://schemas.microsoft.com/office/drawing/2014/main" id="{C648DD49-057A-87D5-6F0A-0EE2E7042C6F}"/>
-              </a:ext>
-            </a:extLst>
-          </p:cNvPr>
-          <p:cNvPicPr>
-            <a:picLocks noChangeAspect="1"/>
-          </p:cNvPicPr>
-          <p:nvPr/>
-        </p:nvPicPr>
-        <p:blipFill>
-          <a:blip r:embed="rId2"/>
-          <a:stretch>
-            <a:fillRect/>
-          </a:stretch>
-        </p:blipFill>
-        <p:spPr>
-          <a:xfrm>
-            <a:off x="8991600" y="3295650"/>
-            <a:ext cx="7892033" cy="5638800"/>
-          </a:xfrm>
-          <a:prstGeom prst="rect">
-            <a:avLst/>
-          </a:prstGeom>
-        </p:spPr>
-      </p:pic>
-    </p:spTree>
-    <p:extLst>
-      <p:ext uri="{BB962C8B-B14F-4D97-AF65-F5344CB8AC3E}">
-        <p14:creationId xmlns:p14="http://schemas.microsoft.com/office/powerpoint/2010/main" val="2870730779"/>
-      </p:ext>
-    </p:extLst>
-  </p:cSld>
-  <p:clrMapOvr>
-    <a:masterClrMapping/>
-  </p:clrMapOvr>
-</p:sld>
-</file>
-
-<file path=ppt/slides/slide30.xml><?xml version="1.0" encoding="utf-8"?>
-<p:sld xmlns:a="http://schemas.openxmlformats.org/drawingml/2006/main" xmlns:r="http://schemas.openxmlformats.org/officeDocument/2006/relationships" xmlns:p="http://schemas.openxmlformats.org/presentationml/2006/main">
-  <p:cSld>
-    <p:spTree>
-      <p:nvGrpSpPr>
-        <p:cNvPr id="1" name=""/>
-        <p:cNvGrpSpPr/>
-        <p:nvPr/>
-      </p:nvGrpSpPr>
-      <p:grpSpPr>
-        <a:xfrm>
-          <a:off x="0" y="0"/>
-          <a:ext cx="0" cy="0"/>
-          <a:chOff x="0" y="0"/>
-          <a:chExt cx="0" cy="0"/>
-        </a:xfrm>
-      </p:grpSpPr>
-      <p:sp>
-        <p:nvSpPr>
-          <p:cNvPr id="2" name="Title 1">
-            <a:extLst>
-              <a:ext uri="{FF2B5EF4-FFF2-40B4-BE49-F238E27FC236}">
-                <a16:creationId xmlns:a16="http://schemas.microsoft.com/office/drawing/2014/main" id="{1D631AC5-A20B-58A7-E23A-3A627A94DA4D}"/>
-              </a:ext>
-            </a:extLst>
-          </p:cNvPr>
-          <p:cNvSpPr>
-            <a:spLocks noGrp="1"/>
-          </p:cNvSpPr>
-          <p:nvPr>
-            <p:ph type="title"/>
-          </p:nvPr>
-        </p:nvSpPr>
-        <p:spPr/>
-        <p:txBody>
-          <a:bodyPr/>
-          <a:lstStyle/>
-          <a:p>
-            <a:r>
-              <a:rPr lang="en-CA" dirty="0"/>
-              <a:t>Namespaces</a:t>
+              <a:t>Hypothetical Functions</a:t>
             </a:r>
           </a:p>
         </p:txBody>
@@ -6382,7 +9181,7 @@
           <p:cNvPr id="3" name="Content Placeholder 2">
             <a:extLst>
               <a:ext uri="{FF2B5EF4-FFF2-40B4-BE49-F238E27FC236}">
-                <a16:creationId xmlns:a16="http://schemas.microsoft.com/office/drawing/2014/main" id="{3565C31A-D362-80A8-9D11-DE6CB55BDEFE}"/>
+                <a16:creationId xmlns:a16="http://schemas.microsoft.com/office/drawing/2014/main" id="{70B14CB6-28CC-4924-A0C7-29D31C558698}"/>
               </a:ext>
             </a:extLst>
           </p:cNvPr>
@@ -6395,435 +9194,220 @@
         </p:nvSpPr>
         <p:spPr/>
         <p:txBody>
-          <a:bodyPr/>
+          <a:bodyPr>
+            <a:normAutofit fontScale="85000" lnSpcReduction="20000"/>
+          </a:bodyPr>
           <a:lstStyle/>
           <a:p>
-            <a:endParaRPr lang="en-CA"/>
+            <a:r>
+              <a:rPr lang="en-CA" dirty="0" err="1">
+                <a:solidFill>
+                  <a:schemeClr val="tx1"/>
+                </a:solidFill>
+              </a:rPr>
+              <a:t>GetFilesInDir</a:t>
+            </a:r>
+            <a:r>
+              <a:rPr lang="en-CA" dirty="0">
+                <a:solidFill>
+                  <a:schemeClr val="tx1"/>
+                </a:solidFill>
+              </a:rPr>
+              <a:t>()</a:t>
+            </a:r>
+          </a:p>
+          <a:p>
+            <a:r>
+              <a:rPr lang="en-CA" dirty="0" err="1">
+                <a:solidFill>
+                  <a:schemeClr val="tx1"/>
+                </a:solidFill>
+              </a:rPr>
+              <a:t>GetSubDirsInDir</a:t>
+            </a:r>
+            <a:r>
+              <a:rPr lang="en-CA" dirty="0">
+                <a:solidFill>
+                  <a:schemeClr val="tx1"/>
+                </a:solidFill>
+              </a:rPr>
+              <a:t>()</a:t>
+            </a:r>
+          </a:p>
+          <a:p>
+            <a:r>
+              <a:rPr lang="en-CA" dirty="0" err="1">
+                <a:solidFill>
+                  <a:schemeClr val="tx1"/>
+                </a:solidFill>
+              </a:rPr>
+              <a:t>GetFileLastModifiedDate</a:t>
+            </a:r>
+            <a:r>
+              <a:rPr lang="en-CA" dirty="0">
+                <a:solidFill>
+                  <a:schemeClr val="tx1"/>
+                </a:solidFill>
+              </a:rPr>
+              <a:t>()</a:t>
+            </a:r>
+          </a:p>
+          <a:p>
+            <a:r>
+              <a:rPr lang="en-CA" dirty="0" err="1">
+                <a:solidFill>
+                  <a:schemeClr val="tx1"/>
+                </a:solidFill>
+              </a:rPr>
+              <a:t>GetFileCreateDate</a:t>
+            </a:r>
+            <a:r>
+              <a:rPr lang="en-CA" dirty="0">
+                <a:solidFill>
+                  <a:schemeClr val="tx1"/>
+                </a:solidFill>
+              </a:rPr>
+              <a:t>()</a:t>
+            </a:r>
+          </a:p>
+          <a:p>
+            <a:r>
+              <a:rPr lang="en-CA" dirty="0" err="1">
+                <a:solidFill>
+                  <a:schemeClr val="tx1"/>
+                </a:solidFill>
+              </a:rPr>
+              <a:t>GetFileOwner</a:t>
+            </a:r>
+            <a:r>
+              <a:rPr lang="en-CA" dirty="0">
+                <a:solidFill>
+                  <a:schemeClr val="tx1"/>
+                </a:solidFill>
+              </a:rPr>
+              <a:t>()</a:t>
+            </a:r>
+          </a:p>
+          <a:p>
+            <a:r>
+              <a:rPr lang="en-CA" dirty="0" err="1">
+                <a:solidFill>
+                  <a:schemeClr val="tx1"/>
+                </a:solidFill>
+              </a:rPr>
+              <a:t>GetFileSize</a:t>
+            </a:r>
+            <a:r>
+              <a:rPr lang="en-CA" dirty="0">
+                <a:solidFill>
+                  <a:schemeClr val="tx1"/>
+                </a:solidFill>
+              </a:rPr>
+              <a:t>()</a:t>
+            </a:r>
+          </a:p>
+          <a:p>
+            <a:r>
+              <a:rPr lang="en-CA" dirty="0" err="1">
+                <a:solidFill>
+                  <a:schemeClr val="tx1"/>
+                </a:solidFill>
+              </a:rPr>
+              <a:t>GetFileAttributes</a:t>
+            </a:r>
+            <a:r>
+              <a:rPr lang="en-CA" dirty="0">
+                <a:solidFill>
+                  <a:schemeClr val="tx1"/>
+                </a:solidFill>
+              </a:rPr>
+              <a:t>()</a:t>
+            </a:r>
+          </a:p>
+          <a:p>
+            <a:r>
+              <a:rPr lang="en-CA" dirty="0" err="1">
+                <a:solidFill>
+                  <a:schemeClr val="tx1"/>
+                </a:solidFill>
+              </a:rPr>
+              <a:t>GetCommandLineArguments</a:t>
+            </a:r>
+            <a:r>
+              <a:rPr lang="en-CA" dirty="0">
+                <a:solidFill>
+                  <a:schemeClr val="tx1"/>
+                </a:solidFill>
+              </a:rPr>
+              <a:t>()</a:t>
+            </a:r>
+          </a:p>
+          <a:p>
+            <a:r>
+              <a:rPr lang="en-CA" dirty="0" err="1">
+                <a:solidFill>
+                  <a:schemeClr val="tx1"/>
+                </a:solidFill>
+              </a:rPr>
+              <a:t>GetCurrentWorkingDirectory</a:t>
+            </a:r>
+            <a:r>
+              <a:rPr lang="en-CA" dirty="0">
+                <a:solidFill>
+                  <a:schemeClr val="tx1"/>
+                </a:solidFill>
+              </a:rPr>
+              <a:t>()</a:t>
+            </a:r>
+          </a:p>
+          <a:p>
+            <a:r>
+              <a:rPr lang="en-CA" dirty="0" err="1">
+                <a:solidFill>
+                  <a:schemeClr val="tx1"/>
+                </a:solidFill>
+              </a:rPr>
+              <a:t>IsFile</a:t>
+            </a:r>
+            <a:r>
+              <a:rPr lang="en-CA" dirty="0">
+                <a:solidFill>
+                  <a:schemeClr val="tx1"/>
+                </a:solidFill>
+              </a:rPr>
+              <a:t>()</a:t>
+            </a:r>
+          </a:p>
+          <a:p>
+            <a:r>
+              <a:rPr lang="en-CA" dirty="0" err="1">
+                <a:solidFill>
+                  <a:schemeClr val="tx1"/>
+                </a:solidFill>
+              </a:rPr>
+              <a:t>IsDirectory</a:t>
+            </a:r>
+            <a:r>
+              <a:rPr lang="en-CA" dirty="0">
+                <a:solidFill>
+                  <a:schemeClr val="tx1"/>
+                </a:solidFill>
+              </a:rPr>
+              <a:t>()</a:t>
+            </a:r>
+          </a:p>
+          <a:p>
+            <a:endParaRPr lang="en-CA" dirty="0"/>
+          </a:p>
+          <a:p>
+            <a:endParaRPr lang="en-CA" dirty="0"/>
           </a:p>
         </p:txBody>
       </p:sp>
     </p:spTree>
     <p:extLst>
       <p:ext uri="{BB962C8B-B14F-4D97-AF65-F5344CB8AC3E}">
-        <p14:creationId xmlns:p14="http://schemas.microsoft.com/office/powerpoint/2010/main" val="629471403"/>
-      </p:ext>
-    </p:extLst>
-  </p:cSld>
-  <p:clrMapOvr>
-    <a:masterClrMapping/>
-  </p:clrMapOvr>
-</p:sld>
-</file>
-
-<file path=ppt/slides/slide31.xml><?xml version="1.0" encoding="utf-8"?>
-<p:sld xmlns:a="http://schemas.openxmlformats.org/drawingml/2006/main" xmlns:r="http://schemas.openxmlformats.org/officeDocument/2006/relationships" xmlns:p="http://schemas.openxmlformats.org/presentationml/2006/main">
-  <p:cSld>
-    <p:spTree>
-      <p:nvGrpSpPr>
-        <p:cNvPr id="1" name=""/>
-        <p:cNvGrpSpPr/>
-        <p:nvPr/>
-      </p:nvGrpSpPr>
-      <p:grpSpPr>
-        <a:xfrm>
-          <a:off x="0" y="0"/>
-          <a:ext cx="0" cy="0"/>
-          <a:chOff x="0" y="0"/>
-          <a:chExt cx="0" cy="0"/>
-        </a:xfrm>
-      </p:grpSpPr>
-      <p:sp>
-        <p:nvSpPr>
-          <p:cNvPr id="2" name="Title 1">
-            <a:extLst>
-              <a:ext uri="{FF2B5EF4-FFF2-40B4-BE49-F238E27FC236}">
-                <a16:creationId xmlns:a16="http://schemas.microsoft.com/office/drawing/2014/main" id="{9D7FF21E-71EC-7851-44C1-495BAE59FA65}"/>
-              </a:ext>
-            </a:extLst>
-          </p:cNvPr>
-          <p:cNvSpPr>
-            <a:spLocks noGrp="1"/>
-          </p:cNvSpPr>
-          <p:nvPr>
-            <p:ph type="title"/>
-          </p:nvPr>
-        </p:nvSpPr>
-        <p:spPr/>
-        <p:txBody>
-          <a:bodyPr/>
-          <a:lstStyle/>
-          <a:p>
-            <a:r>
-              <a:rPr lang="en-CA" dirty="0"/>
-              <a:t>Invoking Static Functions </a:t>
-            </a:r>
-          </a:p>
-        </p:txBody>
-      </p:sp>
-      <p:sp>
-        <p:nvSpPr>
-          <p:cNvPr id="3" name="Content Placeholder 2">
-            <a:extLst>
-              <a:ext uri="{FF2B5EF4-FFF2-40B4-BE49-F238E27FC236}">
-                <a16:creationId xmlns:a16="http://schemas.microsoft.com/office/drawing/2014/main" id="{969EA3E9-EA41-EFD5-7344-525D776824E1}"/>
-              </a:ext>
-            </a:extLst>
-          </p:cNvPr>
-          <p:cNvSpPr>
-            <a:spLocks noGrp="1"/>
-          </p:cNvSpPr>
-          <p:nvPr>
-            <p:ph idx="1"/>
-          </p:nvPr>
-        </p:nvSpPr>
-        <p:spPr/>
-        <p:txBody>
-          <a:bodyPr/>
-          <a:lstStyle/>
-          <a:p>
-            <a:endParaRPr lang="en-CA" dirty="0"/>
-          </a:p>
-        </p:txBody>
-      </p:sp>
-    </p:spTree>
-    <p:extLst>
-      <p:ext uri="{BB962C8B-B14F-4D97-AF65-F5344CB8AC3E}">
-        <p14:creationId xmlns:p14="http://schemas.microsoft.com/office/powerpoint/2010/main" val="3470667223"/>
-      </p:ext>
-    </p:extLst>
-  </p:cSld>
-  <p:clrMapOvr>
-    <a:masterClrMapping/>
-  </p:clrMapOvr>
-</p:sld>
-</file>
-
-<file path=ppt/slides/slide32.xml><?xml version="1.0" encoding="utf-8"?>
-<p:sld xmlns:a="http://schemas.openxmlformats.org/drawingml/2006/main" xmlns:r="http://schemas.openxmlformats.org/officeDocument/2006/relationships" xmlns:p="http://schemas.openxmlformats.org/presentationml/2006/main">
-  <p:cSld>
-    <p:spTree>
-      <p:nvGrpSpPr>
-        <p:cNvPr id="1" name=""/>
-        <p:cNvGrpSpPr/>
-        <p:nvPr/>
-      </p:nvGrpSpPr>
-      <p:grpSpPr>
-        <a:xfrm>
-          <a:off x="0" y="0"/>
-          <a:ext cx="0" cy="0"/>
-          <a:chOff x="0" y="0"/>
-          <a:chExt cx="0" cy="0"/>
-        </a:xfrm>
-      </p:grpSpPr>
-      <p:sp>
-        <p:nvSpPr>
-          <p:cNvPr id="2" name="Title 1">
-            <a:extLst>
-              <a:ext uri="{FF2B5EF4-FFF2-40B4-BE49-F238E27FC236}">
-                <a16:creationId xmlns:a16="http://schemas.microsoft.com/office/drawing/2014/main" id="{9E21F8A9-2420-C667-799B-7945A8B32213}"/>
-              </a:ext>
-            </a:extLst>
-          </p:cNvPr>
-          <p:cNvSpPr>
-            <a:spLocks noGrp="1"/>
-          </p:cNvSpPr>
-          <p:nvPr>
-            <p:ph type="title"/>
-          </p:nvPr>
-        </p:nvSpPr>
-        <p:spPr/>
-        <p:txBody>
-          <a:bodyPr/>
-          <a:lstStyle/>
-          <a:p>
-            <a:r>
-              <a:rPr lang="en-CA" dirty="0"/>
-              <a:t>Isn’t there extra allocations happening</a:t>
-            </a:r>
-          </a:p>
-        </p:txBody>
-      </p:sp>
-      <p:sp>
-        <p:nvSpPr>
-          <p:cNvPr id="3" name="Content Placeholder 2">
-            <a:extLst>
-              <a:ext uri="{FF2B5EF4-FFF2-40B4-BE49-F238E27FC236}">
-                <a16:creationId xmlns:a16="http://schemas.microsoft.com/office/drawing/2014/main" id="{48E7A9AA-A5BE-97CE-E043-EB4B7164C2BB}"/>
-              </a:ext>
-            </a:extLst>
-          </p:cNvPr>
-          <p:cNvSpPr>
-            <a:spLocks noGrp="1"/>
-          </p:cNvSpPr>
-          <p:nvPr>
-            <p:ph idx="1"/>
-          </p:nvPr>
-        </p:nvSpPr>
-        <p:spPr/>
-        <p:txBody>
-          <a:bodyPr/>
-          <a:lstStyle/>
-          <a:p>
-            <a:r>
-              <a:rPr lang="en-CA" dirty="0"/>
-              <a:t>Yes, but there doesn’t have to be. </a:t>
-            </a:r>
-          </a:p>
-        </p:txBody>
-      </p:sp>
-    </p:spTree>
-    <p:extLst>
-      <p:ext uri="{BB962C8B-B14F-4D97-AF65-F5344CB8AC3E}">
-        <p14:creationId xmlns:p14="http://schemas.microsoft.com/office/powerpoint/2010/main" val="2867238399"/>
-      </p:ext>
-    </p:extLst>
-  </p:cSld>
-  <p:clrMapOvr>
-    <a:masterClrMapping/>
-  </p:clrMapOvr>
-</p:sld>
-</file>
-
-<file path=ppt/slides/slide33.xml><?xml version="1.0" encoding="utf-8"?>
-<p:sld xmlns:a="http://schemas.openxmlformats.org/drawingml/2006/main" xmlns:r="http://schemas.openxmlformats.org/officeDocument/2006/relationships" xmlns:p="http://schemas.openxmlformats.org/presentationml/2006/main">
-  <p:cSld>
-    <p:spTree>
-      <p:nvGrpSpPr>
-        <p:cNvPr id="1" name=""/>
-        <p:cNvGrpSpPr/>
-        <p:nvPr/>
-      </p:nvGrpSpPr>
-      <p:grpSpPr>
-        <a:xfrm>
-          <a:off x="0" y="0"/>
-          <a:ext cx="0" cy="0"/>
-          <a:chOff x="0" y="0"/>
-          <a:chExt cx="0" cy="0"/>
-        </a:xfrm>
-      </p:grpSpPr>
-      <p:sp>
-        <p:nvSpPr>
-          <p:cNvPr id="2" name="Title 1">
-            <a:extLst>
-              <a:ext uri="{FF2B5EF4-FFF2-40B4-BE49-F238E27FC236}">
-                <a16:creationId xmlns:a16="http://schemas.microsoft.com/office/drawing/2014/main" id="{370250A0-63AF-EB4C-ADAC-52BFEAC628EC}"/>
-              </a:ext>
-            </a:extLst>
-          </p:cNvPr>
-          <p:cNvSpPr>
-            <a:spLocks noGrp="1"/>
-          </p:cNvSpPr>
-          <p:nvPr>
-            <p:ph type="title"/>
-          </p:nvPr>
-        </p:nvSpPr>
-        <p:spPr/>
-        <p:txBody>
-          <a:bodyPr/>
-          <a:lstStyle/>
-          <a:p>
-            <a:r>
-              <a:rPr lang="en-CA" dirty="0"/>
-              <a:t>Switching Between</a:t>
-            </a:r>
-          </a:p>
-        </p:txBody>
-      </p:sp>
-      <p:sp>
-        <p:nvSpPr>
-          <p:cNvPr id="3" name="Content Placeholder 2">
-            <a:extLst>
-              <a:ext uri="{FF2B5EF4-FFF2-40B4-BE49-F238E27FC236}">
-                <a16:creationId xmlns:a16="http://schemas.microsoft.com/office/drawing/2014/main" id="{9219D454-7597-B1BC-DAF1-0CF541CF5143}"/>
-              </a:ext>
-            </a:extLst>
-          </p:cNvPr>
-          <p:cNvSpPr>
-            <a:spLocks noGrp="1"/>
-          </p:cNvSpPr>
-          <p:nvPr>
-            <p:ph idx="1"/>
-          </p:nvPr>
-        </p:nvSpPr>
-        <p:spPr/>
-        <p:txBody>
-          <a:bodyPr/>
-          <a:lstStyle/>
-          <a:p>
-            <a:endParaRPr lang="en-CA"/>
-          </a:p>
-        </p:txBody>
-      </p:sp>
-    </p:spTree>
-    <p:extLst>
-      <p:ext uri="{BB962C8B-B14F-4D97-AF65-F5344CB8AC3E}">
-        <p14:creationId xmlns:p14="http://schemas.microsoft.com/office/powerpoint/2010/main" val="3744440792"/>
-      </p:ext>
-    </p:extLst>
-  </p:cSld>
-  <p:clrMapOvr>
-    <a:masterClrMapping/>
-  </p:clrMapOvr>
-</p:sld>
-</file>
-
-<file path=ppt/slides/slide34.xml><?xml version="1.0" encoding="utf-8"?>
-<p:sld xmlns:a="http://schemas.openxmlformats.org/drawingml/2006/main" xmlns:r="http://schemas.openxmlformats.org/officeDocument/2006/relationships" xmlns:p="http://schemas.openxmlformats.org/presentationml/2006/main">
-  <p:cSld>
-    <p:spTree>
-      <p:nvGrpSpPr>
-        <p:cNvPr id="1" name=""/>
-        <p:cNvGrpSpPr/>
-        <p:nvPr/>
-      </p:nvGrpSpPr>
-      <p:grpSpPr>
-        <a:xfrm>
-          <a:off x="0" y="0"/>
-          <a:ext cx="0" cy="0"/>
-          <a:chOff x="0" y="0"/>
-          <a:chExt cx="0" cy="0"/>
-        </a:xfrm>
-      </p:grpSpPr>
-      <p:sp>
-        <p:nvSpPr>
-          <p:cNvPr id="2" name="Title 1">
-            <a:extLst>
-              <a:ext uri="{FF2B5EF4-FFF2-40B4-BE49-F238E27FC236}">
-                <a16:creationId xmlns:a16="http://schemas.microsoft.com/office/drawing/2014/main" id="{DD86581B-F9DD-9779-C422-14B3E1CDAA40}"/>
-              </a:ext>
-            </a:extLst>
-          </p:cNvPr>
-          <p:cNvSpPr>
-            <a:spLocks noGrp="1"/>
-          </p:cNvSpPr>
-          <p:nvPr>
-            <p:ph type="title"/>
-          </p:nvPr>
-        </p:nvSpPr>
-        <p:spPr/>
-        <p:txBody>
-          <a:bodyPr/>
-          <a:lstStyle/>
-          <a:p>
-            <a:r>
-              <a:rPr lang="en-CA" dirty="0"/>
-              <a:t>Using Declarations</a:t>
-            </a:r>
-          </a:p>
-        </p:txBody>
-      </p:sp>
-      <p:sp>
-        <p:nvSpPr>
-          <p:cNvPr id="3" name="Content Placeholder 2">
-            <a:extLst>
-              <a:ext uri="{FF2B5EF4-FFF2-40B4-BE49-F238E27FC236}">
-                <a16:creationId xmlns:a16="http://schemas.microsoft.com/office/drawing/2014/main" id="{33200F39-4536-591C-5EFD-506FAF00D915}"/>
-              </a:ext>
-            </a:extLst>
-          </p:cNvPr>
-          <p:cNvSpPr>
-            <a:spLocks noGrp="1"/>
-          </p:cNvSpPr>
-          <p:nvPr>
-            <p:ph idx="1"/>
-          </p:nvPr>
-        </p:nvSpPr>
-        <p:spPr/>
-        <p:txBody>
-          <a:bodyPr/>
-          <a:lstStyle/>
-          <a:p>
-            <a:endParaRPr lang="en-CA" dirty="0"/>
-          </a:p>
-        </p:txBody>
-      </p:sp>
-    </p:spTree>
-    <p:extLst>
-      <p:ext uri="{BB962C8B-B14F-4D97-AF65-F5344CB8AC3E}">
-        <p14:creationId xmlns:p14="http://schemas.microsoft.com/office/powerpoint/2010/main" val="1369333013"/>
-      </p:ext>
-    </p:extLst>
-  </p:cSld>
-  <p:clrMapOvr>
-    <a:masterClrMapping/>
-  </p:clrMapOvr>
-</p:sld>
-</file>
-
-<file path=ppt/slides/slide35.xml><?xml version="1.0" encoding="utf-8"?>
-<p:sld xmlns:a="http://schemas.openxmlformats.org/drawingml/2006/main" xmlns:r="http://schemas.openxmlformats.org/officeDocument/2006/relationships" xmlns:p="http://schemas.openxmlformats.org/presentationml/2006/main">
-  <p:cSld>
-    <p:spTree>
-      <p:nvGrpSpPr>
-        <p:cNvPr id="1" name=""/>
-        <p:cNvGrpSpPr/>
-        <p:nvPr/>
-      </p:nvGrpSpPr>
-      <p:grpSpPr>
-        <a:xfrm>
-          <a:off x="0" y="0"/>
-          <a:ext cx="0" cy="0"/>
-          <a:chOff x="0" y="0"/>
-          <a:chExt cx="0" cy="0"/>
-        </a:xfrm>
-      </p:grpSpPr>
-      <p:sp>
-        <p:nvSpPr>
-          <p:cNvPr id="2" name="Title 1">
-            <a:extLst>
-              <a:ext uri="{FF2B5EF4-FFF2-40B4-BE49-F238E27FC236}">
-                <a16:creationId xmlns:a16="http://schemas.microsoft.com/office/drawing/2014/main" id="{74AC749A-C9DD-5D3B-D80E-7A8540704395}"/>
-              </a:ext>
-            </a:extLst>
-          </p:cNvPr>
-          <p:cNvSpPr>
-            <a:spLocks noGrp="1"/>
-          </p:cNvSpPr>
-          <p:nvPr>
-            <p:ph type="title"/>
-          </p:nvPr>
-        </p:nvSpPr>
-        <p:spPr/>
-        <p:txBody>
-          <a:bodyPr/>
-          <a:lstStyle/>
-          <a:p>
-            <a:r>
-              <a:rPr lang="en-CA" dirty="0"/>
-              <a:t>My version </a:t>
-            </a:r>
-          </a:p>
-        </p:txBody>
-      </p:sp>
-      <p:sp>
-        <p:nvSpPr>
-          <p:cNvPr id="3" name="Content Placeholder 2">
-            <a:extLst>
-              <a:ext uri="{FF2B5EF4-FFF2-40B4-BE49-F238E27FC236}">
-                <a16:creationId xmlns:a16="http://schemas.microsoft.com/office/drawing/2014/main" id="{D8C42256-5A28-D81C-5D2B-3841CCE273B8}"/>
-              </a:ext>
-            </a:extLst>
-          </p:cNvPr>
-          <p:cNvSpPr>
-            <a:spLocks noGrp="1"/>
-          </p:cNvSpPr>
-          <p:nvPr>
-            <p:ph idx="1"/>
-          </p:nvPr>
-        </p:nvSpPr>
-        <p:spPr/>
-        <p:txBody>
-          <a:bodyPr/>
-          <a:lstStyle/>
-          <a:p>
-            <a:endParaRPr lang="en-CA"/>
-          </a:p>
-        </p:txBody>
-      </p:sp>
-    </p:spTree>
-    <p:extLst>
-      <p:ext uri="{BB962C8B-B14F-4D97-AF65-F5344CB8AC3E}">
-        <p14:creationId xmlns:p14="http://schemas.microsoft.com/office/powerpoint/2010/main" val="2019006734"/>
+        <p14:creationId xmlns:p14="http://schemas.microsoft.com/office/powerpoint/2010/main" val="3764835915"/>
       </p:ext>
     </p:extLst>
   </p:cSld>
@@ -6855,7 +9439,7 @@
           <p:cNvPr id="2" name="Title 1">
             <a:extLst>
               <a:ext uri="{FF2B5EF4-FFF2-40B4-BE49-F238E27FC236}">
-                <a16:creationId xmlns:a16="http://schemas.microsoft.com/office/drawing/2014/main" id="{22F2DFBB-5245-458F-32C6-3EFD22FB2478}"/>
+                <a16:creationId xmlns:a16="http://schemas.microsoft.com/office/drawing/2014/main" id="{4AFA4AF6-FCAD-7E38-2D42-F66E1A4212E6}"/>
               </a:ext>
             </a:extLst>
           </p:cNvPr>
@@ -6873,7 +9457,7 @@
           <a:p>
             <a:r>
               <a:rPr lang="en-CA" dirty="0"/>
-              <a:t>Hypothetical Functions</a:t>
+              <a:t>Pseudo-code</a:t>
             </a:r>
           </a:p>
         </p:txBody>
@@ -6883,7 +9467,7 @@
           <p:cNvPr id="3" name="Content Placeholder 2">
             <a:extLst>
               <a:ext uri="{FF2B5EF4-FFF2-40B4-BE49-F238E27FC236}">
-                <a16:creationId xmlns:a16="http://schemas.microsoft.com/office/drawing/2014/main" id="{70B14CB6-28CC-4924-A0C7-29D31C558698}"/>
+                <a16:creationId xmlns:a16="http://schemas.microsoft.com/office/drawing/2014/main" id="{728F5FF9-D6FA-1D55-A1E9-8E76DDA4523D}"/>
               </a:ext>
             </a:extLst>
           </p:cNvPr>
@@ -6897,111 +9481,123 @@
         <p:spPr/>
         <p:txBody>
           <a:bodyPr>
-            <a:normAutofit lnSpcReduction="10000"/>
+            <a:normAutofit/>
           </a:bodyPr>
           <a:lstStyle/>
           <a:p>
             <a:r>
-              <a:rPr lang="en-CA" dirty="0" err="1"/>
-              <a:t>GetFilesInDir</a:t>
-            </a:r>
-            <a:r>
-              <a:rPr lang="en-CA" dirty="0"/>
-              <a:t>()</a:t>
-            </a:r>
-          </a:p>
-          <a:p>
-            <a:r>
-              <a:rPr lang="en-CA" dirty="0" err="1"/>
-              <a:t>GetSubDirsInDir</a:t>
-            </a:r>
-            <a:r>
-              <a:rPr lang="en-CA" dirty="0"/>
-              <a:t>()</a:t>
-            </a:r>
-          </a:p>
-          <a:p>
-            <a:r>
-              <a:rPr lang="en-CA" dirty="0" err="1"/>
-              <a:t>GetFileLastModifiedDate</a:t>
-            </a:r>
-            <a:r>
-              <a:rPr lang="en-CA" dirty="0"/>
-              <a:t>()</a:t>
-            </a:r>
-          </a:p>
-          <a:p>
-            <a:r>
-              <a:rPr lang="en-CA" dirty="0" err="1"/>
-              <a:t>GetFileCreateDate</a:t>
-            </a:r>
-            <a:r>
-              <a:rPr lang="en-CA" dirty="0"/>
-              <a:t>()</a:t>
-            </a:r>
-          </a:p>
-          <a:p>
-            <a:r>
-              <a:rPr lang="en-CA" dirty="0" err="1"/>
-              <a:t>GetFileOwner</a:t>
-            </a:r>
-            <a:r>
-              <a:rPr lang="en-CA" dirty="0"/>
-              <a:t>()</a:t>
-            </a:r>
-          </a:p>
-          <a:p>
-            <a:r>
-              <a:rPr lang="en-CA" dirty="0" err="1"/>
-              <a:t>GetFileSize</a:t>
-            </a:r>
-            <a:r>
-              <a:rPr lang="en-CA" dirty="0"/>
-              <a:t>()</a:t>
-            </a:r>
-          </a:p>
-          <a:p>
-            <a:r>
-              <a:rPr lang="en-CA" dirty="0" err="1"/>
-              <a:t>GetFileAttributes</a:t>
-            </a:r>
-            <a:r>
-              <a:rPr lang="en-CA" dirty="0"/>
-              <a:t>()</a:t>
-            </a:r>
-          </a:p>
-          <a:p>
-            <a:r>
-              <a:rPr lang="en-CA" dirty="0" err="1"/>
-              <a:t>GetCommandLineArguments</a:t>
-            </a:r>
-            <a:r>
-              <a:rPr lang="en-CA" dirty="0"/>
-              <a:t>()</a:t>
-            </a:r>
-          </a:p>
-          <a:p>
-            <a:r>
-              <a:rPr lang="en-CA" dirty="0" err="1"/>
-              <a:t>GetCurrentWorkingDirectory</a:t>
-            </a:r>
-            <a:r>
-              <a:rPr lang="en-CA" dirty="0"/>
-              <a:t>()</a:t>
-            </a:r>
-          </a:p>
-          <a:p>
-            <a:endParaRPr lang="en-CA" dirty="0"/>
-          </a:p>
-          <a:p>
-            <a:endParaRPr lang="en-CA" dirty="0"/>
+              <a:rPr lang="en-CA" dirty="0">
+                <a:solidFill>
+                  <a:schemeClr val="tx1"/>
+                </a:solidFill>
+              </a:rPr>
+              <a:t>Parse command line arguments</a:t>
+            </a:r>
+          </a:p>
+          <a:p>
+            <a:pPr lvl="1"/>
+            <a:r>
+              <a:rPr lang="en-CA" dirty="0">
+                <a:solidFill>
+                  <a:schemeClr val="tx1"/>
+                </a:solidFill>
+              </a:rPr>
+              <a:t>If none use the current working directory</a:t>
+            </a:r>
+          </a:p>
+          <a:p>
+            <a:pPr lvl="1"/>
+            <a:r>
+              <a:rPr lang="en-CA" dirty="0">
+                <a:solidFill>
+                  <a:schemeClr val="tx1"/>
+                </a:solidFill>
+              </a:rPr>
+              <a:t>Check if it is a directory</a:t>
+            </a:r>
+          </a:p>
+          <a:p>
+            <a:pPr lvl="1"/>
+            <a:r>
+              <a:rPr lang="en-CA" dirty="0">
+                <a:solidFill>
+                  <a:schemeClr val="tx1"/>
+                </a:solidFill>
+              </a:rPr>
+              <a:t>If not exit and tell user</a:t>
+            </a:r>
+          </a:p>
+          <a:p>
+            <a:r>
+              <a:rPr lang="en-CA" dirty="0">
+                <a:solidFill>
+                  <a:schemeClr val="tx1"/>
+                </a:solidFill>
+              </a:rPr>
+              <a:t>Get all files from the directory</a:t>
+            </a:r>
+          </a:p>
+          <a:p>
+            <a:r>
+              <a:rPr lang="en-CA" dirty="0">
+                <a:solidFill>
+                  <a:schemeClr val="tx1"/>
+                </a:solidFill>
+              </a:rPr>
+              <a:t>Get all directories from the directory </a:t>
+            </a:r>
+          </a:p>
+          <a:p>
+            <a:r>
+              <a:rPr lang="en-CA" dirty="0">
+                <a:solidFill>
+                  <a:schemeClr val="tx1"/>
+                </a:solidFill>
+              </a:rPr>
+              <a:t>For each file and directory: </a:t>
+            </a:r>
+          </a:p>
+          <a:p>
+            <a:pPr lvl="1"/>
+            <a:r>
+              <a:rPr lang="en-CA" dirty="0">
+                <a:solidFill>
+                  <a:schemeClr val="tx1"/>
+                </a:solidFill>
+              </a:rPr>
+              <a:t>output date modified, size, and name if file</a:t>
+            </a:r>
+          </a:p>
+          <a:p>
+            <a:pPr lvl="1"/>
+            <a:r>
+              <a:rPr lang="en-CA" dirty="0">
+                <a:solidFill>
+                  <a:schemeClr val="tx1"/>
+                </a:solidFill>
+              </a:rPr>
+              <a:t>output date modified, and name if a directory </a:t>
+            </a:r>
+          </a:p>
+          <a:p>
+            <a:pPr marL="68580" indent="0">
+              <a:buNone/>
+            </a:pPr>
+            <a:r>
+              <a:rPr lang="en-CA" dirty="0">
+                <a:solidFill>
+                  <a:schemeClr val="tx1"/>
+                </a:solidFill>
+              </a:rPr>
+              <a:t> </a:t>
+            </a:r>
           </a:p>
         </p:txBody>
       </p:sp>
     </p:spTree>
     <p:extLst>
       <p:ext uri="{BB962C8B-B14F-4D97-AF65-F5344CB8AC3E}">
-        <p14:creationId xmlns:p14="http://schemas.microsoft.com/office/powerpoint/2010/main" val="3764835915"/>
+        <p14:creationId xmlns:p14="http://schemas.microsoft.com/office/powerpoint/2010/main" val="915734242"/>
       </p:ext>
     </p:extLst>
   </p:cSld>
@@ -7033,7 +9629,7 @@
           <p:cNvPr id="2" name="Title 1">
             <a:extLst>
               <a:ext uri="{FF2B5EF4-FFF2-40B4-BE49-F238E27FC236}">
-                <a16:creationId xmlns:a16="http://schemas.microsoft.com/office/drawing/2014/main" id="{4AFA4AF6-FCAD-7E38-2D42-F66E1A4212E6}"/>
+                <a16:creationId xmlns:a16="http://schemas.microsoft.com/office/drawing/2014/main" id="{B5514624-86C2-AE3B-E7A7-E6F8B5B38E36}"/>
               </a:ext>
             </a:extLst>
           </p:cNvPr>
@@ -7051,7 +9647,7 @@
           <a:p>
             <a:r>
               <a:rPr lang="en-CA" dirty="0"/>
-              <a:t>Pseudo-code</a:t>
+              <a:t>What to put in a Shared Project</a:t>
             </a:r>
           </a:p>
         </p:txBody>
@@ -7061,7 +9657,7 @@
           <p:cNvPr id="3" name="Content Placeholder 2">
             <a:extLst>
               <a:ext uri="{FF2B5EF4-FFF2-40B4-BE49-F238E27FC236}">
-                <a16:creationId xmlns:a16="http://schemas.microsoft.com/office/drawing/2014/main" id="{728F5FF9-D6FA-1D55-A1E9-8E76DDA4523D}"/>
+                <a16:creationId xmlns:a16="http://schemas.microsoft.com/office/drawing/2014/main" id="{8252613D-98BB-572F-E1BA-412DD883B00F}"/>
               </a:ext>
             </a:extLst>
           </p:cNvPr>
@@ -7074,76 +9670,66 @@
         </p:nvSpPr>
         <p:spPr/>
         <p:txBody>
-          <a:bodyPr>
-            <a:normAutofit/>
-          </a:bodyPr>
+          <a:bodyPr/>
           <a:lstStyle/>
           <a:p>
             <a:r>
-              <a:rPr lang="en-CA" dirty="0"/>
-              <a:t>Parse command line arguments</a:t>
-            </a:r>
-          </a:p>
-          <a:p>
-            <a:pPr lvl="1"/>
-            <a:r>
-              <a:rPr lang="en-CA" dirty="0"/>
-              <a:t>If none use the current working directory</a:t>
-            </a:r>
-          </a:p>
-          <a:p>
-            <a:pPr lvl="1"/>
-            <a:r>
-              <a:rPr lang="en-CA" dirty="0"/>
-              <a:t>Check if it is a directory</a:t>
-            </a:r>
-          </a:p>
-          <a:p>
-            <a:pPr lvl="1"/>
-            <a:r>
-              <a:rPr lang="en-CA" dirty="0"/>
-              <a:t>If not exit and tell user</a:t>
-            </a:r>
-          </a:p>
-          <a:p>
-            <a:r>
-              <a:rPr lang="en-CA" dirty="0"/>
-              <a:t>Get all files from the directory</a:t>
-            </a:r>
-          </a:p>
-          <a:p>
-            <a:r>
-              <a:rPr lang="en-CA" dirty="0"/>
-              <a:t>Get all directories from the directory </a:t>
-            </a:r>
-          </a:p>
-          <a:p>
-            <a:r>
-              <a:rPr lang="en-CA" dirty="0"/>
-              <a:t>For each file and directory: </a:t>
-            </a:r>
-          </a:p>
-          <a:p>
-            <a:pPr lvl="1"/>
-            <a:r>
-              <a:rPr lang="en-CA" dirty="0"/>
-              <a:t>output date modified, size, and name if file</a:t>
-            </a:r>
-          </a:p>
-          <a:p>
-            <a:pPr lvl="1"/>
-            <a:r>
-              <a:rPr lang="en-CA" dirty="0"/>
-              <a:t>output date modified, and name if a directory </a:t>
-            </a:r>
-          </a:p>
-          <a:p>
-            <a:pPr marL="68580" indent="0">
-              <a:buNone/>
-            </a:pPr>
-            <a:r>
-              <a:rPr lang="en-CA" dirty="0"/>
-              <a:t> </a:t>
+              <a:rPr lang="en-CA" dirty="0">
+                <a:solidFill>
+                  <a:schemeClr val="tx1"/>
+                </a:solidFill>
+              </a:rPr>
+              <a:t>Things that could be easily reused</a:t>
+            </a:r>
+          </a:p>
+          <a:p>
+            <a:r>
+              <a:rPr lang="en-CA" dirty="0">
+                <a:solidFill>
+                  <a:schemeClr val="tx1"/>
+                </a:solidFill>
+              </a:rPr>
+              <a:t>Not specific to a particular program</a:t>
+            </a:r>
+          </a:p>
+          <a:p>
+            <a:r>
+              <a:rPr lang="en-CA" dirty="0">
+                <a:solidFill>
+                  <a:schemeClr val="tx1"/>
+                </a:solidFill>
+              </a:rPr>
+              <a:t>Notice that console programs have much similarity</a:t>
+            </a:r>
+          </a:p>
+          <a:p>
+            <a:r>
+              <a:rPr lang="en-CA" dirty="0">
+                <a:solidFill>
+                  <a:schemeClr val="tx1"/>
+                </a:solidFill>
+              </a:rPr>
+              <a:t>Command line parsing</a:t>
+            </a:r>
+          </a:p>
+          <a:p>
+            <a:r>
+              <a:rPr lang="en-CA" dirty="0">
+                <a:solidFill>
+                  <a:schemeClr val="tx1"/>
+                </a:solidFill>
+              </a:rPr>
+              <a:t>Standard input reading </a:t>
+            </a:r>
+          </a:p>
+          <a:p>
+            <a:r>
+              <a:rPr lang="en-CA" dirty="0">
+                <a:solidFill>
+                  <a:schemeClr val="tx1"/>
+                </a:solidFill>
+              </a:rPr>
+              <a:t>File reading </a:t>
             </a:r>
           </a:p>
         </p:txBody>
@@ -7151,7 +9737,7 @@
     </p:spTree>
     <p:extLst>
       <p:ext uri="{BB962C8B-B14F-4D97-AF65-F5344CB8AC3E}">
-        <p14:creationId xmlns:p14="http://schemas.microsoft.com/office/powerpoint/2010/main" val="915734242"/>
+        <p14:creationId xmlns:p14="http://schemas.microsoft.com/office/powerpoint/2010/main" val="3657719474"/>
       </p:ext>
     </p:extLst>
   </p:cSld>
@@ -7183,7 +9769,7 @@
           <p:cNvPr id="2" name="Title 1">
             <a:extLst>
               <a:ext uri="{FF2B5EF4-FFF2-40B4-BE49-F238E27FC236}">
-                <a16:creationId xmlns:a16="http://schemas.microsoft.com/office/drawing/2014/main" id="{6E727054-F30E-6EF6-A98A-27A60A163934}"/>
+                <a16:creationId xmlns:a16="http://schemas.microsoft.com/office/drawing/2014/main" id="{80B15FD4-EFBF-7ADB-A500-DEB5E650981D}"/>
               </a:ext>
             </a:extLst>
           </p:cNvPr>
@@ -7194,67 +9780,67 @@
             <p:ph type="title"/>
           </p:nvPr>
         </p:nvSpPr>
-        <p:spPr/>
+        <p:spPr>
+          <a:xfrm>
+            <a:off x="12292707" y="1286512"/>
+            <a:ext cx="4670049" cy="5434266"/>
+          </a:xfrm>
+        </p:spPr>
         <p:txBody>
-          <a:bodyPr/>
+          <a:bodyPr vert="horz" lIns="91440" tIns="45720" rIns="91440" bIns="45720" rtlCol="0" anchor="b">
+            <a:normAutofit/>
+          </a:bodyPr>
           <a:lstStyle/>
           <a:p>
-            <a:r>
-              <a:rPr lang="en-CA" dirty="0"/>
-              <a:t>What does “</a:t>
-            </a:r>
-            <a:r>
-              <a:rPr lang="en-CA" dirty="0" err="1"/>
-              <a:t>Console.ReadLine</a:t>
-            </a:r>
-            <a:r>
-              <a:rPr lang="en-CA" dirty="0"/>
-              <a:t>()” do?</a:t>
+            <a:pPr algn="ctr" defTabSz="914400">
+              <a:lnSpc>
+                <a:spcPct val="85000"/>
+              </a:lnSpc>
+            </a:pPr>
+            <a:r>
+              <a:rPr lang="en-US" sz="8100" b="1" cap="all">
+                <a:solidFill>
+                  <a:srgbClr val="FFFFFF"/>
+                </a:solidFill>
+              </a:rPr>
+              <a:t>Shared Code</a:t>
             </a:r>
           </a:p>
         </p:txBody>
       </p:sp>
-      <p:sp>
-        <p:nvSpPr>
-          <p:cNvPr id="3" name="Content Placeholder 2">
+      <p:pic>
+        <p:nvPicPr>
+          <p:cNvPr id="5" name="Picture 4" descr="Text&#10;&#10;Description automatically generated">
             <a:extLst>
               <a:ext uri="{FF2B5EF4-FFF2-40B4-BE49-F238E27FC236}">
-                <a16:creationId xmlns:a16="http://schemas.microsoft.com/office/drawing/2014/main" id="{0574466B-D5B9-ED4F-AB76-EE167AF8195F}"/>
+                <a16:creationId xmlns:a16="http://schemas.microsoft.com/office/drawing/2014/main" id="{30DC6732-C574-9ED5-CF5E-9B835EC7525F}"/>
               </a:ext>
             </a:extLst>
           </p:cNvPr>
-          <p:cNvSpPr>
-            <a:spLocks noGrp="1"/>
-          </p:cNvSpPr>
-          <p:nvPr>
-            <p:ph idx="1"/>
-          </p:nvPr>
-        </p:nvSpPr>
-        <p:spPr/>
-        <p:txBody>
-          <a:bodyPr/>
-          <a:lstStyle/>
-          <a:p>
-            <a:r>
-              <a:rPr lang="en-CA" dirty="0"/>
-              <a:t>Reads from the standard input stream</a:t>
-            </a:r>
-          </a:p>
-          <a:p>
-            <a:pPr marL="68580" indent="0">
-              <a:buNone/>
-            </a:pPr>
-            <a:r>
-              <a:rPr lang="en-CA" dirty="0"/>
-              <a:t> </a:t>
-            </a:r>
-          </a:p>
-        </p:txBody>
-      </p:sp>
+          <p:cNvPicPr>
+            <a:picLocks noChangeAspect="1"/>
+          </p:cNvPicPr>
+          <p:nvPr/>
+        </p:nvPicPr>
+        <p:blipFill rotWithShape="1">
+          <a:blip r:embed="rId2"/>
+          <a:srcRect r="32966" b="-1"/>
+          <a:stretch/>
+        </p:blipFill>
+        <p:spPr>
+          <a:xfrm>
+            <a:off x="1308096" y="1286512"/>
+            <a:ext cx="9068364" cy="7711004"/>
+          </a:xfrm>
+          <a:prstGeom prst="rect">
+            <a:avLst/>
+          </a:prstGeom>
+        </p:spPr>
+      </p:pic>
     </p:spTree>
     <p:extLst>
       <p:ext uri="{BB962C8B-B14F-4D97-AF65-F5344CB8AC3E}">
-        <p14:creationId xmlns:p14="http://schemas.microsoft.com/office/powerpoint/2010/main" val="2760310094"/>
+        <p14:creationId xmlns:p14="http://schemas.microsoft.com/office/powerpoint/2010/main" val="1243406186"/>
       </p:ext>
     </p:extLst>
   </p:cSld>
@@ -7286,7 +9872,7 @@
           <p:cNvPr id="2" name="Title 1">
             <a:extLst>
               <a:ext uri="{FF2B5EF4-FFF2-40B4-BE49-F238E27FC236}">
-                <a16:creationId xmlns:a16="http://schemas.microsoft.com/office/drawing/2014/main" id="{6C2B88A9-F663-1CDA-CA9F-E946A16B2024}"/>
+                <a16:creationId xmlns:a16="http://schemas.microsoft.com/office/drawing/2014/main" id="{4C50F5D5-A7B4-2EBF-E864-540FE98CDF79}"/>
               </a:ext>
             </a:extLst>
           </p:cNvPr>
@@ -7304,7 +9890,7 @@
           <a:p>
             <a:r>
               <a:rPr lang="en-CA" dirty="0"/>
-              <a:t>Creating References</a:t>
+              <a:t>How to decide what is shared</a:t>
             </a:r>
           </a:p>
         </p:txBody>
@@ -7314,7 +9900,7 @@
           <p:cNvPr id="3" name="Content Placeholder 2">
             <a:extLst>
               <a:ext uri="{FF2B5EF4-FFF2-40B4-BE49-F238E27FC236}">
-                <a16:creationId xmlns:a16="http://schemas.microsoft.com/office/drawing/2014/main" id="{62B3AEFA-8DA2-9A83-C034-4DD2D9E88912}"/>
+                <a16:creationId xmlns:a16="http://schemas.microsoft.com/office/drawing/2014/main" id="{FCF0EB49-B570-8F6E-029C-487B9925962B}"/>
               </a:ext>
             </a:extLst>
           </p:cNvPr>
@@ -7330,6 +9916,36 @@
           <a:bodyPr/>
           <a:lstStyle/>
           <a:p>
+            <a:r>
+              <a:rPr lang="en-CA" dirty="0">
+                <a:solidFill>
+                  <a:schemeClr val="tx1"/>
+                </a:solidFill>
+              </a:rPr>
+              <a:t>Imagine writing another similar application, would the function or class be useful? </a:t>
+            </a:r>
+          </a:p>
+          <a:p>
+            <a:r>
+              <a:rPr lang="en-CA" dirty="0">
+                <a:solidFill>
+                  <a:schemeClr val="tx1"/>
+                </a:solidFill>
+              </a:rPr>
+              <a:t>Would I be able to reuse it as-is, or would I have to change it if I reused it? </a:t>
+            </a:r>
+          </a:p>
+          <a:p>
+            <a:r>
+              <a:rPr lang="en-CA" dirty="0">
+                <a:solidFill>
+                  <a:schemeClr val="tx1"/>
+                </a:solidFill>
+              </a:rPr>
+              <a:t>Is there some hidden dependency on code in the main program? </a:t>
+            </a:r>
+          </a:p>
+          <a:p>
             <a:endParaRPr lang="en-CA" dirty="0"/>
           </a:p>
         </p:txBody>
@@ -7337,7 +9953,7 @@
     </p:spTree>
     <p:extLst>
       <p:ext uri="{BB962C8B-B14F-4D97-AF65-F5344CB8AC3E}">
-        <p14:creationId xmlns:p14="http://schemas.microsoft.com/office/powerpoint/2010/main" val="3074158225"/>
+        <p14:creationId xmlns:p14="http://schemas.microsoft.com/office/powerpoint/2010/main" val="2633190151"/>
       </p:ext>
     </p:extLst>
   </p:cSld>
@@ -7369,7 +9985,7 @@
           <p:cNvPr id="2" name="Title 1">
             <a:extLst>
               <a:ext uri="{FF2B5EF4-FFF2-40B4-BE49-F238E27FC236}">
-                <a16:creationId xmlns:a16="http://schemas.microsoft.com/office/drawing/2014/main" id="{34BBE100-7FDF-8E64-8737-0E9E8A8D1DE1}"/>
+                <a16:creationId xmlns:a16="http://schemas.microsoft.com/office/drawing/2014/main" id="{5AD08E05-6F1D-C069-AFC5-953AFB9ACE4F}"/>
               </a:ext>
             </a:extLst>
           </p:cNvPr>
@@ -7387,7 +10003,7 @@
           <a:p>
             <a:r>
               <a:rPr lang="en-CA" dirty="0"/>
-              <a:t>How to create a Debug Profile</a:t>
+              <a:t>Good Practice</a:t>
             </a:r>
           </a:p>
         </p:txBody>
@@ -7397,7 +10013,7 @@
           <p:cNvPr id="3" name="Content Placeholder 2">
             <a:extLst>
               <a:ext uri="{FF2B5EF4-FFF2-40B4-BE49-F238E27FC236}">
-                <a16:creationId xmlns:a16="http://schemas.microsoft.com/office/drawing/2014/main" id="{920B49C2-D97E-C879-2539-880FAF893B15}"/>
+                <a16:creationId xmlns:a16="http://schemas.microsoft.com/office/drawing/2014/main" id="{2B8D4FCF-1D38-6F2E-E396-5F9FB75DE34F}"/>
               </a:ext>
             </a:extLst>
           </p:cNvPr>
@@ -7414,8 +10030,42 @@
           <a:lstStyle/>
           <a:p>
             <a:r>
-              <a:rPr lang="en-CA" dirty="0"/>
-              <a:t>This is how I run the programs</a:t>
+              <a:rPr lang="en-CA" dirty="0">
+                <a:solidFill>
+                  <a:schemeClr val="tx1"/>
+                </a:solidFill>
+              </a:rPr>
+              <a:t>Makes you think about the division of logic in your program</a:t>
+            </a:r>
+          </a:p>
+          <a:p>
+            <a:r>
+              <a:rPr lang="en-CA" dirty="0">
+                <a:solidFill>
+                  <a:schemeClr val="tx1"/>
+                </a:solidFill>
+              </a:rPr>
+              <a:t>This is what an AI will take a long time to get good at </a:t>
+            </a:r>
+          </a:p>
+          <a:p>
+            <a:r>
+              <a:rPr lang="en-CA" dirty="0">
+                <a:solidFill>
+                  <a:schemeClr val="tx1"/>
+                </a:solidFill>
+              </a:rPr>
+              <a:t>Helps you identify and reduce code coupling </a:t>
+            </a:r>
+          </a:p>
+          <a:p>
+            <a:r>
+              <a:rPr lang="en-CA" dirty="0">
+                <a:solidFill>
+                  <a:schemeClr val="tx1"/>
+                </a:solidFill>
+              </a:rPr>
+              <a:t>Overall reduces hidden complexity and decrease duplication</a:t>
             </a:r>
           </a:p>
         </p:txBody>
@@ -7423,7 +10073,7 @@
     </p:spTree>
     <p:extLst>
       <p:ext uri="{BB962C8B-B14F-4D97-AF65-F5344CB8AC3E}">
-        <p14:creationId xmlns:p14="http://schemas.microsoft.com/office/powerpoint/2010/main" val="958834460"/>
+        <p14:creationId xmlns:p14="http://schemas.microsoft.com/office/powerpoint/2010/main" val="789125817"/>
       </p:ext>
     </p:extLst>
   </p:cSld>
@@ -7455,7 +10105,7 @@
           <p:cNvPr id="2" name="Title 1">
             <a:extLst>
               <a:ext uri="{FF2B5EF4-FFF2-40B4-BE49-F238E27FC236}">
-                <a16:creationId xmlns:a16="http://schemas.microsoft.com/office/drawing/2014/main" id="{73183B50-BBDF-738A-385E-58994798A6D9}"/>
+                <a16:creationId xmlns:a16="http://schemas.microsoft.com/office/drawing/2014/main" id="{ED883475-6AFF-D8FA-488E-B5A9CB2950B8}"/>
               </a:ext>
             </a:extLst>
           </p:cNvPr>
@@ -7473,15 +10123,7 @@
           <a:p>
             <a:r>
               <a:rPr lang="en-CA" dirty="0"/>
-              <a:t>How I would tackle the </a:t>
-            </a:r>
-            <a:r>
-              <a:rPr lang="en-CA" dirty="0" err="1"/>
-              <a:t>dir</a:t>
-            </a:r>
-            <a:r>
-              <a:rPr lang="en-CA" dirty="0"/>
-              <a:t> assignment</a:t>
+              <a:t>Code Coupling</a:t>
             </a:r>
           </a:p>
         </p:txBody>
@@ -7491,7 +10133,7 @@
           <p:cNvPr id="3" name="Content Placeholder 2">
             <a:extLst>
               <a:ext uri="{FF2B5EF4-FFF2-40B4-BE49-F238E27FC236}">
-                <a16:creationId xmlns:a16="http://schemas.microsoft.com/office/drawing/2014/main" id="{0C12C5DC-C155-3D78-4EC3-FD01ACB54DA5}"/>
+                <a16:creationId xmlns:a16="http://schemas.microsoft.com/office/drawing/2014/main" id="{BEF6FE35-9789-85F2-8274-F24EE1796E31}"/>
               </a:ext>
             </a:extLst>
           </p:cNvPr>
@@ -7508,34 +10150,42 @@
           <a:lstStyle/>
           <a:p>
             <a:r>
-              <a:rPr lang="en-CA" dirty="0"/>
-              <a:t>Lots of small functions</a:t>
-            </a:r>
-          </a:p>
-          <a:p>
-            <a:r>
-              <a:rPr lang="en-CA" dirty="0"/>
-              <a:t>Use an options class </a:t>
-            </a:r>
-          </a:p>
-          <a:p>
-            <a:r>
-              <a:rPr lang="en-CA" dirty="0"/>
-              <a:t>A project for testing </a:t>
-            </a:r>
-          </a:p>
-          <a:p>
-            <a:r>
-              <a:rPr lang="en-CA" dirty="0"/>
-              <a:t>A project for shared code</a:t>
-            </a:r>
+              <a:rPr lang="en-CA" dirty="0">
+                <a:solidFill>
+                  <a:schemeClr val="tx1"/>
+                </a:solidFill>
+              </a:rPr>
+              <a:t>“</a:t>
+            </a:r>
+            <a:r>
+              <a:rPr lang="en-US" dirty="0">
+                <a:solidFill>
+                  <a:schemeClr val="tx1"/>
+                </a:solidFill>
+              </a:rPr>
+              <a:t>One of the earliest indicators of design quality was coupling. There are several ways to describe coupling, but it boils down to this: If changing one module in a program requires changing another module, then coupling exists.”</a:t>
+            </a:r>
+            <a:endParaRPr lang="en-CA" dirty="0">
+              <a:solidFill>
+                <a:schemeClr val="tx1"/>
+              </a:solidFill>
+            </a:endParaRPr>
+          </a:p>
+          <a:p>
+            <a:r>
+              <a:rPr lang="en-CA" dirty="0">
+                <a:hlinkClick r:id="rId2"/>
+              </a:rPr>
+              <a:t>https://www.martinfowler.com/ieeeSoftware/coupling.pdf</a:t>
+            </a:r>
+            <a:endParaRPr lang="en-CA" dirty="0"/>
           </a:p>
         </p:txBody>
       </p:sp>
     </p:spTree>
     <p:extLst>
       <p:ext uri="{BB962C8B-B14F-4D97-AF65-F5344CB8AC3E}">
-        <p14:creationId xmlns:p14="http://schemas.microsoft.com/office/powerpoint/2010/main" val="2747118284"/>
+        <p14:creationId xmlns:p14="http://schemas.microsoft.com/office/powerpoint/2010/main" val="3584241392"/>
       </p:ext>
     </p:extLst>
   </p:cSld>
